--- a/figures/fig1/fig1.pptx
+++ b/figures/fig1/fig1.pptx
@@ -104,6 +104,11 @@
       </a:defRPr>
     </a:lvl9pPr>
   </p:defaultTextStyle>
+  <p:extLst>
+    <p:ext uri="{EFAFB233-063F-42B5-8137-9DF3F51BA10A}">
+      <p15:sldGuideLst xmlns:p15="http://schemas.microsoft.com/office/powerpoint/2012/main"/>
+    </p:ext>
+  </p:extLst>
 </p:presentation>
 </file>
 
@@ -254,7 +259,7 @@
           <a:p>
             <a:fld id="{63E089F7-0D66-8D4E-BF21-C7B1994E88E0}" type="datetimeFigureOut">
               <a:rPr lang="en-US" smtClean="0"/>
-              <a:t>12/1/21</a:t>
+              <a:t>9/12/22</a:t>
             </a:fld>
             <a:endParaRPr lang="en-US"/>
           </a:p>
@@ -452,7 +457,7 @@
           <a:p>
             <a:fld id="{63E089F7-0D66-8D4E-BF21-C7B1994E88E0}" type="datetimeFigureOut">
               <a:rPr lang="en-US" smtClean="0"/>
-              <a:t>12/1/21</a:t>
+              <a:t>9/12/22</a:t>
             </a:fld>
             <a:endParaRPr lang="en-US"/>
           </a:p>
@@ -660,7 +665,7 @@
           <a:p>
             <a:fld id="{63E089F7-0D66-8D4E-BF21-C7B1994E88E0}" type="datetimeFigureOut">
               <a:rPr lang="en-US" smtClean="0"/>
-              <a:t>12/1/21</a:t>
+              <a:t>9/12/22</a:t>
             </a:fld>
             <a:endParaRPr lang="en-US"/>
           </a:p>
@@ -858,7 +863,7 @@
           <a:p>
             <a:fld id="{63E089F7-0D66-8D4E-BF21-C7B1994E88E0}" type="datetimeFigureOut">
               <a:rPr lang="en-US" smtClean="0"/>
-              <a:t>12/1/21</a:t>
+              <a:t>9/12/22</a:t>
             </a:fld>
             <a:endParaRPr lang="en-US"/>
           </a:p>
@@ -1133,7 +1138,7 @@
           <a:p>
             <a:fld id="{63E089F7-0D66-8D4E-BF21-C7B1994E88E0}" type="datetimeFigureOut">
               <a:rPr lang="en-US" smtClean="0"/>
-              <a:t>12/1/21</a:t>
+              <a:t>9/12/22</a:t>
             </a:fld>
             <a:endParaRPr lang="en-US"/>
           </a:p>
@@ -1398,7 +1403,7 @@
           <a:p>
             <a:fld id="{63E089F7-0D66-8D4E-BF21-C7B1994E88E0}" type="datetimeFigureOut">
               <a:rPr lang="en-US" smtClean="0"/>
-              <a:t>12/1/21</a:t>
+              <a:t>9/12/22</a:t>
             </a:fld>
             <a:endParaRPr lang="en-US"/>
           </a:p>
@@ -1810,7 +1815,7 @@
           <a:p>
             <a:fld id="{63E089F7-0D66-8D4E-BF21-C7B1994E88E0}" type="datetimeFigureOut">
               <a:rPr lang="en-US" smtClean="0"/>
-              <a:t>12/1/21</a:t>
+              <a:t>9/12/22</a:t>
             </a:fld>
             <a:endParaRPr lang="en-US"/>
           </a:p>
@@ -1951,7 +1956,7 @@
           <a:p>
             <a:fld id="{63E089F7-0D66-8D4E-BF21-C7B1994E88E0}" type="datetimeFigureOut">
               <a:rPr lang="en-US" smtClean="0"/>
-              <a:t>12/1/21</a:t>
+              <a:t>9/12/22</a:t>
             </a:fld>
             <a:endParaRPr lang="en-US"/>
           </a:p>
@@ -2064,7 +2069,7 @@
           <a:p>
             <a:fld id="{63E089F7-0D66-8D4E-BF21-C7B1994E88E0}" type="datetimeFigureOut">
               <a:rPr lang="en-US" smtClean="0"/>
-              <a:t>12/1/21</a:t>
+              <a:t>9/12/22</a:t>
             </a:fld>
             <a:endParaRPr lang="en-US"/>
           </a:p>
@@ -2375,7 +2380,7 @@
           <a:p>
             <a:fld id="{63E089F7-0D66-8D4E-BF21-C7B1994E88E0}" type="datetimeFigureOut">
               <a:rPr lang="en-US" smtClean="0"/>
-              <a:t>12/1/21</a:t>
+              <a:t>9/12/22</a:t>
             </a:fld>
             <a:endParaRPr lang="en-US"/>
           </a:p>
@@ -2663,7 +2668,7 @@
           <a:p>
             <a:fld id="{63E089F7-0D66-8D4E-BF21-C7B1994E88E0}" type="datetimeFigureOut">
               <a:rPr lang="en-US" smtClean="0"/>
-              <a:t>12/1/21</a:t>
+              <a:t>9/12/22</a:t>
             </a:fld>
             <a:endParaRPr lang="en-US"/>
           </a:p>
@@ -2904,7 +2909,7 @@
           <a:p>
             <a:fld id="{63E089F7-0D66-8D4E-BF21-C7B1994E88E0}" type="datetimeFigureOut">
               <a:rPr lang="en-US" smtClean="0"/>
-              <a:t>12/1/21</a:t>
+              <a:t>9/12/22</a:t>
             </a:fld>
             <a:endParaRPr lang="en-US"/>
           </a:p>
@@ -3365,10 +3370,10 @@
       </p:pic>
       <p:pic>
         <p:nvPicPr>
-          <p:cNvPr id="10" name="Picture 9">
-            <a:extLst>
-              <a:ext uri="{FF2B5EF4-FFF2-40B4-BE49-F238E27FC236}">
-                <a16:creationId xmlns:a16="http://schemas.microsoft.com/office/drawing/2014/main" id="{DC7A254F-2571-D047-A4CD-3710E77268F9}"/>
+          <p:cNvPr id="3" name="Picture 2">
+            <a:extLst>
+              <a:ext uri="{FF2B5EF4-FFF2-40B4-BE49-F238E27FC236}">
+                <a16:creationId xmlns:a16="http://schemas.microsoft.com/office/drawing/2014/main" id="{64454C7A-A07E-12A5-5A8A-237425E18B83}"/>
               </a:ext>
             </a:extLst>
           </p:cNvPr>
@@ -3379,13 +3384,13 @@
         </p:nvPicPr>
         <p:blipFill rotWithShape="1">
           <a:blip r:embed="rId3"/>
-          <a:srcRect l="9028"/>
+          <a:srcRect l="9134" t="6920" r="3936" b="1266"/>
           <a:stretch/>
         </p:blipFill>
         <p:spPr>
           <a:xfrm>
-            <a:off x="4921321" y="-10274"/>
-            <a:ext cx="4820954" cy="6888822"/>
+            <a:off x="4921320" y="486138"/>
+            <a:ext cx="4581319" cy="6261904"/>
           </a:xfrm>
           <a:prstGeom prst="rect">
             <a:avLst/>
@@ -3394,10 +3399,10 @@
       </p:pic>
       <p:pic>
         <p:nvPicPr>
-          <p:cNvPr id="14" name="Picture 13">
-            <a:extLst>
-              <a:ext uri="{FF2B5EF4-FFF2-40B4-BE49-F238E27FC236}">
-                <a16:creationId xmlns:a16="http://schemas.microsoft.com/office/drawing/2014/main" id="{521195CE-EA63-F84A-8043-0731EFBB3075}"/>
+          <p:cNvPr id="5" name="Picture 4">
+            <a:extLst>
+              <a:ext uri="{FF2B5EF4-FFF2-40B4-BE49-F238E27FC236}">
+                <a16:creationId xmlns:a16="http://schemas.microsoft.com/office/drawing/2014/main" id="{92FEEC90-28A1-A3AD-12AE-1D3FC7FBD42B}"/>
               </a:ext>
             </a:extLst>
           </p:cNvPr>
@@ -3414,8 +3419,8 @@
         </p:blipFill>
         <p:spPr>
           <a:xfrm>
-            <a:off x="8341979" y="739738"/>
-            <a:ext cx="1400296" cy="403475"/>
+            <a:off x="6805738" y="606868"/>
+            <a:ext cx="1389138" cy="440273"/>
           </a:xfrm>
           <a:prstGeom prst="rect">
             <a:avLst/>

--- a/figures/fig1/fig1.pptx
+++ b/figures/fig1/fig1.pptx
@@ -6,6 +6,8 @@
   </p:sldMasterIdLst>
   <p:sldIdLst>
     <p:sldId id="256" r:id="rId2"/>
+    <p:sldId id="257" r:id="rId3"/>
+    <p:sldId id="258" r:id="rId4"/>
   </p:sldIdLst>
   <p:sldSz cx="12192000" cy="6858000"/>
   <p:notesSz cx="6858000" cy="9144000"/>
@@ -259,7 +261,7 @@
           <a:p>
             <a:fld id="{63E089F7-0D66-8D4E-BF21-C7B1994E88E0}" type="datetimeFigureOut">
               <a:rPr lang="en-US" smtClean="0"/>
-              <a:t>9/12/22</a:t>
+              <a:t>10/13/22</a:t>
             </a:fld>
             <a:endParaRPr lang="en-US"/>
           </a:p>
@@ -457,7 +459,7 @@
           <a:p>
             <a:fld id="{63E089F7-0D66-8D4E-BF21-C7B1994E88E0}" type="datetimeFigureOut">
               <a:rPr lang="en-US" smtClean="0"/>
-              <a:t>9/12/22</a:t>
+              <a:t>10/13/22</a:t>
             </a:fld>
             <a:endParaRPr lang="en-US"/>
           </a:p>
@@ -665,7 +667,7 @@
           <a:p>
             <a:fld id="{63E089F7-0D66-8D4E-BF21-C7B1994E88E0}" type="datetimeFigureOut">
               <a:rPr lang="en-US" smtClean="0"/>
-              <a:t>9/12/22</a:t>
+              <a:t>10/13/22</a:t>
             </a:fld>
             <a:endParaRPr lang="en-US"/>
           </a:p>
@@ -863,7 +865,7 @@
           <a:p>
             <a:fld id="{63E089F7-0D66-8D4E-BF21-C7B1994E88E0}" type="datetimeFigureOut">
               <a:rPr lang="en-US" smtClean="0"/>
-              <a:t>9/12/22</a:t>
+              <a:t>10/13/22</a:t>
             </a:fld>
             <a:endParaRPr lang="en-US"/>
           </a:p>
@@ -1138,7 +1140,7 @@
           <a:p>
             <a:fld id="{63E089F7-0D66-8D4E-BF21-C7B1994E88E0}" type="datetimeFigureOut">
               <a:rPr lang="en-US" smtClean="0"/>
-              <a:t>9/12/22</a:t>
+              <a:t>10/13/22</a:t>
             </a:fld>
             <a:endParaRPr lang="en-US"/>
           </a:p>
@@ -1403,7 +1405,7 @@
           <a:p>
             <a:fld id="{63E089F7-0D66-8D4E-BF21-C7B1994E88E0}" type="datetimeFigureOut">
               <a:rPr lang="en-US" smtClean="0"/>
-              <a:t>9/12/22</a:t>
+              <a:t>10/13/22</a:t>
             </a:fld>
             <a:endParaRPr lang="en-US"/>
           </a:p>
@@ -1815,7 +1817,7 @@
           <a:p>
             <a:fld id="{63E089F7-0D66-8D4E-BF21-C7B1994E88E0}" type="datetimeFigureOut">
               <a:rPr lang="en-US" smtClean="0"/>
-              <a:t>9/12/22</a:t>
+              <a:t>10/13/22</a:t>
             </a:fld>
             <a:endParaRPr lang="en-US"/>
           </a:p>
@@ -1956,7 +1958,7 @@
           <a:p>
             <a:fld id="{63E089F7-0D66-8D4E-BF21-C7B1994E88E0}" type="datetimeFigureOut">
               <a:rPr lang="en-US" smtClean="0"/>
-              <a:t>9/12/22</a:t>
+              <a:t>10/13/22</a:t>
             </a:fld>
             <a:endParaRPr lang="en-US"/>
           </a:p>
@@ -2069,7 +2071,7 @@
           <a:p>
             <a:fld id="{63E089F7-0D66-8D4E-BF21-C7B1994E88E0}" type="datetimeFigureOut">
               <a:rPr lang="en-US" smtClean="0"/>
-              <a:t>9/12/22</a:t>
+              <a:t>10/13/22</a:t>
             </a:fld>
             <a:endParaRPr lang="en-US"/>
           </a:p>
@@ -2380,7 +2382,7 @@
           <a:p>
             <a:fld id="{63E089F7-0D66-8D4E-BF21-C7B1994E88E0}" type="datetimeFigureOut">
               <a:rPr lang="en-US" smtClean="0"/>
-              <a:t>9/12/22</a:t>
+              <a:t>10/13/22</a:t>
             </a:fld>
             <a:endParaRPr lang="en-US"/>
           </a:p>
@@ -2668,7 +2670,7 @@
           <a:p>
             <a:fld id="{63E089F7-0D66-8D4E-BF21-C7B1994E88E0}" type="datetimeFigureOut">
               <a:rPr lang="en-US" smtClean="0"/>
-              <a:t>9/12/22</a:t>
+              <a:t>10/13/22</a:t>
             </a:fld>
             <a:endParaRPr lang="en-US"/>
           </a:p>
@@ -2909,7 +2911,7 @@
           <a:p>
             <a:fld id="{63E089F7-0D66-8D4E-BF21-C7B1994E88E0}" type="datetimeFigureOut">
               <a:rPr lang="en-US" smtClean="0"/>
-              <a:t>9/12/22</a:t>
+              <a:t>10/13/22</a:t>
             </a:fld>
             <a:endParaRPr lang="en-US"/>
           </a:p>
@@ -3326,77 +3328,490 @@
           <a:chExt cx="0" cy="0"/>
         </a:xfrm>
       </p:grpSpPr>
-      <p:pic>
-        <p:nvPicPr>
-          <p:cNvPr id="7" name="Picture 6">
-            <a:extLst>
-              <a:ext uri="{FF2B5EF4-FFF2-40B4-BE49-F238E27FC236}">
-                <a16:creationId xmlns:a16="http://schemas.microsoft.com/office/drawing/2014/main" id="{AFE6B3B0-5450-8947-84F3-AE01E51E7E00}"/>
-              </a:ext>
-            </a:extLst>
-          </p:cNvPr>
-          <p:cNvPicPr>
-            <a:picLocks noChangeAspect="1"/>
-          </p:cNvPicPr>
+      <p:cxnSp>
+        <p:nvCxnSpPr>
+          <p:cNvPr id="32" name="Straight Connector 31">
+            <a:extLst>
+              <a:ext uri="{FF2B5EF4-FFF2-40B4-BE49-F238E27FC236}">
+                <a16:creationId xmlns:a16="http://schemas.microsoft.com/office/drawing/2014/main" id="{2EC949E7-EDAC-729E-5D7E-996C01A22E87}"/>
+              </a:ext>
+            </a:extLst>
+          </p:cNvPr>
+          <p:cNvCxnSpPr/>
           <p:nvPr/>
-        </p:nvPicPr>
-        <p:blipFill rotWithShape="1">
-          <a:blip r:embed="rId2">
-            <a:clrChange>
-              <a:clrFrom>
-                <a:srgbClr val="000000">
-                  <a:alpha val="0"/>
-                </a:srgbClr>
-              </a:clrFrom>
-              <a:clrTo>
-                <a:srgbClr val="000000">
-                  <a:alpha val="0"/>
-                </a:srgbClr>
-              </a:clrTo>
-            </a:clrChange>
-          </a:blip>
-          <a:srcRect r="7134"/>
-          <a:stretch/>
-        </p:blipFill>
+        </p:nvCxnSpPr>
         <p:spPr>
           <a:xfrm>
-            <a:off x="0" y="0"/>
-            <a:ext cx="4921321" cy="6858000"/>
+            <a:off x="4362517" y="5421181"/>
+            <a:ext cx="4522827" cy="0"/>
           </a:xfrm>
-          <a:prstGeom prst="rect">
+          <a:prstGeom prst="line">
             <a:avLst/>
           </a:prstGeom>
+          <a:ln w="12700">
+            <a:solidFill>
+              <a:schemeClr val="tx1"/>
+            </a:solidFill>
+            <a:prstDash val="sysDot"/>
+          </a:ln>
         </p:spPr>
-      </p:pic>
-      <p:pic>
-        <p:nvPicPr>
-          <p:cNvPr id="3" name="Picture 2">
-            <a:extLst>
-              <a:ext uri="{FF2B5EF4-FFF2-40B4-BE49-F238E27FC236}">
-                <a16:creationId xmlns:a16="http://schemas.microsoft.com/office/drawing/2014/main" id="{64454C7A-A07E-12A5-5A8A-237425E18B83}"/>
-              </a:ext>
-            </a:extLst>
-          </p:cNvPr>
-          <p:cNvPicPr>
-            <a:picLocks noChangeAspect="1"/>
-          </p:cNvPicPr>
+        <p:style>
+          <a:lnRef idx="1">
+            <a:schemeClr val="accent1"/>
+          </a:lnRef>
+          <a:fillRef idx="0">
+            <a:schemeClr val="accent1"/>
+          </a:fillRef>
+          <a:effectRef idx="0">
+            <a:schemeClr val="accent1"/>
+          </a:effectRef>
+          <a:fontRef idx="minor">
+            <a:schemeClr val="tx1"/>
+          </a:fontRef>
+        </p:style>
+      </p:cxnSp>
+      <p:cxnSp>
+        <p:nvCxnSpPr>
+          <p:cNvPr id="33" name="Straight Connector 32">
+            <a:extLst>
+              <a:ext uri="{FF2B5EF4-FFF2-40B4-BE49-F238E27FC236}">
+                <a16:creationId xmlns:a16="http://schemas.microsoft.com/office/drawing/2014/main" id="{D5EDE5E1-CC3A-A383-0EC4-30301A621F9C}"/>
+              </a:ext>
+            </a:extLst>
+          </p:cNvPr>
+          <p:cNvCxnSpPr/>
           <p:nvPr/>
-        </p:nvPicPr>
-        <p:blipFill rotWithShape="1">
-          <a:blip r:embed="rId3"/>
-          <a:srcRect l="9134" t="6920" r="3936" b="1266"/>
-          <a:stretch/>
-        </p:blipFill>
+        </p:nvCxnSpPr>
         <p:spPr>
           <a:xfrm>
-            <a:off x="4921320" y="486138"/>
-            <a:ext cx="4581319" cy="6261904"/>
+            <a:off x="4362517" y="5143705"/>
+            <a:ext cx="4522827" cy="0"/>
           </a:xfrm>
-          <a:prstGeom prst="rect">
+          <a:prstGeom prst="line">
             <a:avLst/>
           </a:prstGeom>
+          <a:ln w="12700">
+            <a:solidFill>
+              <a:schemeClr val="tx1"/>
+            </a:solidFill>
+            <a:prstDash val="sysDot"/>
+          </a:ln>
         </p:spPr>
-      </p:pic>
+        <p:style>
+          <a:lnRef idx="1">
+            <a:schemeClr val="accent1"/>
+          </a:lnRef>
+          <a:fillRef idx="0">
+            <a:schemeClr val="accent1"/>
+          </a:fillRef>
+          <a:effectRef idx="0">
+            <a:schemeClr val="accent1"/>
+          </a:effectRef>
+          <a:fontRef idx="minor">
+            <a:schemeClr val="tx1"/>
+          </a:fontRef>
+        </p:style>
+      </p:cxnSp>
+      <p:cxnSp>
+        <p:nvCxnSpPr>
+          <p:cNvPr id="34" name="Straight Connector 33">
+            <a:extLst>
+              <a:ext uri="{FF2B5EF4-FFF2-40B4-BE49-F238E27FC236}">
+                <a16:creationId xmlns:a16="http://schemas.microsoft.com/office/drawing/2014/main" id="{01CED54D-9E55-DE7E-3ADA-4B733E7DB005}"/>
+              </a:ext>
+            </a:extLst>
+          </p:cNvPr>
+          <p:cNvCxnSpPr/>
+          <p:nvPr/>
+        </p:nvCxnSpPr>
+        <p:spPr>
+          <a:xfrm>
+            <a:off x="4362516" y="3946081"/>
+            <a:ext cx="4522827" cy="0"/>
+          </a:xfrm>
+          <a:prstGeom prst="line">
+            <a:avLst/>
+          </a:prstGeom>
+          <a:ln w="12700">
+            <a:solidFill>
+              <a:schemeClr val="tx1"/>
+            </a:solidFill>
+            <a:prstDash val="sysDot"/>
+          </a:ln>
+        </p:spPr>
+        <p:style>
+          <a:lnRef idx="1">
+            <a:schemeClr val="accent1"/>
+          </a:lnRef>
+          <a:fillRef idx="0">
+            <a:schemeClr val="accent1"/>
+          </a:fillRef>
+          <a:effectRef idx="0">
+            <a:schemeClr val="accent1"/>
+          </a:effectRef>
+          <a:fontRef idx="minor">
+            <a:schemeClr val="tx1"/>
+          </a:fontRef>
+        </p:style>
+      </p:cxnSp>
+      <p:cxnSp>
+        <p:nvCxnSpPr>
+          <p:cNvPr id="31" name="Straight Connector 30">
+            <a:extLst>
+              <a:ext uri="{FF2B5EF4-FFF2-40B4-BE49-F238E27FC236}">
+                <a16:creationId xmlns:a16="http://schemas.microsoft.com/office/drawing/2014/main" id="{57BC3BD1-F439-3961-114B-2220776FA41B}"/>
+              </a:ext>
+            </a:extLst>
+          </p:cNvPr>
+          <p:cNvCxnSpPr/>
+          <p:nvPr/>
+        </p:nvCxnSpPr>
+        <p:spPr>
+          <a:xfrm>
+            <a:off x="4362517" y="3756736"/>
+            <a:ext cx="4522827" cy="0"/>
+          </a:xfrm>
+          <a:prstGeom prst="line">
+            <a:avLst/>
+          </a:prstGeom>
+          <a:ln w="12700">
+            <a:solidFill>
+              <a:schemeClr val="tx1"/>
+            </a:solidFill>
+            <a:prstDash val="sysDot"/>
+          </a:ln>
+        </p:spPr>
+        <p:style>
+          <a:lnRef idx="1">
+            <a:schemeClr val="accent1"/>
+          </a:lnRef>
+          <a:fillRef idx="0">
+            <a:schemeClr val="accent1"/>
+          </a:fillRef>
+          <a:effectRef idx="0">
+            <a:schemeClr val="accent1"/>
+          </a:effectRef>
+          <a:fontRef idx="minor">
+            <a:schemeClr val="tx1"/>
+          </a:fontRef>
+        </p:style>
+      </p:cxnSp>
+      <p:cxnSp>
+        <p:nvCxnSpPr>
+          <p:cNvPr id="30" name="Straight Connector 29">
+            <a:extLst>
+              <a:ext uri="{FF2B5EF4-FFF2-40B4-BE49-F238E27FC236}">
+                <a16:creationId xmlns:a16="http://schemas.microsoft.com/office/drawing/2014/main" id="{4E18D2FB-0A4F-42B3-8D07-1F5886B4CF9C}"/>
+              </a:ext>
+            </a:extLst>
+          </p:cNvPr>
+          <p:cNvCxnSpPr/>
+          <p:nvPr/>
+        </p:nvCxnSpPr>
+        <p:spPr>
+          <a:xfrm>
+            <a:off x="4362517" y="3313950"/>
+            <a:ext cx="4522827" cy="0"/>
+          </a:xfrm>
+          <a:prstGeom prst="line">
+            <a:avLst/>
+          </a:prstGeom>
+          <a:ln w="12700">
+            <a:solidFill>
+              <a:schemeClr val="tx1"/>
+            </a:solidFill>
+            <a:prstDash val="sysDot"/>
+          </a:ln>
+        </p:spPr>
+        <p:style>
+          <a:lnRef idx="1">
+            <a:schemeClr val="accent1"/>
+          </a:lnRef>
+          <a:fillRef idx="0">
+            <a:schemeClr val="accent1"/>
+          </a:fillRef>
+          <a:effectRef idx="0">
+            <a:schemeClr val="accent1"/>
+          </a:effectRef>
+          <a:fontRef idx="minor">
+            <a:schemeClr val="tx1"/>
+          </a:fontRef>
+        </p:style>
+      </p:cxnSp>
+      <p:cxnSp>
+        <p:nvCxnSpPr>
+          <p:cNvPr id="27" name="Straight Connector 26">
+            <a:extLst>
+              <a:ext uri="{FF2B5EF4-FFF2-40B4-BE49-F238E27FC236}">
+                <a16:creationId xmlns:a16="http://schemas.microsoft.com/office/drawing/2014/main" id="{7F6C4805-B592-3B01-9DA0-0F0359717ABC}"/>
+              </a:ext>
+            </a:extLst>
+          </p:cNvPr>
+          <p:cNvCxnSpPr/>
+          <p:nvPr/>
+        </p:nvCxnSpPr>
+        <p:spPr>
+          <a:xfrm>
+            <a:off x="4362519" y="2633596"/>
+            <a:ext cx="4522827" cy="0"/>
+          </a:xfrm>
+          <a:prstGeom prst="line">
+            <a:avLst/>
+          </a:prstGeom>
+          <a:ln w="12700">
+            <a:solidFill>
+              <a:schemeClr val="tx1"/>
+            </a:solidFill>
+            <a:prstDash val="sysDot"/>
+          </a:ln>
+        </p:spPr>
+        <p:style>
+          <a:lnRef idx="1">
+            <a:schemeClr val="accent1"/>
+          </a:lnRef>
+          <a:fillRef idx="0">
+            <a:schemeClr val="accent1"/>
+          </a:fillRef>
+          <a:effectRef idx="0">
+            <a:schemeClr val="accent1"/>
+          </a:effectRef>
+          <a:fontRef idx="minor">
+            <a:schemeClr val="tx1"/>
+          </a:fontRef>
+        </p:style>
+      </p:cxnSp>
+      <p:cxnSp>
+        <p:nvCxnSpPr>
+          <p:cNvPr id="28" name="Straight Connector 27">
+            <a:extLst>
+              <a:ext uri="{FF2B5EF4-FFF2-40B4-BE49-F238E27FC236}">
+                <a16:creationId xmlns:a16="http://schemas.microsoft.com/office/drawing/2014/main" id="{56D711C6-5D91-66C8-7DA8-07054E268DC1}"/>
+              </a:ext>
+            </a:extLst>
+          </p:cNvPr>
+          <p:cNvCxnSpPr/>
+          <p:nvPr/>
+        </p:nvCxnSpPr>
+        <p:spPr>
+          <a:xfrm>
+            <a:off x="4362518" y="2199434"/>
+            <a:ext cx="4522827" cy="0"/>
+          </a:xfrm>
+          <a:prstGeom prst="line">
+            <a:avLst/>
+          </a:prstGeom>
+          <a:ln w="12700">
+            <a:solidFill>
+              <a:schemeClr val="tx1"/>
+            </a:solidFill>
+            <a:prstDash val="sysDot"/>
+          </a:ln>
+        </p:spPr>
+        <p:style>
+          <a:lnRef idx="1">
+            <a:schemeClr val="accent1"/>
+          </a:lnRef>
+          <a:fillRef idx="0">
+            <a:schemeClr val="accent1"/>
+          </a:fillRef>
+          <a:effectRef idx="0">
+            <a:schemeClr val="accent1"/>
+          </a:effectRef>
+          <a:fontRef idx="minor">
+            <a:schemeClr val="tx1"/>
+          </a:fontRef>
+        </p:style>
+      </p:cxnSp>
+      <p:cxnSp>
+        <p:nvCxnSpPr>
+          <p:cNvPr id="26" name="Straight Connector 25">
+            <a:extLst>
+              <a:ext uri="{FF2B5EF4-FFF2-40B4-BE49-F238E27FC236}">
+                <a16:creationId xmlns:a16="http://schemas.microsoft.com/office/drawing/2014/main" id="{AD6C430E-3461-FF9E-6B84-4B2FCFA7D26F}"/>
+              </a:ext>
+            </a:extLst>
+          </p:cNvPr>
+          <p:cNvCxnSpPr/>
+          <p:nvPr/>
+        </p:nvCxnSpPr>
+        <p:spPr>
+          <a:xfrm>
+            <a:off x="4362520" y="1763935"/>
+            <a:ext cx="4522827" cy="0"/>
+          </a:xfrm>
+          <a:prstGeom prst="line">
+            <a:avLst/>
+          </a:prstGeom>
+          <a:ln w="12700">
+            <a:solidFill>
+              <a:schemeClr val="tx1"/>
+            </a:solidFill>
+            <a:prstDash val="sysDot"/>
+          </a:ln>
+        </p:spPr>
+        <p:style>
+          <a:lnRef idx="1">
+            <a:schemeClr val="accent1"/>
+          </a:lnRef>
+          <a:fillRef idx="0">
+            <a:schemeClr val="accent1"/>
+          </a:fillRef>
+          <a:effectRef idx="0">
+            <a:schemeClr val="accent1"/>
+          </a:effectRef>
+          <a:fontRef idx="minor">
+            <a:schemeClr val="tx1"/>
+          </a:fontRef>
+        </p:style>
+      </p:cxnSp>
+      <p:grpSp>
+        <p:nvGrpSpPr>
+          <p:cNvPr id="134" name="Group 133">
+            <a:extLst>
+              <a:ext uri="{FF2B5EF4-FFF2-40B4-BE49-F238E27FC236}">
+                <a16:creationId xmlns:a16="http://schemas.microsoft.com/office/drawing/2014/main" id="{6F61B49B-C081-7163-1FE8-DFAB6F7CD453}"/>
+              </a:ext>
+            </a:extLst>
+          </p:cNvPr>
+          <p:cNvGrpSpPr/>
+          <p:nvPr/>
+        </p:nvGrpSpPr>
+        <p:grpSpPr>
+          <a:xfrm>
+            <a:off x="0" y="80002"/>
+            <a:ext cx="8930733" cy="6697996"/>
+            <a:chOff x="558800" y="96167"/>
+            <a:chExt cx="8930733" cy="6697996"/>
+          </a:xfrm>
+        </p:grpSpPr>
+        <p:cxnSp>
+          <p:nvCxnSpPr>
+            <p:cNvPr id="29" name="Straight Connector 28">
+              <a:extLst>
+                <a:ext uri="{FF2B5EF4-FFF2-40B4-BE49-F238E27FC236}">
+                  <a16:creationId xmlns:a16="http://schemas.microsoft.com/office/drawing/2014/main" id="{03C558A7-6207-F127-716F-3082CAB467A0}"/>
+                </a:ext>
+              </a:extLst>
+            </p:cNvPr>
+            <p:cNvCxnSpPr/>
+            <p:nvPr/>
+          </p:nvCxnSpPr>
+          <p:spPr>
+            <a:xfrm>
+              <a:off x="4921318" y="2984015"/>
+              <a:ext cx="4522827" cy="0"/>
+            </a:xfrm>
+            <a:prstGeom prst="line">
+              <a:avLst/>
+            </a:prstGeom>
+            <a:ln w="12700">
+              <a:solidFill>
+                <a:schemeClr val="tx1"/>
+              </a:solidFill>
+              <a:prstDash val="sysDot"/>
+            </a:ln>
+          </p:spPr>
+          <p:style>
+            <a:lnRef idx="1">
+              <a:schemeClr val="accent1"/>
+            </a:lnRef>
+            <a:fillRef idx="0">
+              <a:schemeClr val="accent1"/>
+            </a:fillRef>
+            <a:effectRef idx="0">
+              <a:schemeClr val="accent1"/>
+            </a:effectRef>
+            <a:fontRef idx="minor">
+              <a:schemeClr val="tx1"/>
+            </a:fontRef>
+          </p:style>
+        </p:cxnSp>
+        <p:pic>
+          <p:nvPicPr>
+            <p:cNvPr id="7" name="Picture 6">
+              <a:extLst>
+                <a:ext uri="{FF2B5EF4-FFF2-40B4-BE49-F238E27FC236}">
+                  <a16:creationId xmlns:a16="http://schemas.microsoft.com/office/drawing/2014/main" id="{AFE6B3B0-5450-8947-84F3-AE01E51E7E00}"/>
+                </a:ext>
+              </a:extLst>
+            </p:cNvPr>
+            <p:cNvPicPr>
+              <a:picLocks noChangeAspect="1"/>
+            </p:cNvPicPr>
+            <p:nvPr/>
+          </p:nvPicPr>
+          <p:blipFill rotWithShape="1">
+            <a:blip r:embed="rId2">
+              <a:clrChange>
+                <a:clrFrom>
+                  <a:srgbClr val="000000">
+                    <a:alpha val="0"/>
+                  </a:srgbClr>
+                </a:clrFrom>
+                <a:clrTo>
+                  <a:srgbClr val="000000">
+                    <a:alpha val="0"/>
+                  </a:srgbClr>
+                </a:clrTo>
+              </a:clrChange>
+            </a:blip>
+            <a:srcRect l="10545" t="337" r="7134" b="1997"/>
+            <a:stretch/>
+          </p:blipFill>
+          <p:spPr>
+            <a:xfrm>
+              <a:off x="558800" y="96167"/>
+              <a:ext cx="4362521" cy="6697993"/>
+            </a:xfrm>
+            <a:prstGeom prst="rect">
+              <a:avLst/>
+            </a:prstGeom>
+          </p:spPr>
+        </p:pic>
+        <p:pic>
+          <p:nvPicPr>
+            <p:cNvPr id="3" name="Picture 2">
+              <a:extLst>
+                <a:ext uri="{FF2B5EF4-FFF2-40B4-BE49-F238E27FC236}">
+                  <a16:creationId xmlns:a16="http://schemas.microsoft.com/office/drawing/2014/main" id="{64454C7A-A07E-12A5-5A8A-237425E18B83}"/>
+                </a:ext>
+              </a:extLst>
+            </p:cNvPr>
+            <p:cNvPicPr>
+              <a:picLocks noChangeAspect="1"/>
+            </p:cNvPicPr>
+            <p:nvPr/>
+          </p:nvPicPr>
+          <p:blipFill rotWithShape="1">
+            <a:blip r:embed="rId3">
+              <a:clrChange>
+                <a:clrFrom>
+                  <a:srgbClr val="000000">
+                    <a:alpha val="0"/>
+                  </a:srgbClr>
+                </a:clrFrom>
+                <a:clrTo>
+                  <a:srgbClr val="000000">
+                    <a:alpha val="0"/>
+                  </a:srgbClr>
+                </a:clrTo>
+              </a:clrChange>
+              <a:alphaModFix amt="81000"/>
+            </a:blip>
+            <a:srcRect l="9032" t="6920" r="3936" b="1266"/>
+            <a:stretch/>
+          </p:blipFill>
+          <p:spPr>
+            <a:xfrm>
+              <a:off x="4902844" y="532259"/>
+              <a:ext cx="4586689" cy="6261904"/>
+            </a:xfrm>
+            <a:prstGeom prst="rect">
+              <a:avLst/>
+            </a:prstGeom>
+          </p:spPr>
+        </p:pic>
+      </p:grpSp>
       <p:pic>
         <p:nvPicPr>
           <p:cNvPr id="5" name="Picture 4">
@@ -3419,7 +3834,7 @@
         </p:blipFill>
         <p:spPr>
           <a:xfrm>
-            <a:off x="6805738" y="606868"/>
+            <a:off x="6246938" y="606868"/>
             <a:ext cx="1389138" cy="440273"/>
           </a:xfrm>
           <a:prstGeom prst="rect">
@@ -3427,10 +3842,1089 @@
           </a:prstGeom>
         </p:spPr>
       </p:pic>
+      <p:grpSp>
+        <p:nvGrpSpPr>
+          <p:cNvPr id="128" name="Group 127">
+            <a:extLst>
+              <a:ext uri="{FF2B5EF4-FFF2-40B4-BE49-F238E27FC236}">
+                <a16:creationId xmlns:a16="http://schemas.microsoft.com/office/drawing/2014/main" id="{F251295F-0DA9-532E-7D24-B3B5338F32FC}"/>
+              </a:ext>
+            </a:extLst>
+          </p:cNvPr>
+          <p:cNvGrpSpPr/>
+          <p:nvPr/>
+        </p:nvGrpSpPr>
+        <p:grpSpPr>
+          <a:xfrm>
+            <a:off x="12832100" y="606868"/>
+            <a:ext cx="2776224" cy="5694217"/>
+            <a:chOff x="9415776" y="552840"/>
+            <a:chExt cx="2776224" cy="5694217"/>
+          </a:xfrm>
+        </p:grpSpPr>
+        <p:pic>
+          <p:nvPicPr>
+            <p:cNvPr id="42" name="Graphic 41">
+              <a:extLst>
+                <a:ext uri="{FF2B5EF4-FFF2-40B4-BE49-F238E27FC236}">
+                  <a16:creationId xmlns:a16="http://schemas.microsoft.com/office/drawing/2014/main" id="{9429A21A-C306-1E66-8593-E3F02787867D}"/>
+                </a:ext>
+              </a:extLst>
+            </p:cNvPr>
+            <p:cNvPicPr>
+              <a:picLocks noChangeAspect="1"/>
+            </p:cNvPicPr>
+            <p:nvPr/>
+          </p:nvPicPr>
+          <p:blipFill>
+            <a:blip r:embed="rId5">
+              <a:extLst>
+                <a:ext uri="{96DAC541-7B7A-43D3-8B79-37D633B846F1}">
+                  <asvg:svgBlip xmlns:asvg="http://schemas.microsoft.com/office/drawing/2016/SVG/main" r:embed="rId6"/>
+                </a:ext>
+              </a:extLst>
+            </a:blip>
+            <a:stretch>
+              <a:fillRect/>
+            </a:stretch>
+          </p:blipFill>
+          <p:spPr>
+            <a:xfrm>
+              <a:off x="9610271" y="877014"/>
+              <a:ext cx="1229596" cy="542469"/>
+            </a:xfrm>
+            <a:prstGeom prst="rect">
+              <a:avLst/>
+            </a:prstGeom>
+          </p:spPr>
+        </p:pic>
+        <p:pic>
+          <p:nvPicPr>
+            <p:cNvPr id="50" name="Graphic 49">
+              <a:extLst>
+                <a:ext uri="{FF2B5EF4-FFF2-40B4-BE49-F238E27FC236}">
+                  <a16:creationId xmlns:a16="http://schemas.microsoft.com/office/drawing/2014/main" id="{1B352C31-C2E2-655D-DA55-DBECA43D8E4A}"/>
+                </a:ext>
+              </a:extLst>
+            </p:cNvPr>
+            <p:cNvPicPr>
+              <a:picLocks noChangeAspect="1"/>
+            </p:cNvPicPr>
+            <p:nvPr/>
+          </p:nvPicPr>
+          <p:blipFill>
+            <a:blip r:embed="rId7">
+              <a:extLst>
+                <a:ext uri="{96DAC541-7B7A-43D3-8B79-37D633B846F1}">
+                  <asvg:svgBlip xmlns:asvg="http://schemas.microsoft.com/office/drawing/2016/SVG/main" r:embed="rId8"/>
+                </a:ext>
+              </a:extLst>
+            </a:blip>
+            <a:stretch>
+              <a:fillRect/>
+            </a:stretch>
+          </p:blipFill>
+          <p:spPr>
+            <a:xfrm>
+              <a:off x="9580859" y="1724991"/>
+              <a:ext cx="1382048" cy="416808"/>
+            </a:xfrm>
+            <a:prstGeom prst="rect">
+              <a:avLst/>
+            </a:prstGeom>
+          </p:spPr>
+        </p:pic>
+        <p:pic>
+          <p:nvPicPr>
+            <p:cNvPr id="64" name="Graphic 63">
+              <a:extLst>
+                <a:ext uri="{FF2B5EF4-FFF2-40B4-BE49-F238E27FC236}">
+                  <a16:creationId xmlns:a16="http://schemas.microsoft.com/office/drawing/2014/main" id="{E408FA4F-F3FF-A696-5AAE-134C6CE845A2}"/>
+                </a:ext>
+              </a:extLst>
+            </p:cNvPr>
+            <p:cNvPicPr>
+              <a:picLocks noChangeAspect="1"/>
+            </p:cNvPicPr>
+            <p:nvPr/>
+          </p:nvPicPr>
+          <p:blipFill rotWithShape="1">
+            <a:blip r:embed="rId9">
+              <a:extLst>
+                <a:ext uri="{96DAC541-7B7A-43D3-8B79-37D633B846F1}">
+                  <asvg:svgBlip xmlns:asvg="http://schemas.microsoft.com/office/drawing/2016/SVG/main" r:embed="rId10"/>
+                </a:ext>
+              </a:extLst>
+            </a:blip>
+            <a:srcRect l="12937" t="14997" r="73303" b="77901"/>
+            <a:stretch/>
+          </p:blipFill>
+          <p:spPr>
+            <a:xfrm>
+              <a:off x="9461765" y="2063229"/>
+              <a:ext cx="1070429" cy="781690"/>
+            </a:xfrm>
+            <a:prstGeom prst="rect">
+              <a:avLst/>
+            </a:prstGeom>
+          </p:spPr>
+        </p:pic>
+        <p:pic>
+          <p:nvPicPr>
+            <p:cNvPr id="68" name="Graphic 67">
+              <a:extLst>
+                <a:ext uri="{FF2B5EF4-FFF2-40B4-BE49-F238E27FC236}">
+                  <a16:creationId xmlns:a16="http://schemas.microsoft.com/office/drawing/2014/main" id="{26267578-E428-57D2-B0D5-07FC537FA606}"/>
+                </a:ext>
+              </a:extLst>
+            </p:cNvPr>
+            <p:cNvPicPr>
+              <a:picLocks noChangeAspect="1"/>
+            </p:cNvPicPr>
+            <p:nvPr/>
+          </p:nvPicPr>
+          <p:blipFill>
+            <a:blip r:embed="rId11">
+              <a:extLst>
+                <a:ext uri="{96DAC541-7B7A-43D3-8B79-37D633B846F1}">
+                  <asvg:svgBlip xmlns:asvg="http://schemas.microsoft.com/office/drawing/2016/SVG/main" r:embed="rId12"/>
+                </a:ext>
+              </a:extLst>
+            </a:blip>
+            <a:stretch>
+              <a:fillRect/>
+            </a:stretch>
+          </p:blipFill>
+          <p:spPr>
+            <a:xfrm>
+              <a:off x="11184648" y="2101102"/>
+              <a:ext cx="543834" cy="609620"/>
+            </a:xfrm>
+            <a:prstGeom prst="rect">
+              <a:avLst/>
+            </a:prstGeom>
+          </p:spPr>
+        </p:pic>
+        <p:pic>
+          <p:nvPicPr>
+            <p:cNvPr id="74" name="Graphic 73">
+              <a:extLst>
+                <a:ext uri="{FF2B5EF4-FFF2-40B4-BE49-F238E27FC236}">
+                  <a16:creationId xmlns:a16="http://schemas.microsoft.com/office/drawing/2014/main" id="{9332F4F8-8DAE-C9A3-ECA6-58789C831ECA}"/>
+                </a:ext>
+              </a:extLst>
+            </p:cNvPr>
+            <p:cNvPicPr>
+              <a:picLocks noChangeAspect="1"/>
+            </p:cNvPicPr>
+            <p:nvPr/>
+          </p:nvPicPr>
+          <p:blipFill>
+            <a:blip r:embed="rId13">
+              <a:extLst>
+                <a:ext uri="{96DAC541-7B7A-43D3-8B79-37D633B846F1}">
+                  <asvg:svgBlip xmlns:asvg="http://schemas.microsoft.com/office/drawing/2016/SVG/main" r:embed="rId14"/>
+                </a:ext>
+              </a:extLst>
+            </a:blip>
+            <a:stretch>
+              <a:fillRect/>
+            </a:stretch>
+          </p:blipFill>
+          <p:spPr>
+            <a:xfrm>
+              <a:off x="11227431" y="2921499"/>
+              <a:ext cx="597520" cy="435439"/>
+            </a:xfrm>
+            <a:prstGeom prst="rect">
+              <a:avLst/>
+            </a:prstGeom>
+          </p:spPr>
+        </p:pic>
+        <p:pic>
+          <p:nvPicPr>
+            <p:cNvPr id="82" name="Graphic 81">
+              <a:extLst>
+                <a:ext uri="{FF2B5EF4-FFF2-40B4-BE49-F238E27FC236}">
+                  <a16:creationId xmlns:a16="http://schemas.microsoft.com/office/drawing/2014/main" id="{15A8396F-DDD8-20DE-EF3F-29C47CF46F3D}"/>
+                </a:ext>
+              </a:extLst>
+            </p:cNvPr>
+            <p:cNvPicPr>
+              <a:picLocks noChangeAspect="1"/>
+            </p:cNvPicPr>
+            <p:nvPr/>
+          </p:nvPicPr>
+          <p:blipFill>
+            <a:blip r:embed="rId15">
+              <a:extLst>
+                <a:ext uri="{96DAC541-7B7A-43D3-8B79-37D633B846F1}">
+                  <asvg:svgBlip xmlns:asvg="http://schemas.microsoft.com/office/drawing/2016/SVG/main" r:embed="rId16"/>
+                </a:ext>
+              </a:extLst>
+            </a:blip>
+            <a:stretch>
+              <a:fillRect/>
+            </a:stretch>
+          </p:blipFill>
+          <p:spPr>
+            <a:xfrm>
+              <a:off x="11184648" y="3587462"/>
+              <a:ext cx="630811" cy="306691"/>
+            </a:xfrm>
+            <a:prstGeom prst="rect">
+              <a:avLst/>
+            </a:prstGeom>
+          </p:spPr>
+        </p:pic>
+        <p:pic>
+          <p:nvPicPr>
+            <p:cNvPr id="90" name="Picture 89">
+              <a:extLst>
+                <a:ext uri="{FF2B5EF4-FFF2-40B4-BE49-F238E27FC236}">
+                  <a16:creationId xmlns:a16="http://schemas.microsoft.com/office/drawing/2014/main" id="{5FDAE701-D9F5-4C67-3BFC-B9A18BBAE9E0}"/>
+                </a:ext>
+              </a:extLst>
+            </p:cNvPr>
+            <p:cNvPicPr>
+              <a:picLocks noChangeAspect="1"/>
+            </p:cNvPicPr>
+            <p:nvPr/>
+          </p:nvPicPr>
+          <p:blipFill>
+            <a:blip r:embed="rId17"/>
+            <a:stretch>
+              <a:fillRect/>
+            </a:stretch>
+          </p:blipFill>
+          <p:spPr>
+            <a:xfrm>
+              <a:off x="9649357" y="3785935"/>
+              <a:ext cx="1099016" cy="301500"/>
+            </a:xfrm>
+            <a:prstGeom prst="rect">
+              <a:avLst/>
+            </a:prstGeom>
+          </p:spPr>
+        </p:pic>
+        <p:pic>
+          <p:nvPicPr>
+            <p:cNvPr id="98" name="Graphic 97">
+              <a:extLst>
+                <a:ext uri="{FF2B5EF4-FFF2-40B4-BE49-F238E27FC236}">
+                  <a16:creationId xmlns:a16="http://schemas.microsoft.com/office/drawing/2014/main" id="{0207F0C0-D5BA-F6EA-FE0A-F35EDEDCB911}"/>
+                </a:ext>
+              </a:extLst>
+            </p:cNvPr>
+            <p:cNvPicPr>
+              <a:picLocks noChangeAspect="1"/>
+            </p:cNvPicPr>
+            <p:nvPr/>
+          </p:nvPicPr>
+          <p:blipFill rotWithShape="1">
+            <a:blip r:embed="rId18">
+              <a:extLst>
+                <a:ext uri="{96DAC541-7B7A-43D3-8B79-37D633B846F1}">
+                  <asvg:svgBlip xmlns:asvg="http://schemas.microsoft.com/office/drawing/2016/SVG/main" r:embed="rId19"/>
+                </a:ext>
+              </a:extLst>
+            </a:blip>
+            <a:srcRect l="22287" t="15565" r="55414" b="75003"/>
+            <a:stretch/>
+          </p:blipFill>
+          <p:spPr>
+            <a:xfrm flipH="1">
+              <a:off x="9652541" y="4188119"/>
+              <a:ext cx="1080655" cy="646801"/>
+            </a:xfrm>
+            <a:prstGeom prst="rect">
+              <a:avLst/>
+            </a:prstGeom>
+          </p:spPr>
+        </p:pic>
+        <p:pic>
+          <p:nvPicPr>
+            <p:cNvPr id="106" name="Picture 105">
+              <a:extLst>
+                <a:ext uri="{FF2B5EF4-FFF2-40B4-BE49-F238E27FC236}">
+                  <a16:creationId xmlns:a16="http://schemas.microsoft.com/office/drawing/2014/main" id="{DBEC2180-7CD2-0C2E-F12A-43076CCBAEA5}"/>
+                </a:ext>
+              </a:extLst>
+            </p:cNvPr>
+            <p:cNvPicPr>
+              <a:picLocks noChangeAspect="1"/>
+            </p:cNvPicPr>
+            <p:nvPr/>
+          </p:nvPicPr>
+          <p:blipFill>
+            <a:blip r:embed="rId20"/>
+            <a:stretch>
+              <a:fillRect/>
+            </a:stretch>
+          </p:blipFill>
+          <p:spPr>
+            <a:xfrm>
+              <a:off x="9770470" y="4867545"/>
+              <a:ext cx="521314" cy="599560"/>
+            </a:xfrm>
+            <a:prstGeom prst="rect">
+              <a:avLst/>
+            </a:prstGeom>
+          </p:spPr>
+        </p:pic>
+        <p:cxnSp>
+          <p:nvCxnSpPr>
+            <p:cNvPr id="108" name="Straight Connector 107">
+              <a:extLst>
+                <a:ext uri="{FF2B5EF4-FFF2-40B4-BE49-F238E27FC236}">
+                  <a16:creationId xmlns:a16="http://schemas.microsoft.com/office/drawing/2014/main" id="{019A166F-4B6E-3789-0631-F43DD6B16C02}"/>
+                </a:ext>
+              </a:extLst>
+            </p:cNvPr>
+            <p:cNvCxnSpPr>
+              <a:cxnSpLocks/>
+            </p:cNvCxnSpPr>
+            <p:nvPr/>
+          </p:nvCxnSpPr>
+          <p:spPr>
+            <a:xfrm>
+              <a:off x="9444143" y="552840"/>
+              <a:ext cx="2747857" cy="0"/>
+            </a:xfrm>
+            <a:prstGeom prst="line">
+              <a:avLst/>
+            </a:prstGeom>
+          </p:spPr>
+          <p:style>
+            <a:lnRef idx="1">
+              <a:schemeClr val="dk1"/>
+            </a:lnRef>
+            <a:fillRef idx="0">
+              <a:schemeClr val="dk1"/>
+            </a:fillRef>
+            <a:effectRef idx="0">
+              <a:schemeClr val="dk1"/>
+            </a:effectRef>
+            <a:fontRef idx="minor">
+              <a:schemeClr val="tx1"/>
+            </a:fontRef>
+          </p:style>
+        </p:cxnSp>
+        <p:cxnSp>
+          <p:nvCxnSpPr>
+            <p:cNvPr id="110" name="Straight Connector 109">
+              <a:extLst>
+                <a:ext uri="{FF2B5EF4-FFF2-40B4-BE49-F238E27FC236}">
+                  <a16:creationId xmlns:a16="http://schemas.microsoft.com/office/drawing/2014/main" id="{33C80523-ACF2-46F0-B057-5390D65752EF}"/>
+                </a:ext>
+              </a:extLst>
+            </p:cNvPr>
+            <p:cNvCxnSpPr>
+              <a:cxnSpLocks/>
+            </p:cNvCxnSpPr>
+            <p:nvPr/>
+          </p:nvCxnSpPr>
+          <p:spPr>
+            <a:xfrm>
+              <a:off x="9438243" y="6247057"/>
+              <a:ext cx="2747857" cy="0"/>
+            </a:xfrm>
+            <a:prstGeom prst="line">
+              <a:avLst/>
+            </a:prstGeom>
+          </p:spPr>
+          <p:style>
+            <a:lnRef idx="1">
+              <a:schemeClr val="dk1"/>
+            </a:lnRef>
+            <a:fillRef idx="0">
+              <a:schemeClr val="dk1"/>
+            </a:fillRef>
+            <a:effectRef idx="0">
+              <a:schemeClr val="dk1"/>
+            </a:effectRef>
+            <a:fontRef idx="minor">
+              <a:schemeClr val="tx1"/>
+            </a:fontRef>
+          </p:style>
+        </p:cxnSp>
+        <p:pic>
+          <p:nvPicPr>
+            <p:cNvPr id="112" name="Graphic 111">
+              <a:extLst>
+                <a:ext uri="{FF2B5EF4-FFF2-40B4-BE49-F238E27FC236}">
+                  <a16:creationId xmlns:a16="http://schemas.microsoft.com/office/drawing/2014/main" id="{C70780E4-C98A-B36E-D097-32EE9AA69696}"/>
+                </a:ext>
+              </a:extLst>
+            </p:cNvPr>
+            <p:cNvPicPr>
+              <a:picLocks noChangeAspect="1"/>
+            </p:cNvPicPr>
+            <p:nvPr/>
+          </p:nvPicPr>
+          <p:blipFill>
+            <a:blip r:embed="rId21">
+              <a:extLst>
+                <a:ext uri="{96DAC541-7B7A-43D3-8B79-37D633B846F1}">
+                  <asvg:svgBlip xmlns:asvg="http://schemas.microsoft.com/office/drawing/2016/SVG/main" r:embed="rId22"/>
+                </a:ext>
+              </a:extLst>
+            </a:blip>
+            <a:stretch>
+              <a:fillRect/>
+            </a:stretch>
+          </p:blipFill>
+          <p:spPr>
+            <a:xfrm>
+              <a:off x="9638552" y="5486431"/>
+              <a:ext cx="899900" cy="695377"/>
+            </a:xfrm>
+            <a:prstGeom prst="rect">
+              <a:avLst/>
+            </a:prstGeom>
+          </p:spPr>
+        </p:pic>
+        <p:sp>
+          <p:nvSpPr>
+            <p:cNvPr id="124" name="Freeform 123">
+              <a:extLst>
+                <a:ext uri="{FF2B5EF4-FFF2-40B4-BE49-F238E27FC236}">
+                  <a16:creationId xmlns:a16="http://schemas.microsoft.com/office/drawing/2014/main" id="{24676D49-C0D1-4CFB-368A-81E6DF14E01A}"/>
+                </a:ext>
+              </a:extLst>
+            </p:cNvPr>
+            <p:cNvSpPr/>
+            <p:nvPr/>
+          </p:nvSpPr>
+          <p:spPr>
+            <a:xfrm>
+              <a:off x="9441712" y="1839433"/>
+              <a:ext cx="2381693" cy="805487"/>
+            </a:xfrm>
+            <a:custGeom>
+              <a:avLst/>
+              <a:gdLst>
+                <a:gd name="connsiteX0" fmla="*/ 0 w 2381693"/>
+                <a:gd name="connsiteY0" fmla="*/ 786809 h 805487"/>
+                <a:gd name="connsiteX1" fmla="*/ 1041990 w 2381693"/>
+                <a:gd name="connsiteY1" fmla="*/ 776176 h 805487"/>
+                <a:gd name="connsiteX2" fmla="*/ 1711841 w 2381693"/>
+                <a:gd name="connsiteY2" fmla="*/ 510362 h 805487"/>
+                <a:gd name="connsiteX3" fmla="*/ 2052083 w 2381693"/>
+                <a:gd name="connsiteY3" fmla="*/ 85060 h 805487"/>
+                <a:gd name="connsiteX4" fmla="*/ 2381693 w 2381693"/>
+                <a:gd name="connsiteY4" fmla="*/ 0 h 805487"/>
+                <a:gd name="connsiteX5" fmla="*/ 2381693 w 2381693"/>
+                <a:gd name="connsiteY5" fmla="*/ 0 h 805487"/>
+              </a:gdLst>
+              <a:ahLst/>
+              <a:cxnLst>
+                <a:cxn ang="0">
+                  <a:pos x="connsiteX0" y="connsiteY0"/>
+                </a:cxn>
+                <a:cxn ang="0">
+                  <a:pos x="connsiteX1" y="connsiteY1"/>
+                </a:cxn>
+                <a:cxn ang="0">
+                  <a:pos x="connsiteX2" y="connsiteY2"/>
+                </a:cxn>
+                <a:cxn ang="0">
+                  <a:pos x="connsiteX3" y="connsiteY3"/>
+                </a:cxn>
+                <a:cxn ang="0">
+                  <a:pos x="connsiteX4" y="connsiteY4"/>
+                </a:cxn>
+                <a:cxn ang="0">
+                  <a:pos x="connsiteX5" y="connsiteY5"/>
+                </a:cxn>
+              </a:cxnLst>
+              <a:rect l="l" t="t" r="r" b="b"/>
+              <a:pathLst>
+                <a:path w="2381693" h="805487">
+                  <a:moveTo>
+                    <a:pt x="0" y="786809"/>
+                  </a:moveTo>
+                  <a:cubicBezTo>
+                    <a:pt x="378341" y="804529"/>
+                    <a:pt x="756683" y="822250"/>
+                    <a:pt x="1041990" y="776176"/>
+                  </a:cubicBezTo>
+                  <a:cubicBezTo>
+                    <a:pt x="1327297" y="730102"/>
+                    <a:pt x="1543492" y="625548"/>
+                    <a:pt x="1711841" y="510362"/>
+                  </a:cubicBezTo>
+                  <a:cubicBezTo>
+                    <a:pt x="1880190" y="395176"/>
+                    <a:pt x="1940441" y="170120"/>
+                    <a:pt x="2052083" y="85060"/>
+                  </a:cubicBezTo>
+                  <a:cubicBezTo>
+                    <a:pt x="2163725" y="0"/>
+                    <a:pt x="2381693" y="0"/>
+                    <a:pt x="2381693" y="0"/>
+                  </a:cubicBezTo>
+                  <a:lnTo>
+                    <a:pt x="2381693" y="0"/>
+                  </a:lnTo>
+                </a:path>
+              </a:pathLst>
+            </a:custGeom>
+            <a:noFill/>
+            <a:ln>
+              <a:solidFill>
+                <a:schemeClr val="tx1"/>
+              </a:solidFill>
+              <a:prstDash val="sysDot"/>
+            </a:ln>
+          </p:spPr>
+          <p:style>
+            <a:lnRef idx="2">
+              <a:schemeClr val="accent1">
+                <a:shade val="50000"/>
+              </a:schemeClr>
+            </a:lnRef>
+            <a:fillRef idx="1">
+              <a:schemeClr val="accent1"/>
+            </a:fillRef>
+            <a:effectRef idx="0">
+              <a:schemeClr val="accent1"/>
+            </a:effectRef>
+            <a:fontRef idx="minor">
+              <a:schemeClr val="lt1"/>
+            </a:fontRef>
+          </p:style>
+          <p:txBody>
+            <a:bodyPr rtlCol="0" anchor="ctr"/>
+            <a:lstStyle/>
+            <a:p>
+              <a:pPr algn="ctr"/>
+              <a:endParaRPr lang="en-US"/>
+            </a:p>
+          </p:txBody>
+        </p:sp>
+        <p:sp>
+          <p:nvSpPr>
+            <p:cNvPr id="125" name="Freeform 124">
+              <a:extLst>
+                <a:ext uri="{FF2B5EF4-FFF2-40B4-BE49-F238E27FC236}">
+                  <a16:creationId xmlns:a16="http://schemas.microsoft.com/office/drawing/2014/main" id="{22EF7D67-5312-0889-CCFE-C6341B6D0482}"/>
+                </a:ext>
+              </a:extLst>
+            </p:cNvPr>
+            <p:cNvSpPr/>
+            <p:nvPr/>
+          </p:nvSpPr>
+          <p:spPr>
+            <a:xfrm flipV="1">
+              <a:off x="9433766" y="3743403"/>
+              <a:ext cx="2381693" cy="469678"/>
+            </a:xfrm>
+            <a:custGeom>
+              <a:avLst/>
+              <a:gdLst>
+                <a:gd name="connsiteX0" fmla="*/ 0 w 2381693"/>
+                <a:gd name="connsiteY0" fmla="*/ 786809 h 805487"/>
+                <a:gd name="connsiteX1" fmla="*/ 1041990 w 2381693"/>
+                <a:gd name="connsiteY1" fmla="*/ 776176 h 805487"/>
+                <a:gd name="connsiteX2" fmla="*/ 1711841 w 2381693"/>
+                <a:gd name="connsiteY2" fmla="*/ 510362 h 805487"/>
+                <a:gd name="connsiteX3" fmla="*/ 2052083 w 2381693"/>
+                <a:gd name="connsiteY3" fmla="*/ 85060 h 805487"/>
+                <a:gd name="connsiteX4" fmla="*/ 2381693 w 2381693"/>
+                <a:gd name="connsiteY4" fmla="*/ 0 h 805487"/>
+                <a:gd name="connsiteX5" fmla="*/ 2381693 w 2381693"/>
+                <a:gd name="connsiteY5" fmla="*/ 0 h 805487"/>
+              </a:gdLst>
+              <a:ahLst/>
+              <a:cxnLst>
+                <a:cxn ang="0">
+                  <a:pos x="connsiteX0" y="connsiteY0"/>
+                </a:cxn>
+                <a:cxn ang="0">
+                  <a:pos x="connsiteX1" y="connsiteY1"/>
+                </a:cxn>
+                <a:cxn ang="0">
+                  <a:pos x="connsiteX2" y="connsiteY2"/>
+                </a:cxn>
+                <a:cxn ang="0">
+                  <a:pos x="connsiteX3" y="connsiteY3"/>
+                </a:cxn>
+                <a:cxn ang="0">
+                  <a:pos x="connsiteX4" y="connsiteY4"/>
+                </a:cxn>
+                <a:cxn ang="0">
+                  <a:pos x="connsiteX5" y="connsiteY5"/>
+                </a:cxn>
+              </a:cxnLst>
+              <a:rect l="l" t="t" r="r" b="b"/>
+              <a:pathLst>
+                <a:path w="2381693" h="805487">
+                  <a:moveTo>
+                    <a:pt x="0" y="786809"/>
+                  </a:moveTo>
+                  <a:cubicBezTo>
+                    <a:pt x="378341" y="804529"/>
+                    <a:pt x="756683" y="822250"/>
+                    <a:pt x="1041990" y="776176"/>
+                  </a:cubicBezTo>
+                  <a:cubicBezTo>
+                    <a:pt x="1327297" y="730102"/>
+                    <a:pt x="1543492" y="625548"/>
+                    <a:pt x="1711841" y="510362"/>
+                  </a:cubicBezTo>
+                  <a:cubicBezTo>
+                    <a:pt x="1880190" y="395176"/>
+                    <a:pt x="1940441" y="170120"/>
+                    <a:pt x="2052083" y="85060"/>
+                  </a:cubicBezTo>
+                  <a:cubicBezTo>
+                    <a:pt x="2163725" y="0"/>
+                    <a:pt x="2381693" y="0"/>
+                    <a:pt x="2381693" y="0"/>
+                  </a:cubicBezTo>
+                  <a:lnTo>
+                    <a:pt x="2381693" y="0"/>
+                  </a:lnTo>
+                </a:path>
+              </a:pathLst>
+            </a:custGeom>
+            <a:noFill/>
+            <a:ln>
+              <a:solidFill>
+                <a:schemeClr val="tx1"/>
+              </a:solidFill>
+              <a:prstDash val="sysDot"/>
+            </a:ln>
+          </p:spPr>
+          <p:style>
+            <a:lnRef idx="2">
+              <a:schemeClr val="accent1">
+                <a:shade val="50000"/>
+              </a:schemeClr>
+            </a:lnRef>
+            <a:fillRef idx="1">
+              <a:schemeClr val="accent1"/>
+            </a:fillRef>
+            <a:effectRef idx="0">
+              <a:schemeClr val="accent1"/>
+            </a:effectRef>
+            <a:fontRef idx="minor">
+              <a:schemeClr val="lt1"/>
+            </a:fontRef>
+          </p:style>
+          <p:txBody>
+            <a:bodyPr rtlCol="0" anchor="ctr"/>
+            <a:lstStyle/>
+            <a:p>
+              <a:pPr algn="ctr"/>
+              <a:endParaRPr lang="en-US" dirty="0"/>
+            </a:p>
+          </p:txBody>
+        </p:sp>
+        <p:sp>
+          <p:nvSpPr>
+            <p:cNvPr id="126" name="Freeform 125">
+              <a:extLst>
+                <a:ext uri="{FF2B5EF4-FFF2-40B4-BE49-F238E27FC236}">
+                  <a16:creationId xmlns:a16="http://schemas.microsoft.com/office/drawing/2014/main" id="{9901D9D3-5AA3-EAA9-119C-D5CC2D4B5B2D}"/>
+                </a:ext>
+              </a:extLst>
+            </p:cNvPr>
+            <p:cNvSpPr/>
+            <p:nvPr/>
+          </p:nvSpPr>
+          <p:spPr>
+            <a:xfrm>
+              <a:off x="9415776" y="2773929"/>
+              <a:ext cx="2381693" cy="224558"/>
+            </a:xfrm>
+            <a:custGeom>
+              <a:avLst/>
+              <a:gdLst>
+                <a:gd name="connsiteX0" fmla="*/ 0 w 2381693"/>
+                <a:gd name="connsiteY0" fmla="*/ 786809 h 805487"/>
+                <a:gd name="connsiteX1" fmla="*/ 1041990 w 2381693"/>
+                <a:gd name="connsiteY1" fmla="*/ 776176 h 805487"/>
+                <a:gd name="connsiteX2" fmla="*/ 1711841 w 2381693"/>
+                <a:gd name="connsiteY2" fmla="*/ 510362 h 805487"/>
+                <a:gd name="connsiteX3" fmla="*/ 2052083 w 2381693"/>
+                <a:gd name="connsiteY3" fmla="*/ 85060 h 805487"/>
+                <a:gd name="connsiteX4" fmla="*/ 2381693 w 2381693"/>
+                <a:gd name="connsiteY4" fmla="*/ 0 h 805487"/>
+                <a:gd name="connsiteX5" fmla="*/ 2381693 w 2381693"/>
+                <a:gd name="connsiteY5" fmla="*/ 0 h 805487"/>
+              </a:gdLst>
+              <a:ahLst/>
+              <a:cxnLst>
+                <a:cxn ang="0">
+                  <a:pos x="connsiteX0" y="connsiteY0"/>
+                </a:cxn>
+                <a:cxn ang="0">
+                  <a:pos x="connsiteX1" y="connsiteY1"/>
+                </a:cxn>
+                <a:cxn ang="0">
+                  <a:pos x="connsiteX2" y="connsiteY2"/>
+                </a:cxn>
+                <a:cxn ang="0">
+                  <a:pos x="connsiteX3" y="connsiteY3"/>
+                </a:cxn>
+                <a:cxn ang="0">
+                  <a:pos x="connsiteX4" y="connsiteY4"/>
+                </a:cxn>
+                <a:cxn ang="0">
+                  <a:pos x="connsiteX5" y="connsiteY5"/>
+                </a:cxn>
+              </a:cxnLst>
+              <a:rect l="l" t="t" r="r" b="b"/>
+              <a:pathLst>
+                <a:path w="2381693" h="805487">
+                  <a:moveTo>
+                    <a:pt x="0" y="786809"/>
+                  </a:moveTo>
+                  <a:cubicBezTo>
+                    <a:pt x="378341" y="804529"/>
+                    <a:pt x="756683" y="822250"/>
+                    <a:pt x="1041990" y="776176"/>
+                  </a:cubicBezTo>
+                  <a:cubicBezTo>
+                    <a:pt x="1327297" y="730102"/>
+                    <a:pt x="1543492" y="625548"/>
+                    <a:pt x="1711841" y="510362"/>
+                  </a:cubicBezTo>
+                  <a:cubicBezTo>
+                    <a:pt x="1880190" y="395176"/>
+                    <a:pt x="1940441" y="170120"/>
+                    <a:pt x="2052083" y="85060"/>
+                  </a:cubicBezTo>
+                  <a:cubicBezTo>
+                    <a:pt x="2163725" y="0"/>
+                    <a:pt x="2381693" y="0"/>
+                    <a:pt x="2381693" y="0"/>
+                  </a:cubicBezTo>
+                  <a:lnTo>
+                    <a:pt x="2381693" y="0"/>
+                  </a:lnTo>
+                </a:path>
+              </a:pathLst>
+            </a:custGeom>
+            <a:noFill/>
+            <a:ln>
+              <a:solidFill>
+                <a:schemeClr val="tx1"/>
+              </a:solidFill>
+              <a:prstDash val="sysDot"/>
+            </a:ln>
+          </p:spPr>
+          <p:style>
+            <a:lnRef idx="2">
+              <a:schemeClr val="accent1">
+                <a:shade val="50000"/>
+              </a:schemeClr>
+            </a:lnRef>
+            <a:fillRef idx="1">
+              <a:schemeClr val="accent1"/>
+            </a:fillRef>
+            <a:effectRef idx="0">
+              <a:schemeClr val="accent1"/>
+            </a:effectRef>
+            <a:fontRef idx="minor">
+              <a:schemeClr val="lt1"/>
+            </a:fontRef>
+          </p:style>
+          <p:txBody>
+            <a:bodyPr rtlCol="0" anchor="ctr"/>
+            <a:lstStyle/>
+            <a:p>
+              <a:pPr algn="ctr"/>
+              <a:endParaRPr lang="en-US"/>
+            </a:p>
+          </p:txBody>
+        </p:sp>
+        <p:sp>
+          <p:nvSpPr>
+            <p:cNvPr id="127" name="Freeform 126">
+              <a:extLst>
+                <a:ext uri="{FF2B5EF4-FFF2-40B4-BE49-F238E27FC236}">
+                  <a16:creationId xmlns:a16="http://schemas.microsoft.com/office/drawing/2014/main" id="{8EBDF6A8-A3EE-F44A-F80C-14B0067AC1E0}"/>
+                </a:ext>
+              </a:extLst>
+            </p:cNvPr>
+            <p:cNvSpPr/>
+            <p:nvPr/>
+          </p:nvSpPr>
+          <p:spPr>
+            <a:xfrm flipV="1">
+              <a:off x="9441711" y="3299541"/>
+              <a:ext cx="2381693" cy="264679"/>
+            </a:xfrm>
+            <a:custGeom>
+              <a:avLst/>
+              <a:gdLst>
+                <a:gd name="connsiteX0" fmla="*/ 0 w 2381693"/>
+                <a:gd name="connsiteY0" fmla="*/ 786809 h 805487"/>
+                <a:gd name="connsiteX1" fmla="*/ 1041990 w 2381693"/>
+                <a:gd name="connsiteY1" fmla="*/ 776176 h 805487"/>
+                <a:gd name="connsiteX2" fmla="*/ 1711841 w 2381693"/>
+                <a:gd name="connsiteY2" fmla="*/ 510362 h 805487"/>
+                <a:gd name="connsiteX3" fmla="*/ 2052083 w 2381693"/>
+                <a:gd name="connsiteY3" fmla="*/ 85060 h 805487"/>
+                <a:gd name="connsiteX4" fmla="*/ 2381693 w 2381693"/>
+                <a:gd name="connsiteY4" fmla="*/ 0 h 805487"/>
+                <a:gd name="connsiteX5" fmla="*/ 2381693 w 2381693"/>
+                <a:gd name="connsiteY5" fmla="*/ 0 h 805487"/>
+              </a:gdLst>
+              <a:ahLst/>
+              <a:cxnLst>
+                <a:cxn ang="0">
+                  <a:pos x="connsiteX0" y="connsiteY0"/>
+                </a:cxn>
+                <a:cxn ang="0">
+                  <a:pos x="connsiteX1" y="connsiteY1"/>
+                </a:cxn>
+                <a:cxn ang="0">
+                  <a:pos x="connsiteX2" y="connsiteY2"/>
+                </a:cxn>
+                <a:cxn ang="0">
+                  <a:pos x="connsiteX3" y="connsiteY3"/>
+                </a:cxn>
+                <a:cxn ang="0">
+                  <a:pos x="connsiteX4" y="connsiteY4"/>
+                </a:cxn>
+                <a:cxn ang="0">
+                  <a:pos x="connsiteX5" y="connsiteY5"/>
+                </a:cxn>
+              </a:cxnLst>
+              <a:rect l="l" t="t" r="r" b="b"/>
+              <a:pathLst>
+                <a:path w="2381693" h="805487">
+                  <a:moveTo>
+                    <a:pt x="0" y="786809"/>
+                  </a:moveTo>
+                  <a:cubicBezTo>
+                    <a:pt x="378341" y="804529"/>
+                    <a:pt x="756683" y="822250"/>
+                    <a:pt x="1041990" y="776176"/>
+                  </a:cubicBezTo>
+                  <a:cubicBezTo>
+                    <a:pt x="1327297" y="730102"/>
+                    <a:pt x="1543492" y="625548"/>
+                    <a:pt x="1711841" y="510362"/>
+                  </a:cubicBezTo>
+                  <a:cubicBezTo>
+                    <a:pt x="1880190" y="395176"/>
+                    <a:pt x="1940441" y="170120"/>
+                    <a:pt x="2052083" y="85060"/>
+                  </a:cubicBezTo>
+                  <a:cubicBezTo>
+                    <a:pt x="2163725" y="0"/>
+                    <a:pt x="2381693" y="0"/>
+                    <a:pt x="2381693" y="0"/>
+                  </a:cubicBezTo>
+                  <a:lnTo>
+                    <a:pt x="2381693" y="0"/>
+                  </a:lnTo>
+                </a:path>
+              </a:pathLst>
+            </a:custGeom>
+            <a:noFill/>
+            <a:ln>
+              <a:solidFill>
+                <a:schemeClr val="tx1"/>
+              </a:solidFill>
+              <a:prstDash val="sysDot"/>
+            </a:ln>
+          </p:spPr>
+          <p:style>
+            <a:lnRef idx="2">
+              <a:schemeClr val="accent1">
+                <a:shade val="50000"/>
+              </a:schemeClr>
+            </a:lnRef>
+            <a:fillRef idx="1">
+              <a:schemeClr val="accent1"/>
+            </a:fillRef>
+            <a:effectRef idx="0">
+              <a:schemeClr val="accent1"/>
+            </a:effectRef>
+            <a:fontRef idx="minor">
+              <a:schemeClr val="lt1"/>
+            </a:fontRef>
+          </p:style>
+          <p:txBody>
+            <a:bodyPr rtlCol="0" anchor="ctr"/>
+            <a:lstStyle/>
+            <a:p>
+              <a:pPr algn="ctr"/>
+              <a:endParaRPr lang="en-US"/>
+            </a:p>
+          </p:txBody>
+        </p:sp>
+      </p:grpSp>
     </p:spTree>
     <p:extLst>
       <p:ext uri="{BB962C8B-B14F-4D97-AF65-F5344CB8AC3E}">
         <p14:creationId xmlns:p14="http://schemas.microsoft.com/office/powerpoint/2010/main" val="2298972492"/>
+      </p:ext>
+    </p:extLst>
+  </p:cSld>
+  <p:clrMapOvr>
+    <a:masterClrMapping/>
+  </p:clrMapOvr>
+</p:sld>
+</file>
+
+<file path=ppt/slides/slide2.xml><?xml version="1.0" encoding="utf-8"?>
+<p:sld xmlns:a="http://schemas.openxmlformats.org/drawingml/2006/main" xmlns:r="http://schemas.openxmlformats.org/officeDocument/2006/relationships" xmlns:p="http://schemas.openxmlformats.org/presentationml/2006/main">
+  <p:cSld>
+    <p:spTree>
+      <p:nvGrpSpPr>
+        <p:cNvPr id="1" name=""/>
+        <p:cNvGrpSpPr/>
+        <p:nvPr/>
+      </p:nvGrpSpPr>
+      <p:grpSpPr>
+        <a:xfrm>
+          <a:off x="0" y="0"/>
+          <a:ext cx="0" cy="0"/>
+          <a:chOff x="0" y="0"/>
+          <a:chExt cx="0" cy="0"/>
+        </a:xfrm>
+      </p:grpSpPr>
+      <p:sp>
+        <p:nvSpPr>
+          <p:cNvPr id="2" name="Title 1">
+            <a:extLst>
+              <a:ext uri="{FF2B5EF4-FFF2-40B4-BE49-F238E27FC236}">
+                <a16:creationId xmlns:a16="http://schemas.microsoft.com/office/drawing/2014/main" id="{2CC91F3B-5F35-5C45-292B-7C1D7C23C18E}"/>
+              </a:ext>
+            </a:extLst>
+          </p:cNvPr>
+          <p:cNvSpPr>
+            <a:spLocks noGrp="1"/>
+          </p:cNvSpPr>
+          <p:nvPr>
+            <p:ph type="title"/>
+          </p:nvPr>
+        </p:nvSpPr>
+        <p:spPr/>
+        <p:txBody>
+          <a:bodyPr/>
+          <a:lstStyle/>
+          <a:p>
+            <a:endParaRPr lang="en-US"/>
+          </a:p>
+        </p:txBody>
+      </p:sp>
+      <p:sp>
+        <p:nvSpPr>
+          <p:cNvPr id="3" name="Content Placeholder 2">
+            <a:extLst>
+              <a:ext uri="{FF2B5EF4-FFF2-40B4-BE49-F238E27FC236}">
+                <a16:creationId xmlns:a16="http://schemas.microsoft.com/office/drawing/2014/main" id="{428C6499-E495-1653-459B-9C7C93F870A9}"/>
+              </a:ext>
+            </a:extLst>
+          </p:cNvPr>
+          <p:cNvSpPr>
+            <a:spLocks noGrp="1"/>
+          </p:cNvSpPr>
+          <p:nvPr>
+            <p:ph idx="1"/>
+          </p:nvPr>
+        </p:nvSpPr>
+        <p:spPr/>
+        <p:txBody>
+          <a:bodyPr/>
+          <a:lstStyle/>
+          <a:p>
+            <a:endParaRPr lang="en-US"/>
+          </a:p>
+        </p:txBody>
+      </p:sp>
+    </p:spTree>
+    <p:extLst>
+      <p:ext uri="{BB962C8B-B14F-4D97-AF65-F5344CB8AC3E}">
+        <p14:creationId xmlns:p14="http://schemas.microsoft.com/office/powerpoint/2010/main" val="2118968295"/>
+      </p:ext>
+    </p:extLst>
+  </p:cSld>
+  <p:clrMapOvr>
+    <a:masterClrMapping/>
+  </p:clrMapOvr>
+</p:sld>
+</file>
+
+<file path=ppt/slides/slide3.xml><?xml version="1.0" encoding="utf-8"?>
+<p:sld xmlns:a="http://schemas.openxmlformats.org/drawingml/2006/main" xmlns:r="http://schemas.openxmlformats.org/officeDocument/2006/relationships" xmlns:p="http://schemas.openxmlformats.org/presentationml/2006/main">
+  <p:cSld>
+    <p:spTree>
+      <p:nvGrpSpPr>
+        <p:cNvPr id="1" name=""/>
+        <p:cNvGrpSpPr/>
+        <p:nvPr/>
+      </p:nvGrpSpPr>
+      <p:grpSpPr>
+        <a:xfrm>
+          <a:off x="0" y="0"/>
+          <a:ext cx="0" cy="0"/>
+          <a:chOff x="0" y="0"/>
+          <a:chExt cx="0" cy="0"/>
+        </a:xfrm>
+      </p:grpSpPr>
+      <p:sp>
+        <p:nvSpPr>
+          <p:cNvPr id="2" name="Title 1">
+            <a:extLst>
+              <a:ext uri="{FF2B5EF4-FFF2-40B4-BE49-F238E27FC236}">
+                <a16:creationId xmlns:a16="http://schemas.microsoft.com/office/drawing/2014/main" id="{2554BE18-57D8-413E-E1F0-3FE65BDC9942}"/>
+              </a:ext>
+            </a:extLst>
+          </p:cNvPr>
+          <p:cNvSpPr>
+            <a:spLocks noGrp="1"/>
+          </p:cNvSpPr>
+          <p:nvPr>
+            <p:ph type="title"/>
+          </p:nvPr>
+        </p:nvSpPr>
+        <p:spPr/>
+        <p:txBody>
+          <a:bodyPr/>
+          <a:lstStyle/>
+          <a:p>
+            <a:endParaRPr lang="en-US"/>
+          </a:p>
+        </p:txBody>
+      </p:sp>
+      <p:sp>
+        <p:nvSpPr>
+          <p:cNvPr id="3" name="Content Placeholder 2">
+            <a:extLst>
+              <a:ext uri="{FF2B5EF4-FFF2-40B4-BE49-F238E27FC236}">
+                <a16:creationId xmlns:a16="http://schemas.microsoft.com/office/drawing/2014/main" id="{6B663302-6EFF-15A3-D7D5-1E12479F38CC}"/>
+              </a:ext>
+            </a:extLst>
+          </p:cNvPr>
+          <p:cNvSpPr>
+            <a:spLocks noGrp="1"/>
+          </p:cNvSpPr>
+          <p:nvPr>
+            <p:ph idx="1"/>
+          </p:nvPr>
+        </p:nvSpPr>
+        <p:spPr/>
+        <p:txBody>
+          <a:bodyPr/>
+          <a:lstStyle/>
+          <a:p>
+            <a:endParaRPr lang="en-US"/>
+          </a:p>
+        </p:txBody>
+      </p:sp>
+    </p:spTree>
+    <p:extLst>
+      <p:ext uri="{BB962C8B-B14F-4D97-AF65-F5344CB8AC3E}">
+        <p14:creationId xmlns:p14="http://schemas.microsoft.com/office/powerpoint/2010/main" val="2487159097"/>
       </p:ext>
     </p:extLst>
   </p:cSld>

--- a/figures/fig1/fig1.pptx
+++ b/figures/fig1/fig1.pptx
@@ -6,8 +6,6 @@
   </p:sldMasterIdLst>
   <p:sldIdLst>
     <p:sldId id="256" r:id="rId2"/>
-    <p:sldId id="257" r:id="rId3"/>
-    <p:sldId id="258" r:id="rId4"/>
   </p:sldIdLst>
   <p:sldSz cx="12192000" cy="6858000"/>
   <p:notesSz cx="6858000" cy="9144000"/>
@@ -261,7 +259,7 @@
           <a:p>
             <a:fld id="{63E089F7-0D66-8D4E-BF21-C7B1994E88E0}" type="datetimeFigureOut">
               <a:rPr lang="en-US" smtClean="0"/>
-              <a:t>10/13/22</a:t>
+              <a:t>10/25/22</a:t>
             </a:fld>
             <a:endParaRPr lang="en-US"/>
           </a:p>
@@ -459,7 +457,7 @@
           <a:p>
             <a:fld id="{63E089F7-0D66-8D4E-BF21-C7B1994E88E0}" type="datetimeFigureOut">
               <a:rPr lang="en-US" smtClean="0"/>
-              <a:t>10/13/22</a:t>
+              <a:t>10/25/22</a:t>
             </a:fld>
             <a:endParaRPr lang="en-US"/>
           </a:p>
@@ -667,7 +665,7 @@
           <a:p>
             <a:fld id="{63E089F7-0D66-8D4E-BF21-C7B1994E88E0}" type="datetimeFigureOut">
               <a:rPr lang="en-US" smtClean="0"/>
-              <a:t>10/13/22</a:t>
+              <a:t>10/25/22</a:t>
             </a:fld>
             <a:endParaRPr lang="en-US"/>
           </a:p>
@@ -865,7 +863,7 @@
           <a:p>
             <a:fld id="{63E089F7-0D66-8D4E-BF21-C7B1994E88E0}" type="datetimeFigureOut">
               <a:rPr lang="en-US" smtClean="0"/>
-              <a:t>10/13/22</a:t>
+              <a:t>10/25/22</a:t>
             </a:fld>
             <a:endParaRPr lang="en-US"/>
           </a:p>
@@ -1140,7 +1138,7 @@
           <a:p>
             <a:fld id="{63E089F7-0D66-8D4E-BF21-C7B1994E88E0}" type="datetimeFigureOut">
               <a:rPr lang="en-US" smtClean="0"/>
-              <a:t>10/13/22</a:t>
+              <a:t>10/25/22</a:t>
             </a:fld>
             <a:endParaRPr lang="en-US"/>
           </a:p>
@@ -1405,7 +1403,7 @@
           <a:p>
             <a:fld id="{63E089F7-0D66-8D4E-BF21-C7B1994E88E0}" type="datetimeFigureOut">
               <a:rPr lang="en-US" smtClean="0"/>
-              <a:t>10/13/22</a:t>
+              <a:t>10/25/22</a:t>
             </a:fld>
             <a:endParaRPr lang="en-US"/>
           </a:p>
@@ -1817,7 +1815,7 @@
           <a:p>
             <a:fld id="{63E089F7-0D66-8D4E-BF21-C7B1994E88E0}" type="datetimeFigureOut">
               <a:rPr lang="en-US" smtClean="0"/>
-              <a:t>10/13/22</a:t>
+              <a:t>10/25/22</a:t>
             </a:fld>
             <a:endParaRPr lang="en-US"/>
           </a:p>
@@ -1958,7 +1956,7 @@
           <a:p>
             <a:fld id="{63E089F7-0D66-8D4E-BF21-C7B1994E88E0}" type="datetimeFigureOut">
               <a:rPr lang="en-US" smtClean="0"/>
-              <a:t>10/13/22</a:t>
+              <a:t>10/25/22</a:t>
             </a:fld>
             <a:endParaRPr lang="en-US"/>
           </a:p>
@@ -2071,7 +2069,7 @@
           <a:p>
             <a:fld id="{63E089F7-0D66-8D4E-BF21-C7B1994E88E0}" type="datetimeFigureOut">
               <a:rPr lang="en-US" smtClean="0"/>
-              <a:t>10/13/22</a:t>
+              <a:t>10/25/22</a:t>
             </a:fld>
             <a:endParaRPr lang="en-US"/>
           </a:p>
@@ -2382,7 +2380,7 @@
           <a:p>
             <a:fld id="{63E089F7-0D66-8D4E-BF21-C7B1994E88E0}" type="datetimeFigureOut">
               <a:rPr lang="en-US" smtClean="0"/>
-              <a:t>10/13/22</a:t>
+              <a:t>10/25/22</a:t>
             </a:fld>
             <a:endParaRPr lang="en-US"/>
           </a:p>
@@ -2670,7 +2668,7 @@
           <a:p>
             <a:fld id="{63E089F7-0D66-8D4E-BF21-C7B1994E88E0}" type="datetimeFigureOut">
               <a:rPr lang="en-US" smtClean="0"/>
-              <a:t>10/13/22</a:t>
+              <a:t>10/25/22</a:t>
             </a:fld>
             <a:endParaRPr lang="en-US"/>
           </a:p>
@@ -2911,7 +2909,7 @@
           <a:p>
             <a:fld id="{63E089F7-0D66-8D4E-BF21-C7B1994E88E0}" type="datetimeFigureOut">
               <a:rPr lang="en-US" smtClean="0"/>
-              <a:t>10/13/22</a:t>
+              <a:t>10/25/22</a:t>
             </a:fld>
             <a:endParaRPr lang="en-US"/>
           </a:p>
@@ -3330,10 +3328,10 @@
       </p:grpSpPr>
       <p:cxnSp>
         <p:nvCxnSpPr>
-          <p:cNvPr id="32" name="Straight Connector 31">
-            <a:extLst>
-              <a:ext uri="{FF2B5EF4-FFF2-40B4-BE49-F238E27FC236}">
-                <a16:creationId xmlns:a16="http://schemas.microsoft.com/office/drawing/2014/main" id="{2EC949E7-EDAC-729E-5D7E-996C01A22E87}"/>
+          <p:cNvPr id="26" name="Straight Connector 25">
+            <a:extLst>
+              <a:ext uri="{FF2B5EF4-FFF2-40B4-BE49-F238E27FC236}">
+                <a16:creationId xmlns:a16="http://schemas.microsoft.com/office/drawing/2014/main" id="{AD6C430E-3461-FF9E-6B84-4B2FCFA7D26F}"/>
               </a:ext>
             </a:extLst>
           </p:cNvPr>
@@ -3342,7 +3340,7 @@
         </p:nvCxnSpPr>
         <p:spPr>
           <a:xfrm>
-            <a:off x="4362517" y="5421181"/>
+            <a:off x="7013123" y="247651"/>
             <a:ext cx="4522827" cy="0"/>
           </a:xfrm>
           <a:prstGeom prst="line">
@@ -3370,448 +3368,6 @@
           </a:fontRef>
         </p:style>
       </p:cxnSp>
-      <p:cxnSp>
-        <p:nvCxnSpPr>
-          <p:cNvPr id="33" name="Straight Connector 32">
-            <a:extLst>
-              <a:ext uri="{FF2B5EF4-FFF2-40B4-BE49-F238E27FC236}">
-                <a16:creationId xmlns:a16="http://schemas.microsoft.com/office/drawing/2014/main" id="{D5EDE5E1-CC3A-A383-0EC4-30301A621F9C}"/>
-              </a:ext>
-            </a:extLst>
-          </p:cNvPr>
-          <p:cNvCxnSpPr/>
-          <p:nvPr/>
-        </p:nvCxnSpPr>
-        <p:spPr>
-          <a:xfrm>
-            <a:off x="4362517" y="5143705"/>
-            <a:ext cx="4522827" cy="0"/>
-          </a:xfrm>
-          <a:prstGeom prst="line">
-            <a:avLst/>
-          </a:prstGeom>
-          <a:ln w="12700">
-            <a:solidFill>
-              <a:schemeClr val="tx1"/>
-            </a:solidFill>
-            <a:prstDash val="sysDot"/>
-          </a:ln>
-        </p:spPr>
-        <p:style>
-          <a:lnRef idx="1">
-            <a:schemeClr val="accent1"/>
-          </a:lnRef>
-          <a:fillRef idx="0">
-            <a:schemeClr val="accent1"/>
-          </a:fillRef>
-          <a:effectRef idx="0">
-            <a:schemeClr val="accent1"/>
-          </a:effectRef>
-          <a:fontRef idx="minor">
-            <a:schemeClr val="tx1"/>
-          </a:fontRef>
-        </p:style>
-      </p:cxnSp>
-      <p:cxnSp>
-        <p:nvCxnSpPr>
-          <p:cNvPr id="34" name="Straight Connector 33">
-            <a:extLst>
-              <a:ext uri="{FF2B5EF4-FFF2-40B4-BE49-F238E27FC236}">
-                <a16:creationId xmlns:a16="http://schemas.microsoft.com/office/drawing/2014/main" id="{01CED54D-9E55-DE7E-3ADA-4B733E7DB005}"/>
-              </a:ext>
-            </a:extLst>
-          </p:cNvPr>
-          <p:cNvCxnSpPr/>
-          <p:nvPr/>
-        </p:nvCxnSpPr>
-        <p:spPr>
-          <a:xfrm>
-            <a:off x="4362516" y="3946081"/>
-            <a:ext cx="4522827" cy="0"/>
-          </a:xfrm>
-          <a:prstGeom prst="line">
-            <a:avLst/>
-          </a:prstGeom>
-          <a:ln w="12700">
-            <a:solidFill>
-              <a:schemeClr val="tx1"/>
-            </a:solidFill>
-            <a:prstDash val="sysDot"/>
-          </a:ln>
-        </p:spPr>
-        <p:style>
-          <a:lnRef idx="1">
-            <a:schemeClr val="accent1"/>
-          </a:lnRef>
-          <a:fillRef idx="0">
-            <a:schemeClr val="accent1"/>
-          </a:fillRef>
-          <a:effectRef idx="0">
-            <a:schemeClr val="accent1"/>
-          </a:effectRef>
-          <a:fontRef idx="minor">
-            <a:schemeClr val="tx1"/>
-          </a:fontRef>
-        </p:style>
-      </p:cxnSp>
-      <p:cxnSp>
-        <p:nvCxnSpPr>
-          <p:cNvPr id="31" name="Straight Connector 30">
-            <a:extLst>
-              <a:ext uri="{FF2B5EF4-FFF2-40B4-BE49-F238E27FC236}">
-                <a16:creationId xmlns:a16="http://schemas.microsoft.com/office/drawing/2014/main" id="{57BC3BD1-F439-3961-114B-2220776FA41B}"/>
-              </a:ext>
-            </a:extLst>
-          </p:cNvPr>
-          <p:cNvCxnSpPr/>
-          <p:nvPr/>
-        </p:nvCxnSpPr>
-        <p:spPr>
-          <a:xfrm>
-            <a:off x="4362517" y="3756736"/>
-            <a:ext cx="4522827" cy="0"/>
-          </a:xfrm>
-          <a:prstGeom prst="line">
-            <a:avLst/>
-          </a:prstGeom>
-          <a:ln w="12700">
-            <a:solidFill>
-              <a:schemeClr val="tx1"/>
-            </a:solidFill>
-            <a:prstDash val="sysDot"/>
-          </a:ln>
-        </p:spPr>
-        <p:style>
-          <a:lnRef idx="1">
-            <a:schemeClr val="accent1"/>
-          </a:lnRef>
-          <a:fillRef idx="0">
-            <a:schemeClr val="accent1"/>
-          </a:fillRef>
-          <a:effectRef idx="0">
-            <a:schemeClr val="accent1"/>
-          </a:effectRef>
-          <a:fontRef idx="minor">
-            <a:schemeClr val="tx1"/>
-          </a:fontRef>
-        </p:style>
-      </p:cxnSp>
-      <p:cxnSp>
-        <p:nvCxnSpPr>
-          <p:cNvPr id="30" name="Straight Connector 29">
-            <a:extLst>
-              <a:ext uri="{FF2B5EF4-FFF2-40B4-BE49-F238E27FC236}">
-                <a16:creationId xmlns:a16="http://schemas.microsoft.com/office/drawing/2014/main" id="{4E18D2FB-0A4F-42B3-8D07-1F5886B4CF9C}"/>
-              </a:ext>
-            </a:extLst>
-          </p:cNvPr>
-          <p:cNvCxnSpPr/>
-          <p:nvPr/>
-        </p:nvCxnSpPr>
-        <p:spPr>
-          <a:xfrm>
-            <a:off x="4362517" y="3313950"/>
-            <a:ext cx="4522827" cy="0"/>
-          </a:xfrm>
-          <a:prstGeom prst="line">
-            <a:avLst/>
-          </a:prstGeom>
-          <a:ln w="12700">
-            <a:solidFill>
-              <a:schemeClr val="tx1"/>
-            </a:solidFill>
-            <a:prstDash val="sysDot"/>
-          </a:ln>
-        </p:spPr>
-        <p:style>
-          <a:lnRef idx="1">
-            <a:schemeClr val="accent1"/>
-          </a:lnRef>
-          <a:fillRef idx="0">
-            <a:schemeClr val="accent1"/>
-          </a:fillRef>
-          <a:effectRef idx="0">
-            <a:schemeClr val="accent1"/>
-          </a:effectRef>
-          <a:fontRef idx="minor">
-            <a:schemeClr val="tx1"/>
-          </a:fontRef>
-        </p:style>
-      </p:cxnSp>
-      <p:cxnSp>
-        <p:nvCxnSpPr>
-          <p:cNvPr id="27" name="Straight Connector 26">
-            <a:extLst>
-              <a:ext uri="{FF2B5EF4-FFF2-40B4-BE49-F238E27FC236}">
-                <a16:creationId xmlns:a16="http://schemas.microsoft.com/office/drawing/2014/main" id="{7F6C4805-B592-3B01-9DA0-0F0359717ABC}"/>
-              </a:ext>
-            </a:extLst>
-          </p:cNvPr>
-          <p:cNvCxnSpPr/>
-          <p:nvPr/>
-        </p:nvCxnSpPr>
-        <p:spPr>
-          <a:xfrm>
-            <a:off x="4362519" y="2633596"/>
-            <a:ext cx="4522827" cy="0"/>
-          </a:xfrm>
-          <a:prstGeom prst="line">
-            <a:avLst/>
-          </a:prstGeom>
-          <a:ln w="12700">
-            <a:solidFill>
-              <a:schemeClr val="tx1"/>
-            </a:solidFill>
-            <a:prstDash val="sysDot"/>
-          </a:ln>
-        </p:spPr>
-        <p:style>
-          <a:lnRef idx="1">
-            <a:schemeClr val="accent1"/>
-          </a:lnRef>
-          <a:fillRef idx="0">
-            <a:schemeClr val="accent1"/>
-          </a:fillRef>
-          <a:effectRef idx="0">
-            <a:schemeClr val="accent1"/>
-          </a:effectRef>
-          <a:fontRef idx="minor">
-            <a:schemeClr val="tx1"/>
-          </a:fontRef>
-        </p:style>
-      </p:cxnSp>
-      <p:cxnSp>
-        <p:nvCxnSpPr>
-          <p:cNvPr id="28" name="Straight Connector 27">
-            <a:extLst>
-              <a:ext uri="{FF2B5EF4-FFF2-40B4-BE49-F238E27FC236}">
-                <a16:creationId xmlns:a16="http://schemas.microsoft.com/office/drawing/2014/main" id="{56D711C6-5D91-66C8-7DA8-07054E268DC1}"/>
-              </a:ext>
-            </a:extLst>
-          </p:cNvPr>
-          <p:cNvCxnSpPr/>
-          <p:nvPr/>
-        </p:nvCxnSpPr>
-        <p:spPr>
-          <a:xfrm>
-            <a:off x="4362518" y="2199434"/>
-            <a:ext cx="4522827" cy="0"/>
-          </a:xfrm>
-          <a:prstGeom prst="line">
-            <a:avLst/>
-          </a:prstGeom>
-          <a:ln w="12700">
-            <a:solidFill>
-              <a:schemeClr val="tx1"/>
-            </a:solidFill>
-            <a:prstDash val="sysDot"/>
-          </a:ln>
-        </p:spPr>
-        <p:style>
-          <a:lnRef idx="1">
-            <a:schemeClr val="accent1"/>
-          </a:lnRef>
-          <a:fillRef idx="0">
-            <a:schemeClr val="accent1"/>
-          </a:fillRef>
-          <a:effectRef idx="0">
-            <a:schemeClr val="accent1"/>
-          </a:effectRef>
-          <a:fontRef idx="minor">
-            <a:schemeClr val="tx1"/>
-          </a:fontRef>
-        </p:style>
-      </p:cxnSp>
-      <p:cxnSp>
-        <p:nvCxnSpPr>
-          <p:cNvPr id="26" name="Straight Connector 25">
-            <a:extLst>
-              <a:ext uri="{FF2B5EF4-FFF2-40B4-BE49-F238E27FC236}">
-                <a16:creationId xmlns:a16="http://schemas.microsoft.com/office/drawing/2014/main" id="{AD6C430E-3461-FF9E-6B84-4B2FCFA7D26F}"/>
-              </a:ext>
-            </a:extLst>
-          </p:cNvPr>
-          <p:cNvCxnSpPr/>
-          <p:nvPr/>
-        </p:nvCxnSpPr>
-        <p:spPr>
-          <a:xfrm>
-            <a:off x="4362520" y="1763935"/>
-            <a:ext cx="4522827" cy="0"/>
-          </a:xfrm>
-          <a:prstGeom prst="line">
-            <a:avLst/>
-          </a:prstGeom>
-          <a:ln w="12700">
-            <a:solidFill>
-              <a:schemeClr val="tx1"/>
-            </a:solidFill>
-            <a:prstDash val="sysDot"/>
-          </a:ln>
-        </p:spPr>
-        <p:style>
-          <a:lnRef idx="1">
-            <a:schemeClr val="accent1"/>
-          </a:lnRef>
-          <a:fillRef idx="0">
-            <a:schemeClr val="accent1"/>
-          </a:fillRef>
-          <a:effectRef idx="0">
-            <a:schemeClr val="accent1"/>
-          </a:effectRef>
-          <a:fontRef idx="minor">
-            <a:schemeClr val="tx1"/>
-          </a:fontRef>
-        </p:style>
-      </p:cxnSp>
-      <p:grpSp>
-        <p:nvGrpSpPr>
-          <p:cNvPr id="134" name="Group 133">
-            <a:extLst>
-              <a:ext uri="{FF2B5EF4-FFF2-40B4-BE49-F238E27FC236}">
-                <a16:creationId xmlns:a16="http://schemas.microsoft.com/office/drawing/2014/main" id="{6F61B49B-C081-7163-1FE8-DFAB6F7CD453}"/>
-              </a:ext>
-            </a:extLst>
-          </p:cNvPr>
-          <p:cNvGrpSpPr/>
-          <p:nvPr/>
-        </p:nvGrpSpPr>
-        <p:grpSpPr>
-          <a:xfrm>
-            <a:off x="0" y="80002"/>
-            <a:ext cx="8930733" cy="6697996"/>
-            <a:chOff x="558800" y="96167"/>
-            <a:chExt cx="8930733" cy="6697996"/>
-          </a:xfrm>
-        </p:grpSpPr>
-        <p:cxnSp>
-          <p:nvCxnSpPr>
-            <p:cNvPr id="29" name="Straight Connector 28">
-              <a:extLst>
-                <a:ext uri="{FF2B5EF4-FFF2-40B4-BE49-F238E27FC236}">
-                  <a16:creationId xmlns:a16="http://schemas.microsoft.com/office/drawing/2014/main" id="{03C558A7-6207-F127-716F-3082CAB467A0}"/>
-                </a:ext>
-              </a:extLst>
-            </p:cNvPr>
-            <p:cNvCxnSpPr/>
-            <p:nvPr/>
-          </p:nvCxnSpPr>
-          <p:spPr>
-            <a:xfrm>
-              <a:off x="4921318" y="2984015"/>
-              <a:ext cx="4522827" cy="0"/>
-            </a:xfrm>
-            <a:prstGeom prst="line">
-              <a:avLst/>
-            </a:prstGeom>
-            <a:ln w="12700">
-              <a:solidFill>
-                <a:schemeClr val="tx1"/>
-              </a:solidFill>
-              <a:prstDash val="sysDot"/>
-            </a:ln>
-          </p:spPr>
-          <p:style>
-            <a:lnRef idx="1">
-              <a:schemeClr val="accent1"/>
-            </a:lnRef>
-            <a:fillRef idx="0">
-              <a:schemeClr val="accent1"/>
-            </a:fillRef>
-            <a:effectRef idx="0">
-              <a:schemeClr val="accent1"/>
-            </a:effectRef>
-            <a:fontRef idx="minor">
-              <a:schemeClr val="tx1"/>
-            </a:fontRef>
-          </p:style>
-        </p:cxnSp>
-        <p:pic>
-          <p:nvPicPr>
-            <p:cNvPr id="7" name="Picture 6">
-              <a:extLst>
-                <a:ext uri="{FF2B5EF4-FFF2-40B4-BE49-F238E27FC236}">
-                  <a16:creationId xmlns:a16="http://schemas.microsoft.com/office/drawing/2014/main" id="{AFE6B3B0-5450-8947-84F3-AE01E51E7E00}"/>
-                </a:ext>
-              </a:extLst>
-            </p:cNvPr>
-            <p:cNvPicPr>
-              <a:picLocks noChangeAspect="1"/>
-            </p:cNvPicPr>
-            <p:nvPr/>
-          </p:nvPicPr>
-          <p:blipFill rotWithShape="1">
-            <a:blip r:embed="rId2">
-              <a:clrChange>
-                <a:clrFrom>
-                  <a:srgbClr val="000000">
-                    <a:alpha val="0"/>
-                  </a:srgbClr>
-                </a:clrFrom>
-                <a:clrTo>
-                  <a:srgbClr val="000000">
-                    <a:alpha val="0"/>
-                  </a:srgbClr>
-                </a:clrTo>
-              </a:clrChange>
-            </a:blip>
-            <a:srcRect l="10545" t="337" r="7134" b="1997"/>
-            <a:stretch/>
-          </p:blipFill>
-          <p:spPr>
-            <a:xfrm>
-              <a:off x="558800" y="96167"/>
-              <a:ext cx="4362521" cy="6697993"/>
-            </a:xfrm>
-            <a:prstGeom prst="rect">
-              <a:avLst/>
-            </a:prstGeom>
-          </p:spPr>
-        </p:pic>
-        <p:pic>
-          <p:nvPicPr>
-            <p:cNvPr id="3" name="Picture 2">
-              <a:extLst>
-                <a:ext uri="{FF2B5EF4-FFF2-40B4-BE49-F238E27FC236}">
-                  <a16:creationId xmlns:a16="http://schemas.microsoft.com/office/drawing/2014/main" id="{64454C7A-A07E-12A5-5A8A-237425E18B83}"/>
-                </a:ext>
-              </a:extLst>
-            </p:cNvPr>
-            <p:cNvPicPr>
-              <a:picLocks noChangeAspect="1"/>
-            </p:cNvPicPr>
-            <p:nvPr/>
-          </p:nvPicPr>
-          <p:blipFill rotWithShape="1">
-            <a:blip r:embed="rId3">
-              <a:clrChange>
-                <a:clrFrom>
-                  <a:srgbClr val="000000">
-                    <a:alpha val="0"/>
-                  </a:srgbClr>
-                </a:clrFrom>
-                <a:clrTo>
-                  <a:srgbClr val="000000">
-                    <a:alpha val="0"/>
-                  </a:srgbClr>
-                </a:clrTo>
-              </a:clrChange>
-              <a:alphaModFix amt="81000"/>
-            </a:blip>
-            <a:srcRect l="9032" t="6920" r="3936" b="1266"/>
-            <a:stretch/>
-          </p:blipFill>
-          <p:spPr>
-            <a:xfrm>
-              <a:off x="4902844" y="532259"/>
-              <a:ext cx="4586689" cy="6261904"/>
-            </a:xfrm>
-            <a:prstGeom prst="rect">
-              <a:avLst/>
-            </a:prstGeom>
-          </p:spPr>
-        </p:pic>
-      </p:grpSp>
       <p:pic>
         <p:nvPicPr>
           <p:cNvPr id="5" name="Picture 4">
@@ -3827,14 +3383,14 @@
           <p:nvPr/>
         </p:nvPicPr>
         <p:blipFill>
-          <a:blip r:embed="rId4"/>
+          <a:blip r:embed="rId2"/>
           <a:stretch>
             <a:fillRect/>
           </a:stretch>
         </p:blipFill>
         <p:spPr>
           <a:xfrm>
-            <a:off x="6246938" y="606868"/>
+            <a:off x="5763721" y="762003"/>
             <a:ext cx="1389138" cy="440273"/>
           </a:xfrm>
           <a:prstGeom prst="rect">
@@ -3877,10 +3433,10 @@
             <p:nvPr/>
           </p:nvPicPr>
           <p:blipFill>
-            <a:blip r:embed="rId5">
+            <a:blip r:embed="rId3">
               <a:extLst>
                 <a:ext uri="{96DAC541-7B7A-43D3-8B79-37D633B846F1}">
-                  <asvg:svgBlip xmlns:asvg="http://schemas.microsoft.com/office/drawing/2016/SVG/main" r:embed="rId6"/>
+                  <asvg:svgBlip xmlns:asvg="http://schemas.microsoft.com/office/drawing/2016/SVG/main" r:embed="rId4"/>
                 </a:ext>
               </a:extLst>
             </a:blip>
@@ -3913,10 +3469,10 @@
             <p:nvPr/>
           </p:nvPicPr>
           <p:blipFill>
-            <a:blip r:embed="rId7">
+            <a:blip r:embed="rId5">
               <a:extLst>
                 <a:ext uri="{96DAC541-7B7A-43D3-8B79-37D633B846F1}">
-                  <asvg:svgBlip xmlns:asvg="http://schemas.microsoft.com/office/drawing/2016/SVG/main" r:embed="rId8"/>
+                  <asvg:svgBlip xmlns:asvg="http://schemas.microsoft.com/office/drawing/2016/SVG/main" r:embed="rId6"/>
                 </a:ext>
               </a:extLst>
             </a:blip>
@@ -3949,10 +3505,10 @@
             <p:nvPr/>
           </p:nvPicPr>
           <p:blipFill rotWithShape="1">
-            <a:blip r:embed="rId9">
+            <a:blip r:embed="rId7">
               <a:extLst>
                 <a:ext uri="{96DAC541-7B7A-43D3-8B79-37D633B846F1}">
-                  <asvg:svgBlip xmlns:asvg="http://schemas.microsoft.com/office/drawing/2016/SVG/main" r:embed="rId10"/>
+                  <asvg:svgBlip xmlns:asvg="http://schemas.microsoft.com/office/drawing/2016/SVG/main" r:embed="rId8"/>
                 </a:ext>
               </a:extLst>
             </a:blip>
@@ -3984,10 +3540,10 @@
             <p:nvPr/>
           </p:nvPicPr>
           <p:blipFill>
-            <a:blip r:embed="rId11">
+            <a:blip r:embed="rId9">
               <a:extLst>
                 <a:ext uri="{96DAC541-7B7A-43D3-8B79-37D633B846F1}">
-                  <asvg:svgBlip xmlns:asvg="http://schemas.microsoft.com/office/drawing/2016/SVG/main" r:embed="rId12"/>
+                  <asvg:svgBlip xmlns:asvg="http://schemas.microsoft.com/office/drawing/2016/SVG/main" r:embed="rId10"/>
                 </a:ext>
               </a:extLst>
             </a:blip>
@@ -4020,10 +3576,10 @@
             <p:nvPr/>
           </p:nvPicPr>
           <p:blipFill>
-            <a:blip r:embed="rId13">
+            <a:blip r:embed="rId11">
               <a:extLst>
                 <a:ext uri="{96DAC541-7B7A-43D3-8B79-37D633B846F1}">
-                  <asvg:svgBlip xmlns:asvg="http://schemas.microsoft.com/office/drawing/2016/SVG/main" r:embed="rId14"/>
+                  <asvg:svgBlip xmlns:asvg="http://schemas.microsoft.com/office/drawing/2016/SVG/main" r:embed="rId12"/>
                 </a:ext>
               </a:extLst>
             </a:blip>
@@ -4056,10 +3612,10 @@
             <p:nvPr/>
           </p:nvPicPr>
           <p:blipFill>
-            <a:blip r:embed="rId15">
+            <a:blip r:embed="rId13">
               <a:extLst>
                 <a:ext uri="{96DAC541-7B7A-43D3-8B79-37D633B846F1}">
-                  <asvg:svgBlip xmlns:asvg="http://schemas.microsoft.com/office/drawing/2016/SVG/main" r:embed="rId16"/>
+                  <asvg:svgBlip xmlns:asvg="http://schemas.microsoft.com/office/drawing/2016/SVG/main" r:embed="rId14"/>
                 </a:ext>
               </a:extLst>
             </a:blip>
@@ -4092,7 +3648,7 @@
             <p:nvPr/>
           </p:nvPicPr>
           <p:blipFill>
-            <a:blip r:embed="rId17"/>
+            <a:blip r:embed="rId15"/>
             <a:stretch>
               <a:fillRect/>
             </a:stretch>
@@ -4122,10 +3678,10 @@
             <p:nvPr/>
           </p:nvPicPr>
           <p:blipFill rotWithShape="1">
-            <a:blip r:embed="rId18">
+            <a:blip r:embed="rId16">
               <a:extLst>
                 <a:ext uri="{96DAC541-7B7A-43D3-8B79-37D633B846F1}">
-                  <asvg:svgBlip xmlns:asvg="http://schemas.microsoft.com/office/drawing/2016/SVG/main" r:embed="rId19"/>
+                  <asvg:svgBlip xmlns:asvg="http://schemas.microsoft.com/office/drawing/2016/SVG/main" r:embed="rId17"/>
                 </a:ext>
               </a:extLst>
             </a:blip>
@@ -4157,7 +3713,7 @@
             <p:nvPr/>
           </p:nvPicPr>
           <p:blipFill>
-            <a:blip r:embed="rId20"/>
+            <a:blip r:embed="rId18"/>
             <a:stretch>
               <a:fillRect/>
             </a:stretch>
@@ -4263,10 +3819,10 @@
             <p:nvPr/>
           </p:nvPicPr>
           <p:blipFill>
-            <a:blip r:embed="rId21">
+            <a:blip r:embed="rId19">
               <a:extLst>
                 <a:ext uri="{96DAC541-7B7A-43D3-8B79-37D633B846F1}">
-                  <asvg:svgBlip xmlns:asvg="http://schemas.microsoft.com/office/drawing/2016/SVG/main" r:embed="rId22"/>
+                  <asvg:svgBlip xmlns:asvg="http://schemas.microsoft.com/office/drawing/2016/SVG/main" r:embed="rId20"/>
                 </a:ext>
               </a:extLst>
             </a:blip>
@@ -4761,170 +4317,68 @@
           </p:txBody>
         </p:sp>
       </p:grpSp>
+      <p:pic>
+        <p:nvPicPr>
+          <p:cNvPr id="4" name="Picture 3">
+            <a:extLst>
+              <a:ext uri="{FF2B5EF4-FFF2-40B4-BE49-F238E27FC236}">
+                <a16:creationId xmlns:a16="http://schemas.microsoft.com/office/drawing/2014/main" id="{877A8BD2-D3A8-194C-08B8-43E9EF8319A9}"/>
+              </a:ext>
+            </a:extLst>
+          </p:cNvPr>
+          <p:cNvPicPr>
+            <a:picLocks noChangeAspect="1"/>
+          </p:cNvPicPr>
+          <p:nvPr/>
+        </p:nvPicPr>
+        <p:blipFill rotWithShape="1">
+          <a:blip r:embed="rId21"/>
+          <a:srcRect l="9510" t="7301" r="3560" b="1548"/>
+          <a:stretch/>
+        </p:blipFill>
+        <p:spPr>
+          <a:xfrm>
+            <a:off x="2985145" y="515923"/>
+            <a:ext cx="4606725" cy="6251133"/>
+          </a:xfrm>
+          <a:prstGeom prst="rect">
+            <a:avLst/>
+          </a:prstGeom>
+        </p:spPr>
+      </p:pic>
+      <p:pic>
+        <p:nvPicPr>
+          <p:cNvPr id="8" name="Picture 7">
+            <a:extLst>
+              <a:ext uri="{FF2B5EF4-FFF2-40B4-BE49-F238E27FC236}">
+                <a16:creationId xmlns:a16="http://schemas.microsoft.com/office/drawing/2014/main" id="{C6B9529C-E908-6A9A-F7AE-F02002A762C4}"/>
+              </a:ext>
+            </a:extLst>
+          </p:cNvPr>
+          <p:cNvPicPr>
+            <a:picLocks noChangeAspect="1"/>
+          </p:cNvPicPr>
+          <p:nvPr/>
+        </p:nvPicPr>
+        <p:blipFill rotWithShape="1">
+          <a:blip r:embed="rId22"/>
+          <a:srcRect l="11358" t="8849" r="41036" b="11019"/>
+          <a:stretch/>
+        </p:blipFill>
+        <p:spPr>
+          <a:xfrm>
+            <a:off x="364188" y="659756"/>
+            <a:ext cx="2542845" cy="5539081"/>
+          </a:xfrm>
+          <a:prstGeom prst="rect">
+            <a:avLst/>
+          </a:prstGeom>
+        </p:spPr>
+      </p:pic>
     </p:spTree>
     <p:extLst>
       <p:ext uri="{BB962C8B-B14F-4D97-AF65-F5344CB8AC3E}">
         <p14:creationId xmlns:p14="http://schemas.microsoft.com/office/powerpoint/2010/main" val="2298972492"/>
-      </p:ext>
-    </p:extLst>
-  </p:cSld>
-  <p:clrMapOvr>
-    <a:masterClrMapping/>
-  </p:clrMapOvr>
-</p:sld>
-</file>
-
-<file path=ppt/slides/slide2.xml><?xml version="1.0" encoding="utf-8"?>
-<p:sld xmlns:a="http://schemas.openxmlformats.org/drawingml/2006/main" xmlns:r="http://schemas.openxmlformats.org/officeDocument/2006/relationships" xmlns:p="http://schemas.openxmlformats.org/presentationml/2006/main">
-  <p:cSld>
-    <p:spTree>
-      <p:nvGrpSpPr>
-        <p:cNvPr id="1" name=""/>
-        <p:cNvGrpSpPr/>
-        <p:nvPr/>
-      </p:nvGrpSpPr>
-      <p:grpSpPr>
-        <a:xfrm>
-          <a:off x="0" y="0"/>
-          <a:ext cx="0" cy="0"/>
-          <a:chOff x="0" y="0"/>
-          <a:chExt cx="0" cy="0"/>
-        </a:xfrm>
-      </p:grpSpPr>
-      <p:sp>
-        <p:nvSpPr>
-          <p:cNvPr id="2" name="Title 1">
-            <a:extLst>
-              <a:ext uri="{FF2B5EF4-FFF2-40B4-BE49-F238E27FC236}">
-                <a16:creationId xmlns:a16="http://schemas.microsoft.com/office/drawing/2014/main" id="{2CC91F3B-5F35-5C45-292B-7C1D7C23C18E}"/>
-              </a:ext>
-            </a:extLst>
-          </p:cNvPr>
-          <p:cNvSpPr>
-            <a:spLocks noGrp="1"/>
-          </p:cNvSpPr>
-          <p:nvPr>
-            <p:ph type="title"/>
-          </p:nvPr>
-        </p:nvSpPr>
-        <p:spPr/>
-        <p:txBody>
-          <a:bodyPr/>
-          <a:lstStyle/>
-          <a:p>
-            <a:endParaRPr lang="en-US"/>
-          </a:p>
-        </p:txBody>
-      </p:sp>
-      <p:sp>
-        <p:nvSpPr>
-          <p:cNvPr id="3" name="Content Placeholder 2">
-            <a:extLst>
-              <a:ext uri="{FF2B5EF4-FFF2-40B4-BE49-F238E27FC236}">
-                <a16:creationId xmlns:a16="http://schemas.microsoft.com/office/drawing/2014/main" id="{428C6499-E495-1653-459B-9C7C93F870A9}"/>
-              </a:ext>
-            </a:extLst>
-          </p:cNvPr>
-          <p:cNvSpPr>
-            <a:spLocks noGrp="1"/>
-          </p:cNvSpPr>
-          <p:nvPr>
-            <p:ph idx="1"/>
-          </p:nvPr>
-        </p:nvSpPr>
-        <p:spPr/>
-        <p:txBody>
-          <a:bodyPr/>
-          <a:lstStyle/>
-          <a:p>
-            <a:endParaRPr lang="en-US"/>
-          </a:p>
-        </p:txBody>
-      </p:sp>
-    </p:spTree>
-    <p:extLst>
-      <p:ext uri="{BB962C8B-B14F-4D97-AF65-F5344CB8AC3E}">
-        <p14:creationId xmlns:p14="http://schemas.microsoft.com/office/powerpoint/2010/main" val="2118968295"/>
-      </p:ext>
-    </p:extLst>
-  </p:cSld>
-  <p:clrMapOvr>
-    <a:masterClrMapping/>
-  </p:clrMapOvr>
-</p:sld>
-</file>
-
-<file path=ppt/slides/slide3.xml><?xml version="1.0" encoding="utf-8"?>
-<p:sld xmlns:a="http://schemas.openxmlformats.org/drawingml/2006/main" xmlns:r="http://schemas.openxmlformats.org/officeDocument/2006/relationships" xmlns:p="http://schemas.openxmlformats.org/presentationml/2006/main">
-  <p:cSld>
-    <p:spTree>
-      <p:nvGrpSpPr>
-        <p:cNvPr id="1" name=""/>
-        <p:cNvGrpSpPr/>
-        <p:nvPr/>
-      </p:nvGrpSpPr>
-      <p:grpSpPr>
-        <a:xfrm>
-          <a:off x="0" y="0"/>
-          <a:ext cx="0" cy="0"/>
-          <a:chOff x="0" y="0"/>
-          <a:chExt cx="0" cy="0"/>
-        </a:xfrm>
-      </p:grpSpPr>
-      <p:sp>
-        <p:nvSpPr>
-          <p:cNvPr id="2" name="Title 1">
-            <a:extLst>
-              <a:ext uri="{FF2B5EF4-FFF2-40B4-BE49-F238E27FC236}">
-                <a16:creationId xmlns:a16="http://schemas.microsoft.com/office/drawing/2014/main" id="{2554BE18-57D8-413E-E1F0-3FE65BDC9942}"/>
-              </a:ext>
-            </a:extLst>
-          </p:cNvPr>
-          <p:cNvSpPr>
-            <a:spLocks noGrp="1"/>
-          </p:cNvSpPr>
-          <p:nvPr>
-            <p:ph type="title"/>
-          </p:nvPr>
-        </p:nvSpPr>
-        <p:spPr/>
-        <p:txBody>
-          <a:bodyPr/>
-          <a:lstStyle/>
-          <a:p>
-            <a:endParaRPr lang="en-US"/>
-          </a:p>
-        </p:txBody>
-      </p:sp>
-      <p:sp>
-        <p:nvSpPr>
-          <p:cNvPr id="3" name="Content Placeholder 2">
-            <a:extLst>
-              <a:ext uri="{FF2B5EF4-FFF2-40B4-BE49-F238E27FC236}">
-                <a16:creationId xmlns:a16="http://schemas.microsoft.com/office/drawing/2014/main" id="{6B663302-6EFF-15A3-D7D5-1E12479F38CC}"/>
-              </a:ext>
-            </a:extLst>
-          </p:cNvPr>
-          <p:cNvSpPr>
-            <a:spLocks noGrp="1"/>
-          </p:cNvSpPr>
-          <p:nvPr>
-            <p:ph idx="1"/>
-          </p:nvPr>
-        </p:nvSpPr>
-        <p:spPr/>
-        <p:txBody>
-          <a:bodyPr/>
-          <a:lstStyle/>
-          <a:p>
-            <a:endParaRPr lang="en-US"/>
-          </a:p>
-        </p:txBody>
-      </p:sp>
-    </p:spTree>
-    <p:extLst>
-      <p:ext uri="{BB962C8B-B14F-4D97-AF65-F5344CB8AC3E}">
-        <p14:creationId xmlns:p14="http://schemas.microsoft.com/office/powerpoint/2010/main" val="2487159097"/>
       </p:ext>
     </p:extLst>
   </p:cSld>

--- a/figures/fig1/fig1.pptx
+++ b/figures/fig1/fig1.pptx
@@ -259,7 +259,7 @@
           <a:p>
             <a:fld id="{63E089F7-0D66-8D4E-BF21-C7B1994E88E0}" type="datetimeFigureOut">
               <a:rPr lang="en-US" smtClean="0"/>
-              <a:t>10/25/22</a:t>
+              <a:t>12/27/22</a:t>
             </a:fld>
             <a:endParaRPr lang="en-US"/>
           </a:p>
@@ -457,7 +457,7 @@
           <a:p>
             <a:fld id="{63E089F7-0D66-8D4E-BF21-C7B1994E88E0}" type="datetimeFigureOut">
               <a:rPr lang="en-US" smtClean="0"/>
-              <a:t>10/25/22</a:t>
+              <a:t>12/27/22</a:t>
             </a:fld>
             <a:endParaRPr lang="en-US"/>
           </a:p>
@@ -665,7 +665,7 @@
           <a:p>
             <a:fld id="{63E089F7-0D66-8D4E-BF21-C7B1994E88E0}" type="datetimeFigureOut">
               <a:rPr lang="en-US" smtClean="0"/>
-              <a:t>10/25/22</a:t>
+              <a:t>12/27/22</a:t>
             </a:fld>
             <a:endParaRPr lang="en-US"/>
           </a:p>
@@ -863,7 +863,7 @@
           <a:p>
             <a:fld id="{63E089F7-0D66-8D4E-BF21-C7B1994E88E0}" type="datetimeFigureOut">
               <a:rPr lang="en-US" smtClean="0"/>
-              <a:t>10/25/22</a:t>
+              <a:t>12/27/22</a:t>
             </a:fld>
             <a:endParaRPr lang="en-US"/>
           </a:p>
@@ -1138,7 +1138,7 @@
           <a:p>
             <a:fld id="{63E089F7-0D66-8D4E-BF21-C7B1994E88E0}" type="datetimeFigureOut">
               <a:rPr lang="en-US" smtClean="0"/>
-              <a:t>10/25/22</a:t>
+              <a:t>12/27/22</a:t>
             </a:fld>
             <a:endParaRPr lang="en-US"/>
           </a:p>
@@ -1403,7 +1403,7 @@
           <a:p>
             <a:fld id="{63E089F7-0D66-8D4E-BF21-C7B1994E88E0}" type="datetimeFigureOut">
               <a:rPr lang="en-US" smtClean="0"/>
-              <a:t>10/25/22</a:t>
+              <a:t>12/27/22</a:t>
             </a:fld>
             <a:endParaRPr lang="en-US"/>
           </a:p>
@@ -1815,7 +1815,7 @@
           <a:p>
             <a:fld id="{63E089F7-0D66-8D4E-BF21-C7B1994E88E0}" type="datetimeFigureOut">
               <a:rPr lang="en-US" smtClean="0"/>
-              <a:t>10/25/22</a:t>
+              <a:t>12/27/22</a:t>
             </a:fld>
             <a:endParaRPr lang="en-US"/>
           </a:p>
@@ -1956,7 +1956,7 @@
           <a:p>
             <a:fld id="{63E089F7-0D66-8D4E-BF21-C7B1994E88E0}" type="datetimeFigureOut">
               <a:rPr lang="en-US" smtClean="0"/>
-              <a:t>10/25/22</a:t>
+              <a:t>12/27/22</a:t>
             </a:fld>
             <a:endParaRPr lang="en-US"/>
           </a:p>
@@ -2069,7 +2069,7 @@
           <a:p>
             <a:fld id="{63E089F7-0D66-8D4E-BF21-C7B1994E88E0}" type="datetimeFigureOut">
               <a:rPr lang="en-US" smtClean="0"/>
-              <a:t>10/25/22</a:t>
+              <a:t>12/27/22</a:t>
             </a:fld>
             <a:endParaRPr lang="en-US"/>
           </a:p>
@@ -2380,7 +2380,7 @@
           <a:p>
             <a:fld id="{63E089F7-0D66-8D4E-BF21-C7B1994E88E0}" type="datetimeFigureOut">
               <a:rPr lang="en-US" smtClean="0"/>
-              <a:t>10/25/22</a:t>
+              <a:t>12/27/22</a:t>
             </a:fld>
             <a:endParaRPr lang="en-US"/>
           </a:p>
@@ -2668,7 +2668,7 @@
           <a:p>
             <a:fld id="{63E089F7-0D66-8D4E-BF21-C7B1994E88E0}" type="datetimeFigureOut">
               <a:rPr lang="en-US" smtClean="0"/>
-              <a:t>10/25/22</a:t>
+              <a:t>12/27/22</a:t>
             </a:fld>
             <a:endParaRPr lang="en-US"/>
           </a:p>
@@ -2909,7 +2909,7 @@
           <a:p>
             <a:fld id="{63E089F7-0D66-8D4E-BF21-C7B1994E88E0}" type="datetimeFigureOut">
               <a:rPr lang="en-US" smtClean="0"/>
-              <a:t>10/25/22</a:t>
+              <a:t>12/27/22</a:t>
             </a:fld>
             <a:endParaRPr lang="en-US"/>
           </a:p>
@@ -3326,42 +3326,410 @@
           <a:chExt cx="0" cy="0"/>
         </a:xfrm>
       </p:grpSpPr>
+      <p:pic>
+        <p:nvPicPr>
+          <p:cNvPr id="10" name="Picture 9">
+            <a:extLst>
+              <a:ext uri="{FF2B5EF4-FFF2-40B4-BE49-F238E27FC236}">
+                <a16:creationId xmlns:a16="http://schemas.microsoft.com/office/drawing/2014/main" id="{EEF25848-20B7-7B40-F7B5-BCDCD4714487}"/>
+              </a:ext>
+            </a:extLst>
+          </p:cNvPr>
+          <p:cNvPicPr>
+            <a:picLocks noChangeAspect="1"/>
+          </p:cNvPicPr>
+          <p:nvPr/>
+        </p:nvPicPr>
+        <p:blipFill rotWithShape="1">
+          <a:blip r:embed="rId2"/>
+          <a:srcRect l="10529" t="7523" r="5238"/>
+          <a:stretch/>
+        </p:blipFill>
+        <p:spPr>
+          <a:xfrm>
+            <a:off x="2703443" y="497889"/>
+            <a:ext cx="4463803" cy="6342077"/>
+          </a:xfrm>
+          <a:prstGeom prst="rect">
+            <a:avLst/>
+          </a:prstGeom>
+        </p:spPr>
+      </p:pic>
+      <p:pic>
+        <p:nvPicPr>
+          <p:cNvPr id="5" name="Picture 4">
+            <a:extLst>
+              <a:ext uri="{FF2B5EF4-FFF2-40B4-BE49-F238E27FC236}">
+                <a16:creationId xmlns:a16="http://schemas.microsoft.com/office/drawing/2014/main" id="{92FEEC90-28A1-A3AD-12AE-1D3FC7FBD42B}"/>
+              </a:ext>
+            </a:extLst>
+          </p:cNvPr>
+          <p:cNvPicPr>
+            <a:picLocks noChangeAspect="1"/>
+          </p:cNvPicPr>
+          <p:nvPr/>
+        </p:nvPicPr>
+        <p:blipFill>
+          <a:blip r:embed="rId3"/>
+          <a:stretch>
+            <a:fillRect/>
+          </a:stretch>
+        </p:blipFill>
+        <p:spPr>
+          <a:xfrm>
+            <a:off x="5778108" y="563799"/>
+            <a:ext cx="1389138" cy="440273"/>
+          </a:xfrm>
+          <a:prstGeom prst="rect">
+            <a:avLst/>
+          </a:prstGeom>
+        </p:spPr>
+      </p:pic>
+      <p:pic>
+        <p:nvPicPr>
+          <p:cNvPr id="7" name="Picture 6">
+            <a:extLst>
+              <a:ext uri="{FF2B5EF4-FFF2-40B4-BE49-F238E27FC236}">
+                <a16:creationId xmlns:a16="http://schemas.microsoft.com/office/drawing/2014/main" id="{2EE13B4B-B74E-6010-AE99-49602C3DE8E4}"/>
+              </a:ext>
+            </a:extLst>
+          </p:cNvPr>
+          <p:cNvPicPr>
+            <a:picLocks noChangeAspect="1"/>
+          </p:cNvPicPr>
+          <p:nvPr/>
+        </p:nvPicPr>
+        <p:blipFill rotWithShape="1">
+          <a:blip r:embed="rId4"/>
+          <a:srcRect t="8586" r="6198" b="11181"/>
+          <a:stretch/>
+        </p:blipFill>
+        <p:spPr>
+          <a:xfrm>
+            <a:off x="118672" y="563799"/>
+            <a:ext cx="2633450" cy="5502384"/>
+          </a:xfrm>
+          <a:prstGeom prst="rect">
+            <a:avLst/>
+          </a:prstGeom>
+        </p:spPr>
+      </p:pic>
       <p:cxnSp>
         <p:nvCxnSpPr>
-          <p:cNvPr id="26" name="Straight Connector 25">
-            <a:extLst>
-              <a:ext uri="{FF2B5EF4-FFF2-40B4-BE49-F238E27FC236}">
-                <a16:creationId xmlns:a16="http://schemas.microsoft.com/office/drawing/2014/main" id="{AD6C430E-3461-FF9E-6B84-4B2FCFA7D26F}"/>
-              </a:ext>
-            </a:extLst>
-          </p:cNvPr>
-          <p:cNvCxnSpPr/>
+          <p:cNvPr id="3" name="Straight Connector 2">
+            <a:extLst>
+              <a:ext uri="{FF2B5EF4-FFF2-40B4-BE49-F238E27FC236}">
+                <a16:creationId xmlns:a16="http://schemas.microsoft.com/office/drawing/2014/main" id="{CF18D9E1-A40A-FFDC-41CF-959CB3357A30}"/>
+              </a:ext>
+            </a:extLst>
+          </p:cNvPr>
+          <p:cNvCxnSpPr>
+            <a:cxnSpLocks/>
+          </p:cNvCxnSpPr>
+          <p:nvPr/>
+        </p:nvCxnSpPr>
+        <p:spPr>
+          <a:xfrm flipV="1">
+            <a:off x="2703443" y="1747442"/>
+            <a:ext cx="4463803" cy="5073"/>
+          </a:xfrm>
+          <a:prstGeom prst="line">
+            <a:avLst/>
+          </a:prstGeom>
+          <a:ln>
+            <a:solidFill>
+              <a:schemeClr val="dk1">
+                <a:alpha val="26000"/>
+              </a:schemeClr>
+            </a:solidFill>
+            <a:prstDash val="dash"/>
+          </a:ln>
+        </p:spPr>
+        <p:style>
+          <a:lnRef idx="1">
+            <a:schemeClr val="dk1"/>
+          </a:lnRef>
+          <a:fillRef idx="0">
+            <a:schemeClr val="dk1"/>
+          </a:fillRef>
+          <a:effectRef idx="0">
+            <a:schemeClr val="dk1"/>
+          </a:effectRef>
+          <a:fontRef idx="minor">
+            <a:schemeClr val="tx1"/>
+          </a:fontRef>
+        </p:style>
+      </p:cxnSp>
+      <p:cxnSp>
+        <p:nvCxnSpPr>
+          <p:cNvPr id="6" name="Straight Connector 5">
+            <a:extLst>
+              <a:ext uri="{FF2B5EF4-FFF2-40B4-BE49-F238E27FC236}">
+                <a16:creationId xmlns:a16="http://schemas.microsoft.com/office/drawing/2014/main" id="{230AF52E-5657-28CC-33F7-A8B9DA34FD69}"/>
+              </a:ext>
+            </a:extLst>
+          </p:cNvPr>
+          <p:cNvCxnSpPr>
+            <a:cxnSpLocks/>
+          </p:cNvCxnSpPr>
           <p:nvPr/>
         </p:nvCxnSpPr>
         <p:spPr>
           <a:xfrm>
-            <a:off x="7013123" y="247651"/>
-            <a:ext cx="4522827" cy="0"/>
+            <a:off x="2712366" y="4017669"/>
+            <a:ext cx="4467323" cy="0"/>
           </a:xfrm>
           <a:prstGeom prst="line">
             <a:avLst/>
           </a:prstGeom>
-          <a:ln w="12700">
+          <a:ln>
             <a:solidFill>
-              <a:schemeClr val="tx1"/>
+              <a:schemeClr val="dk1">
+                <a:alpha val="24692"/>
+              </a:schemeClr>
             </a:solidFill>
-            <a:prstDash val="sysDot"/>
+            <a:prstDash val="dash"/>
           </a:ln>
         </p:spPr>
         <p:style>
           <a:lnRef idx="1">
-            <a:schemeClr val="accent1"/>
+            <a:schemeClr val="dk1"/>
           </a:lnRef>
           <a:fillRef idx="0">
-            <a:schemeClr val="accent1"/>
+            <a:schemeClr val="dk1"/>
           </a:fillRef>
           <a:effectRef idx="0">
-            <a:schemeClr val="accent1"/>
+            <a:schemeClr val="dk1"/>
+          </a:effectRef>
+          <a:fontRef idx="minor">
+            <a:schemeClr val="tx1"/>
+          </a:fontRef>
+        </p:style>
+      </p:cxnSp>
+      <p:cxnSp>
+        <p:nvCxnSpPr>
+          <p:cNvPr id="9" name="Straight Connector 8">
+            <a:extLst>
+              <a:ext uri="{FF2B5EF4-FFF2-40B4-BE49-F238E27FC236}">
+                <a16:creationId xmlns:a16="http://schemas.microsoft.com/office/drawing/2014/main" id="{09D8EC83-5783-00A4-2949-4971CA0C3577}"/>
+              </a:ext>
+            </a:extLst>
+          </p:cNvPr>
+          <p:cNvCxnSpPr>
+            <a:cxnSpLocks/>
+          </p:cNvCxnSpPr>
+          <p:nvPr/>
+        </p:nvCxnSpPr>
+        <p:spPr>
+          <a:xfrm>
+            <a:off x="2712366" y="5675159"/>
+            <a:ext cx="4467323" cy="0"/>
+          </a:xfrm>
+          <a:prstGeom prst="line">
+            <a:avLst/>
+          </a:prstGeom>
+          <a:ln>
+            <a:solidFill>
+              <a:schemeClr val="dk1">
+                <a:alpha val="24964"/>
+              </a:schemeClr>
+            </a:solidFill>
+            <a:prstDash val="dash"/>
+          </a:ln>
+        </p:spPr>
+        <p:style>
+          <a:lnRef idx="1">
+            <a:schemeClr val="dk1"/>
+          </a:lnRef>
+          <a:fillRef idx="0">
+            <a:schemeClr val="dk1"/>
+          </a:fillRef>
+          <a:effectRef idx="0">
+            <a:schemeClr val="dk1"/>
+          </a:effectRef>
+          <a:fontRef idx="minor">
+            <a:schemeClr val="tx1"/>
+          </a:fontRef>
+        </p:style>
+      </p:cxnSp>
+      <p:cxnSp>
+        <p:nvCxnSpPr>
+          <p:cNvPr id="11" name="Straight Connector 10">
+            <a:extLst>
+              <a:ext uri="{FF2B5EF4-FFF2-40B4-BE49-F238E27FC236}">
+                <a16:creationId xmlns:a16="http://schemas.microsoft.com/office/drawing/2014/main" id="{5266A536-9D6D-66A2-F77D-A344CE27D1A8}"/>
+              </a:ext>
+            </a:extLst>
+          </p:cNvPr>
+          <p:cNvCxnSpPr>
+            <a:cxnSpLocks/>
+          </p:cNvCxnSpPr>
+          <p:nvPr/>
+        </p:nvCxnSpPr>
+        <p:spPr>
+          <a:xfrm>
+            <a:off x="2703443" y="4462584"/>
+            <a:ext cx="4476246" cy="0"/>
+          </a:xfrm>
+          <a:prstGeom prst="line">
+            <a:avLst/>
+          </a:prstGeom>
+          <a:ln>
+            <a:solidFill>
+              <a:schemeClr val="dk1">
+                <a:alpha val="25484"/>
+              </a:schemeClr>
+            </a:solidFill>
+            <a:prstDash val="dash"/>
+          </a:ln>
+        </p:spPr>
+        <p:style>
+          <a:lnRef idx="1">
+            <a:schemeClr val="dk1"/>
+          </a:lnRef>
+          <a:fillRef idx="0">
+            <a:schemeClr val="dk1"/>
+          </a:fillRef>
+          <a:effectRef idx="0">
+            <a:schemeClr val="dk1"/>
+          </a:effectRef>
+          <a:fontRef idx="minor">
+            <a:schemeClr val="tx1"/>
+          </a:fontRef>
+        </p:style>
+      </p:cxnSp>
+      <p:cxnSp>
+        <p:nvCxnSpPr>
+          <p:cNvPr id="12" name="Straight Connector 11">
+            <a:extLst>
+              <a:ext uri="{FF2B5EF4-FFF2-40B4-BE49-F238E27FC236}">
+                <a16:creationId xmlns:a16="http://schemas.microsoft.com/office/drawing/2014/main" id="{11E17F73-1FA1-BA0C-D88A-6E28241E9971}"/>
+              </a:ext>
+            </a:extLst>
+          </p:cNvPr>
+          <p:cNvCxnSpPr>
+            <a:cxnSpLocks/>
+          </p:cNvCxnSpPr>
+          <p:nvPr/>
+        </p:nvCxnSpPr>
+        <p:spPr>
+          <a:xfrm>
+            <a:off x="2696815" y="3240561"/>
+            <a:ext cx="4470431" cy="0"/>
+          </a:xfrm>
+          <a:prstGeom prst="line">
+            <a:avLst/>
+          </a:prstGeom>
+          <a:ln>
+            <a:solidFill>
+              <a:schemeClr val="dk1">
+                <a:alpha val="24989"/>
+              </a:schemeClr>
+            </a:solidFill>
+            <a:prstDash val="dash"/>
+          </a:ln>
+        </p:spPr>
+        <p:style>
+          <a:lnRef idx="1">
+            <a:schemeClr val="dk1"/>
+          </a:lnRef>
+          <a:fillRef idx="0">
+            <a:schemeClr val="dk1"/>
+          </a:fillRef>
+          <a:effectRef idx="0">
+            <a:schemeClr val="dk1"/>
+          </a:effectRef>
+          <a:fontRef idx="minor">
+            <a:schemeClr val="tx1"/>
+          </a:fontRef>
+        </p:style>
+      </p:cxnSp>
+      <p:cxnSp>
+        <p:nvCxnSpPr>
+          <p:cNvPr id="13" name="Straight Connector 12">
+            <a:extLst>
+              <a:ext uri="{FF2B5EF4-FFF2-40B4-BE49-F238E27FC236}">
+                <a16:creationId xmlns:a16="http://schemas.microsoft.com/office/drawing/2014/main" id="{28F58AEA-2C4D-0203-CCF3-DC03FE0BB6E8}"/>
+              </a:ext>
+            </a:extLst>
+          </p:cNvPr>
+          <p:cNvCxnSpPr>
+            <a:cxnSpLocks/>
+          </p:cNvCxnSpPr>
+          <p:nvPr/>
+        </p:nvCxnSpPr>
+        <p:spPr>
+          <a:xfrm>
+            <a:off x="2696815" y="2617709"/>
+            <a:ext cx="4470431" cy="0"/>
+          </a:xfrm>
+          <a:prstGeom prst="line">
+            <a:avLst/>
+          </a:prstGeom>
+          <a:ln>
+            <a:solidFill>
+              <a:schemeClr val="dk1">
+                <a:alpha val="25000"/>
+              </a:schemeClr>
+            </a:solidFill>
+            <a:prstDash val="dash"/>
+          </a:ln>
+        </p:spPr>
+        <p:style>
+          <a:lnRef idx="1">
+            <a:schemeClr val="dk1"/>
+          </a:lnRef>
+          <a:fillRef idx="0">
+            <a:schemeClr val="dk1"/>
+          </a:fillRef>
+          <a:effectRef idx="0">
+            <a:schemeClr val="dk1"/>
+          </a:effectRef>
+          <a:fontRef idx="minor">
+            <a:schemeClr val="tx1"/>
+          </a:fontRef>
+        </p:style>
+      </p:cxnSp>
+      <p:cxnSp>
+        <p:nvCxnSpPr>
+          <p:cNvPr id="14" name="Straight Connector 13">
+            <a:extLst>
+              <a:ext uri="{FF2B5EF4-FFF2-40B4-BE49-F238E27FC236}">
+                <a16:creationId xmlns:a16="http://schemas.microsoft.com/office/drawing/2014/main" id="{F01D6E2B-A6D5-8E93-24FF-FF4CBD9CD786}"/>
+              </a:ext>
+            </a:extLst>
+          </p:cNvPr>
+          <p:cNvCxnSpPr>
+            <a:cxnSpLocks/>
+          </p:cNvCxnSpPr>
+          <p:nvPr/>
+        </p:nvCxnSpPr>
+        <p:spPr>
+          <a:xfrm>
+            <a:off x="2703443" y="2182575"/>
+            <a:ext cx="4463803" cy="0"/>
+          </a:xfrm>
+          <a:prstGeom prst="line">
+            <a:avLst/>
+          </a:prstGeom>
+          <a:ln>
+            <a:solidFill>
+              <a:schemeClr val="dk1">
+                <a:alpha val="25000"/>
+              </a:schemeClr>
+            </a:solidFill>
+            <a:prstDash val="dash"/>
+          </a:ln>
+        </p:spPr>
+        <p:style>
+          <a:lnRef idx="1">
+            <a:schemeClr val="dk1"/>
+          </a:lnRef>
+          <a:fillRef idx="0">
+            <a:schemeClr val="dk1"/>
+          </a:fillRef>
+          <a:effectRef idx="0">
+            <a:schemeClr val="dk1"/>
           </a:effectRef>
           <a:fontRef idx="minor">
             <a:schemeClr val="tx1"/>
@@ -3370,10 +3738,10 @@
       </p:cxnSp>
       <p:pic>
         <p:nvPicPr>
-          <p:cNvPr id="5" name="Picture 4">
-            <a:extLst>
-              <a:ext uri="{FF2B5EF4-FFF2-40B4-BE49-F238E27FC236}">
-                <a16:creationId xmlns:a16="http://schemas.microsoft.com/office/drawing/2014/main" id="{92FEEC90-28A1-A3AD-12AE-1D3FC7FBD42B}"/>
+          <p:cNvPr id="16" name="Picture 15">
+            <a:extLst>
+              <a:ext uri="{FF2B5EF4-FFF2-40B4-BE49-F238E27FC236}">
+                <a16:creationId xmlns:a16="http://schemas.microsoft.com/office/drawing/2014/main" id="{FE44F822-FD43-92BC-6FFF-2033378B2F5C}"/>
               </a:ext>
             </a:extLst>
           </p:cNvPr>
@@ -3383,963 +3751,15 @@
           <p:nvPr/>
         </p:nvPicPr>
         <p:blipFill>
-          <a:blip r:embed="rId2"/>
+          <a:blip r:embed="rId5"/>
           <a:stretch>
             <a:fillRect/>
           </a:stretch>
         </p:blipFill>
         <p:spPr>
           <a:xfrm>
-            <a:off x="5763721" y="762003"/>
-            <a:ext cx="1389138" cy="440273"/>
-          </a:xfrm>
-          <a:prstGeom prst="rect">
-            <a:avLst/>
-          </a:prstGeom>
-        </p:spPr>
-      </p:pic>
-      <p:grpSp>
-        <p:nvGrpSpPr>
-          <p:cNvPr id="128" name="Group 127">
-            <a:extLst>
-              <a:ext uri="{FF2B5EF4-FFF2-40B4-BE49-F238E27FC236}">
-                <a16:creationId xmlns:a16="http://schemas.microsoft.com/office/drawing/2014/main" id="{F251295F-0DA9-532E-7D24-B3B5338F32FC}"/>
-              </a:ext>
-            </a:extLst>
-          </p:cNvPr>
-          <p:cNvGrpSpPr/>
-          <p:nvPr/>
-        </p:nvGrpSpPr>
-        <p:grpSpPr>
-          <a:xfrm>
-            <a:off x="12832100" y="606868"/>
-            <a:ext cx="2776224" cy="5694217"/>
-            <a:chOff x="9415776" y="552840"/>
-            <a:chExt cx="2776224" cy="5694217"/>
-          </a:xfrm>
-        </p:grpSpPr>
-        <p:pic>
-          <p:nvPicPr>
-            <p:cNvPr id="42" name="Graphic 41">
-              <a:extLst>
-                <a:ext uri="{FF2B5EF4-FFF2-40B4-BE49-F238E27FC236}">
-                  <a16:creationId xmlns:a16="http://schemas.microsoft.com/office/drawing/2014/main" id="{9429A21A-C306-1E66-8593-E3F02787867D}"/>
-                </a:ext>
-              </a:extLst>
-            </p:cNvPr>
-            <p:cNvPicPr>
-              <a:picLocks noChangeAspect="1"/>
-            </p:cNvPicPr>
-            <p:nvPr/>
-          </p:nvPicPr>
-          <p:blipFill>
-            <a:blip r:embed="rId3">
-              <a:extLst>
-                <a:ext uri="{96DAC541-7B7A-43D3-8B79-37D633B846F1}">
-                  <asvg:svgBlip xmlns:asvg="http://schemas.microsoft.com/office/drawing/2016/SVG/main" r:embed="rId4"/>
-                </a:ext>
-              </a:extLst>
-            </a:blip>
-            <a:stretch>
-              <a:fillRect/>
-            </a:stretch>
-          </p:blipFill>
-          <p:spPr>
-            <a:xfrm>
-              <a:off x="9610271" y="877014"/>
-              <a:ext cx="1229596" cy="542469"/>
-            </a:xfrm>
-            <a:prstGeom prst="rect">
-              <a:avLst/>
-            </a:prstGeom>
-          </p:spPr>
-        </p:pic>
-        <p:pic>
-          <p:nvPicPr>
-            <p:cNvPr id="50" name="Graphic 49">
-              <a:extLst>
-                <a:ext uri="{FF2B5EF4-FFF2-40B4-BE49-F238E27FC236}">
-                  <a16:creationId xmlns:a16="http://schemas.microsoft.com/office/drawing/2014/main" id="{1B352C31-C2E2-655D-DA55-DBECA43D8E4A}"/>
-                </a:ext>
-              </a:extLst>
-            </p:cNvPr>
-            <p:cNvPicPr>
-              <a:picLocks noChangeAspect="1"/>
-            </p:cNvPicPr>
-            <p:nvPr/>
-          </p:nvPicPr>
-          <p:blipFill>
-            <a:blip r:embed="rId5">
-              <a:extLst>
-                <a:ext uri="{96DAC541-7B7A-43D3-8B79-37D633B846F1}">
-                  <asvg:svgBlip xmlns:asvg="http://schemas.microsoft.com/office/drawing/2016/SVG/main" r:embed="rId6"/>
-                </a:ext>
-              </a:extLst>
-            </a:blip>
-            <a:stretch>
-              <a:fillRect/>
-            </a:stretch>
-          </p:blipFill>
-          <p:spPr>
-            <a:xfrm>
-              <a:off x="9580859" y="1724991"/>
-              <a:ext cx="1382048" cy="416808"/>
-            </a:xfrm>
-            <a:prstGeom prst="rect">
-              <a:avLst/>
-            </a:prstGeom>
-          </p:spPr>
-        </p:pic>
-        <p:pic>
-          <p:nvPicPr>
-            <p:cNvPr id="64" name="Graphic 63">
-              <a:extLst>
-                <a:ext uri="{FF2B5EF4-FFF2-40B4-BE49-F238E27FC236}">
-                  <a16:creationId xmlns:a16="http://schemas.microsoft.com/office/drawing/2014/main" id="{E408FA4F-F3FF-A696-5AAE-134C6CE845A2}"/>
-                </a:ext>
-              </a:extLst>
-            </p:cNvPr>
-            <p:cNvPicPr>
-              <a:picLocks noChangeAspect="1"/>
-            </p:cNvPicPr>
-            <p:nvPr/>
-          </p:nvPicPr>
-          <p:blipFill rotWithShape="1">
-            <a:blip r:embed="rId7">
-              <a:extLst>
-                <a:ext uri="{96DAC541-7B7A-43D3-8B79-37D633B846F1}">
-                  <asvg:svgBlip xmlns:asvg="http://schemas.microsoft.com/office/drawing/2016/SVG/main" r:embed="rId8"/>
-                </a:ext>
-              </a:extLst>
-            </a:blip>
-            <a:srcRect l="12937" t="14997" r="73303" b="77901"/>
-            <a:stretch/>
-          </p:blipFill>
-          <p:spPr>
-            <a:xfrm>
-              <a:off x="9461765" y="2063229"/>
-              <a:ext cx="1070429" cy="781690"/>
-            </a:xfrm>
-            <a:prstGeom prst="rect">
-              <a:avLst/>
-            </a:prstGeom>
-          </p:spPr>
-        </p:pic>
-        <p:pic>
-          <p:nvPicPr>
-            <p:cNvPr id="68" name="Graphic 67">
-              <a:extLst>
-                <a:ext uri="{FF2B5EF4-FFF2-40B4-BE49-F238E27FC236}">
-                  <a16:creationId xmlns:a16="http://schemas.microsoft.com/office/drawing/2014/main" id="{26267578-E428-57D2-B0D5-07FC537FA606}"/>
-                </a:ext>
-              </a:extLst>
-            </p:cNvPr>
-            <p:cNvPicPr>
-              <a:picLocks noChangeAspect="1"/>
-            </p:cNvPicPr>
-            <p:nvPr/>
-          </p:nvPicPr>
-          <p:blipFill>
-            <a:blip r:embed="rId9">
-              <a:extLst>
-                <a:ext uri="{96DAC541-7B7A-43D3-8B79-37D633B846F1}">
-                  <asvg:svgBlip xmlns:asvg="http://schemas.microsoft.com/office/drawing/2016/SVG/main" r:embed="rId10"/>
-                </a:ext>
-              </a:extLst>
-            </a:blip>
-            <a:stretch>
-              <a:fillRect/>
-            </a:stretch>
-          </p:blipFill>
-          <p:spPr>
-            <a:xfrm>
-              <a:off x="11184648" y="2101102"/>
-              <a:ext cx="543834" cy="609620"/>
-            </a:xfrm>
-            <a:prstGeom prst="rect">
-              <a:avLst/>
-            </a:prstGeom>
-          </p:spPr>
-        </p:pic>
-        <p:pic>
-          <p:nvPicPr>
-            <p:cNvPr id="74" name="Graphic 73">
-              <a:extLst>
-                <a:ext uri="{FF2B5EF4-FFF2-40B4-BE49-F238E27FC236}">
-                  <a16:creationId xmlns:a16="http://schemas.microsoft.com/office/drawing/2014/main" id="{9332F4F8-8DAE-C9A3-ECA6-58789C831ECA}"/>
-                </a:ext>
-              </a:extLst>
-            </p:cNvPr>
-            <p:cNvPicPr>
-              <a:picLocks noChangeAspect="1"/>
-            </p:cNvPicPr>
-            <p:nvPr/>
-          </p:nvPicPr>
-          <p:blipFill>
-            <a:blip r:embed="rId11">
-              <a:extLst>
-                <a:ext uri="{96DAC541-7B7A-43D3-8B79-37D633B846F1}">
-                  <asvg:svgBlip xmlns:asvg="http://schemas.microsoft.com/office/drawing/2016/SVG/main" r:embed="rId12"/>
-                </a:ext>
-              </a:extLst>
-            </a:blip>
-            <a:stretch>
-              <a:fillRect/>
-            </a:stretch>
-          </p:blipFill>
-          <p:spPr>
-            <a:xfrm>
-              <a:off x="11227431" y="2921499"/>
-              <a:ext cx="597520" cy="435439"/>
-            </a:xfrm>
-            <a:prstGeom prst="rect">
-              <a:avLst/>
-            </a:prstGeom>
-          </p:spPr>
-        </p:pic>
-        <p:pic>
-          <p:nvPicPr>
-            <p:cNvPr id="82" name="Graphic 81">
-              <a:extLst>
-                <a:ext uri="{FF2B5EF4-FFF2-40B4-BE49-F238E27FC236}">
-                  <a16:creationId xmlns:a16="http://schemas.microsoft.com/office/drawing/2014/main" id="{15A8396F-DDD8-20DE-EF3F-29C47CF46F3D}"/>
-                </a:ext>
-              </a:extLst>
-            </p:cNvPr>
-            <p:cNvPicPr>
-              <a:picLocks noChangeAspect="1"/>
-            </p:cNvPicPr>
-            <p:nvPr/>
-          </p:nvPicPr>
-          <p:blipFill>
-            <a:blip r:embed="rId13">
-              <a:extLst>
-                <a:ext uri="{96DAC541-7B7A-43D3-8B79-37D633B846F1}">
-                  <asvg:svgBlip xmlns:asvg="http://schemas.microsoft.com/office/drawing/2016/SVG/main" r:embed="rId14"/>
-                </a:ext>
-              </a:extLst>
-            </a:blip>
-            <a:stretch>
-              <a:fillRect/>
-            </a:stretch>
-          </p:blipFill>
-          <p:spPr>
-            <a:xfrm>
-              <a:off x="11184648" y="3587462"/>
-              <a:ext cx="630811" cy="306691"/>
-            </a:xfrm>
-            <a:prstGeom prst="rect">
-              <a:avLst/>
-            </a:prstGeom>
-          </p:spPr>
-        </p:pic>
-        <p:pic>
-          <p:nvPicPr>
-            <p:cNvPr id="90" name="Picture 89">
-              <a:extLst>
-                <a:ext uri="{FF2B5EF4-FFF2-40B4-BE49-F238E27FC236}">
-                  <a16:creationId xmlns:a16="http://schemas.microsoft.com/office/drawing/2014/main" id="{5FDAE701-D9F5-4C67-3BFC-B9A18BBAE9E0}"/>
-                </a:ext>
-              </a:extLst>
-            </p:cNvPr>
-            <p:cNvPicPr>
-              <a:picLocks noChangeAspect="1"/>
-            </p:cNvPicPr>
-            <p:nvPr/>
-          </p:nvPicPr>
-          <p:blipFill>
-            <a:blip r:embed="rId15"/>
-            <a:stretch>
-              <a:fillRect/>
-            </a:stretch>
-          </p:blipFill>
-          <p:spPr>
-            <a:xfrm>
-              <a:off x="9649357" y="3785935"/>
-              <a:ext cx="1099016" cy="301500"/>
-            </a:xfrm>
-            <a:prstGeom prst="rect">
-              <a:avLst/>
-            </a:prstGeom>
-          </p:spPr>
-        </p:pic>
-        <p:pic>
-          <p:nvPicPr>
-            <p:cNvPr id="98" name="Graphic 97">
-              <a:extLst>
-                <a:ext uri="{FF2B5EF4-FFF2-40B4-BE49-F238E27FC236}">
-                  <a16:creationId xmlns:a16="http://schemas.microsoft.com/office/drawing/2014/main" id="{0207F0C0-D5BA-F6EA-FE0A-F35EDEDCB911}"/>
-                </a:ext>
-              </a:extLst>
-            </p:cNvPr>
-            <p:cNvPicPr>
-              <a:picLocks noChangeAspect="1"/>
-            </p:cNvPicPr>
-            <p:nvPr/>
-          </p:nvPicPr>
-          <p:blipFill rotWithShape="1">
-            <a:blip r:embed="rId16">
-              <a:extLst>
-                <a:ext uri="{96DAC541-7B7A-43D3-8B79-37D633B846F1}">
-                  <asvg:svgBlip xmlns:asvg="http://schemas.microsoft.com/office/drawing/2016/SVG/main" r:embed="rId17"/>
-                </a:ext>
-              </a:extLst>
-            </a:blip>
-            <a:srcRect l="22287" t="15565" r="55414" b="75003"/>
-            <a:stretch/>
-          </p:blipFill>
-          <p:spPr>
-            <a:xfrm flipH="1">
-              <a:off x="9652541" y="4188119"/>
-              <a:ext cx="1080655" cy="646801"/>
-            </a:xfrm>
-            <a:prstGeom prst="rect">
-              <a:avLst/>
-            </a:prstGeom>
-          </p:spPr>
-        </p:pic>
-        <p:pic>
-          <p:nvPicPr>
-            <p:cNvPr id="106" name="Picture 105">
-              <a:extLst>
-                <a:ext uri="{FF2B5EF4-FFF2-40B4-BE49-F238E27FC236}">
-                  <a16:creationId xmlns:a16="http://schemas.microsoft.com/office/drawing/2014/main" id="{DBEC2180-7CD2-0C2E-F12A-43076CCBAEA5}"/>
-                </a:ext>
-              </a:extLst>
-            </p:cNvPr>
-            <p:cNvPicPr>
-              <a:picLocks noChangeAspect="1"/>
-            </p:cNvPicPr>
-            <p:nvPr/>
-          </p:nvPicPr>
-          <p:blipFill>
-            <a:blip r:embed="rId18"/>
-            <a:stretch>
-              <a:fillRect/>
-            </a:stretch>
-          </p:blipFill>
-          <p:spPr>
-            <a:xfrm>
-              <a:off x="9770470" y="4867545"/>
-              <a:ext cx="521314" cy="599560"/>
-            </a:xfrm>
-            <a:prstGeom prst="rect">
-              <a:avLst/>
-            </a:prstGeom>
-          </p:spPr>
-        </p:pic>
-        <p:cxnSp>
-          <p:nvCxnSpPr>
-            <p:cNvPr id="108" name="Straight Connector 107">
-              <a:extLst>
-                <a:ext uri="{FF2B5EF4-FFF2-40B4-BE49-F238E27FC236}">
-                  <a16:creationId xmlns:a16="http://schemas.microsoft.com/office/drawing/2014/main" id="{019A166F-4B6E-3789-0631-F43DD6B16C02}"/>
-                </a:ext>
-              </a:extLst>
-            </p:cNvPr>
-            <p:cNvCxnSpPr>
-              <a:cxnSpLocks/>
-            </p:cNvCxnSpPr>
-            <p:nvPr/>
-          </p:nvCxnSpPr>
-          <p:spPr>
-            <a:xfrm>
-              <a:off x="9444143" y="552840"/>
-              <a:ext cx="2747857" cy="0"/>
-            </a:xfrm>
-            <a:prstGeom prst="line">
-              <a:avLst/>
-            </a:prstGeom>
-          </p:spPr>
-          <p:style>
-            <a:lnRef idx="1">
-              <a:schemeClr val="dk1"/>
-            </a:lnRef>
-            <a:fillRef idx="0">
-              <a:schemeClr val="dk1"/>
-            </a:fillRef>
-            <a:effectRef idx="0">
-              <a:schemeClr val="dk1"/>
-            </a:effectRef>
-            <a:fontRef idx="minor">
-              <a:schemeClr val="tx1"/>
-            </a:fontRef>
-          </p:style>
-        </p:cxnSp>
-        <p:cxnSp>
-          <p:nvCxnSpPr>
-            <p:cNvPr id="110" name="Straight Connector 109">
-              <a:extLst>
-                <a:ext uri="{FF2B5EF4-FFF2-40B4-BE49-F238E27FC236}">
-                  <a16:creationId xmlns:a16="http://schemas.microsoft.com/office/drawing/2014/main" id="{33C80523-ACF2-46F0-B057-5390D65752EF}"/>
-                </a:ext>
-              </a:extLst>
-            </p:cNvPr>
-            <p:cNvCxnSpPr>
-              <a:cxnSpLocks/>
-            </p:cNvCxnSpPr>
-            <p:nvPr/>
-          </p:nvCxnSpPr>
-          <p:spPr>
-            <a:xfrm>
-              <a:off x="9438243" y="6247057"/>
-              <a:ext cx="2747857" cy="0"/>
-            </a:xfrm>
-            <a:prstGeom prst="line">
-              <a:avLst/>
-            </a:prstGeom>
-          </p:spPr>
-          <p:style>
-            <a:lnRef idx="1">
-              <a:schemeClr val="dk1"/>
-            </a:lnRef>
-            <a:fillRef idx="0">
-              <a:schemeClr val="dk1"/>
-            </a:fillRef>
-            <a:effectRef idx="0">
-              <a:schemeClr val="dk1"/>
-            </a:effectRef>
-            <a:fontRef idx="minor">
-              <a:schemeClr val="tx1"/>
-            </a:fontRef>
-          </p:style>
-        </p:cxnSp>
-        <p:pic>
-          <p:nvPicPr>
-            <p:cNvPr id="112" name="Graphic 111">
-              <a:extLst>
-                <a:ext uri="{FF2B5EF4-FFF2-40B4-BE49-F238E27FC236}">
-                  <a16:creationId xmlns:a16="http://schemas.microsoft.com/office/drawing/2014/main" id="{C70780E4-C98A-B36E-D097-32EE9AA69696}"/>
-                </a:ext>
-              </a:extLst>
-            </p:cNvPr>
-            <p:cNvPicPr>
-              <a:picLocks noChangeAspect="1"/>
-            </p:cNvPicPr>
-            <p:nvPr/>
-          </p:nvPicPr>
-          <p:blipFill>
-            <a:blip r:embed="rId19">
-              <a:extLst>
-                <a:ext uri="{96DAC541-7B7A-43D3-8B79-37D633B846F1}">
-                  <asvg:svgBlip xmlns:asvg="http://schemas.microsoft.com/office/drawing/2016/SVG/main" r:embed="rId20"/>
-                </a:ext>
-              </a:extLst>
-            </a:blip>
-            <a:stretch>
-              <a:fillRect/>
-            </a:stretch>
-          </p:blipFill>
-          <p:spPr>
-            <a:xfrm>
-              <a:off x="9638552" y="5486431"/>
-              <a:ext cx="899900" cy="695377"/>
-            </a:xfrm>
-            <a:prstGeom prst="rect">
-              <a:avLst/>
-            </a:prstGeom>
-          </p:spPr>
-        </p:pic>
-        <p:sp>
-          <p:nvSpPr>
-            <p:cNvPr id="124" name="Freeform 123">
-              <a:extLst>
-                <a:ext uri="{FF2B5EF4-FFF2-40B4-BE49-F238E27FC236}">
-                  <a16:creationId xmlns:a16="http://schemas.microsoft.com/office/drawing/2014/main" id="{24676D49-C0D1-4CFB-368A-81E6DF14E01A}"/>
-                </a:ext>
-              </a:extLst>
-            </p:cNvPr>
-            <p:cNvSpPr/>
-            <p:nvPr/>
-          </p:nvSpPr>
-          <p:spPr>
-            <a:xfrm>
-              <a:off x="9441712" y="1839433"/>
-              <a:ext cx="2381693" cy="805487"/>
-            </a:xfrm>
-            <a:custGeom>
-              <a:avLst/>
-              <a:gdLst>
-                <a:gd name="connsiteX0" fmla="*/ 0 w 2381693"/>
-                <a:gd name="connsiteY0" fmla="*/ 786809 h 805487"/>
-                <a:gd name="connsiteX1" fmla="*/ 1041990 w 2381693"/>
-                <a:gd name="connsiteY1" fmla="*/ 776176 h 805487"/>
-                <a:gd name="connsiteX2" fmla="*/ 1711841 w 2381693"/>
-                <a:gd name="connsiteY2" fmla="*/ 510362 h 805487"/>
-                <a:gd name="connsiteX3" fmla="*/ 2052083 w 2381693"/>
-                <a:gd name="connsiteY3" fmla="*/ 85060 h 805487"/>
-                <a:gd name="connsiteX4" fmla="*/ 2381693 w 2381693"/>
-                <a:gd name="connsiteY4" fmla="*/ 0 h 805487"/>
-                <a:gd name="connsiteX5" fmla="*/ 2381693 w 2381693"/>
-                <a:gd name="connsiteY5" fmla="*/ 0 h 805487"/>
-              </a:gdLst>
-              <a:ahLst/>
-              <a:cxnLst>
-                <a:cxn ang="0">
-                  <a:pos x="connsiteX0" y="connsiteY0"/>
-                </a:cxn>
-                <a:cxn ang="0">
-                  <a:pos x="connsiteX1" y="connsiteY1"/>
-                </a:cxn>
-                <a:cxn ang="0">
-                  <a:pos x="connsiteX2" y="connsiteY2"/>
-                </a:cxn>
-                <a:cxn ang="0">
-                  <a:pos x="connsiteX3" y="connsiteY3"/>
-                </a:cxn>
-                <a:cxn ang="0">
-                  <a:pos x="connsiteX4" y="connsiteY4"/>
-                </a:cxn>
-                <a:cxn ang="0">
-                  <a:pos x="connsiteX5" y="connsiteY5"/>
-                </a:cxn>
-              </a:cxnLst>
-              <a:rect l="l" t="t" r="r" b="b"/>
-              <a:pathLst>
-                <a:path w="2381693" h="805487">
-                  <a:moveTo>
-                    <a:pt x="0" y="786809"/>
-                  </a:moveTo>
-                  <a:cubicBezTo>
-                    <a:pt x="378341" y="804529"/>
-                    <a:pt x="756683" y="822250"/>
-                    <a:pt x="1041990" y="776176"/>
-                  </a:cubicBezTo>
-                  <a:cubicBezTo>
-                    <a:pt x="1327297" y="730102"/>
-                    <a:pt x="1543492" y="625548"/>
-                    <a:pt x="1711841" y="510362"/>
-                  </a:cubicBezTo>
-                  <a:cubicBezTo>
-                    <a:pt x="1880190" y="395176"/>
-                    <a:pt x="1940441" y="170120"/>
-                    <a:pt x="2052083" y="85060"/>
-                  </a:cubicBezTo>
-                  <a:cubicBezTo>
-                    <a:pt x="2163725" y="0"/>
-                    <a:pt x="2381693" y="0"/>
-                    <a:pt x="2381693" y="0"/>
-                  </a:cubicBezTo>
-                  <a:lnTo>
-                    <a:pt x="2381693" y="0"/>
-                  </a:lnTo>
-                </a:path>
-              </a:pathLst>
-            </a:custGeom>
-            <a:noFill/>
-            <a:ln>
-              <a:solidFill>
-                <a:schemeClr val="tx1"/>
-              </a:solidFill>
-              <a:prstDash val="sysDot"/>
-            </a:ln>
-          </p:spPr>
-          <p:style>
-            <a:lnRef idx="2">
-              <a:schemeClr val="accent1">
-                <a:shade val="50000"/>
-              </a:schemeClr>
-            </a:lnRef>
-            <a:fillRef idx="1">
-              <a:schemeClr val="accent1"/>
-            </a:fillRef>
-            <a:effectRef idx="0">
-              <a:schemeClr val="accent1"/>
-            </a:effectRef>
-            <a:fontRef idx="minor">
-              <a:schemeClr val="lt1"/>
-            </a:fontRef>
-          </p:style>
-          <p:txBody>
-            <a:bodyPr rtlCol="0" anchor="ctr"/>
-            <a:lstStyle/>
-            <a:p>
-              <a:pPr algn="ctr"/>
-              <a:endParaRPr lang="en-US"/>
-            </a:p>
-          </p:txBody>
-        </p:sp>
-        <p:sp>
-          <p:nvSpPr>
-            <p:cNvPr id="125" name="Freeform 124">
-              <a:extLst>
-                <a:ext uri="{FF2B5EF4-FFF2-40B4-BE49-F238E27FC236}">
-                  <a16:creationId xmlns:a16="http://schemas.microsoft.com/office/drawing/2014/main" id="{22EF7D67-5312-0889-CCFE-C6341B6D0482}"/>
-                </a:ext>
-              </a:extLst>
-            </p:cNvPr>
-            <p:cNvSpPr/>
-            <p:nvPr/>
-          </p:nvSpPr>
-          <p:spPr>
-            <a:xfrm flipV="1">
-              <a:off x="9433766" y="3743403"/>
-              <a:ext cx="2381693" cy="469678"/>
-            </a:xfrm>
-            <a:custGeom>
-              <a:avLst/>
-              <a:gdLst>
-                <a:gd name="connsiteX0" fmla="*/ 0 w 2381693"/>
-                <a:gd name="connsiteY0" fmla="*/ 786809 h 805487"/>
-                <a:gd name="connsiteX1" fmla="*/ 1041990 w 2381693"/>
-                <a:gd name="connsiteY1" fmla="*/ 776176 h 805487"/>
-                <a:gd name="connsiteX2" fmla="*/ 1711841 w 2381693"/>
-                <a:gd name="connsiteY2" fmla="*/ 510362 h 805487"/>
-                <a:gd name="connsiteX3" fmla="*/ 2052083 w 2381693"/>
-                <a:gd name="connsiteY3" fmla="*/ 85060 h 805487"/>
-                <a:gd name="connsiteX4" fmla="*/ 2381693 w 2381693"/>
-                <a:gd name="connsiteY4" fmla="*/ 0 h 805487"/>
-                <a:gd name="connsiteX5" fmla="*/ 2381693 w 2381693"/>
-                <a:gd name="connsiteY5" fmla="*/ 0 h 805487"/>
-              </a:gdLst>
-              <a:ahLst/>
-              <a:cxnLst>
-                <a:cxn ang="0">
-                  <a:pos x="connsiteX0" y="connsiteY0"/>
-                </a:cxn>
-                <a:cxn ang="0">
-                  <a:pos x="connsiteX1" y="connsiteY1"/>
-                </a:cxn>
-                <a:cxn ang="0">
-                  <a:pos x="connsiteX2" y="connsiteY2"/>
-                </a:cxn>
-                <a:cxn ang="0">
-                  <a:pos x="connsiteX3" y="connsiteY3"/>
-                </a:cxn>
-                <a:cxn ang="0">
-                  <a:pos x="connsiteX4" y="connsiteY4"/>
-                </a:cxn>
-                <a:cxn ang="0">
-                  <a:pos x="connsiteX5" y="connsiteY5"/>
-                </a:cxn>
-              </a:cxnLst>
-              <a:rect l="l" t="t" r="r" b="b"/>
-              <a:pathLst>
-                <a:path w="2381693" h="805487">
-                  <a:moveTo>
-                    <a:pt x="0" y="786809"/>
-                  </a:moveTo>
-                  <a:cubicBezTo>
-                    <a:pt x="378341" y="804529"/>
-                    <a:pt x="756683" y="822250"/>
-                    <a:pt x="1041990" y="776176"/>
-                  </a:cubicBezTo>
-                  <a:cubicBezTo>
-                    <a:pt x="1327297" y="730102"/>
-                    <a:pt x="1543492" y="625548"/>
-                    <a:pt x="1711841" y="510362"/>
-                  </a:cubicBezTo>
-                  <a:cubicBezTo>
-                    <a:pt x="1880190" y="395176"/>
-                    <a:pt x="1940441" y="170120"/>
-                    <a:pt x="2052083" y="85060"/>
-                  </a:cubicBezTo>
-                  <a:cubicBezTo>
-                    <a:pt x="2163725" y="0"/>
-                    <a:pt x="2381693" y="0"/>
-                    <a:pt x="2381693" y="0"/>
-                  </a:cubicBezTo>
-                  <a:lnTo>
-                    <a:pt x="2381693" y="0"/>
-                  </a:lnTo>
-                </a:path>
-              </a:pathLst>
-            </a:custGeom>
-            <a:noFill/>
-            <a:ln>
-              <a:solidFill>
-                <a:schemeClr val="tx1"/>
-              </a:solidFill>
-              <a:prstDash val="sysDot"/>
-            </a:ln>
-          </p:spPr>
-          <p:style>
-            <a:lnRef idx="2">
-              <a:schemeClr val="accent1">
-                <a:shade val="50000"/>
-              </a:schemeClr>
-            </a:lnRef>
-            <a:fillRef idx="1">
-              <a:schemeClr val="accent1"/>
-            </a:fillRef>
-            <a:effectRef idx="0">
-              <a:schemeClr val="accent1"/>
-            </a:effectRef>
-            <a:fontRef idx="minor">
-              <a:schemeClr val="lt1"/>
-            </a:fontRef>
-          </p:style>
-          <p:txBody>
-            <a:bodyPr rtlCol="0" anchor="ctr"/>
-            <a:lstStyle/>
-            <a:p>
-              <a:pPr algn="ctr"/>
-              <a:endParaRPr lang="en-US" dirty="0"/>
-            </a:p>
-          </p:txBody>
-        </p:sp>
-        <p:sp>
-          <p:nvSpPr>
-            <p:cNvPr id="126" name="Freeform 125">
-              <a:extLst>
-                <a:ext uri="{FF2B5EF4-FFF2-40B4-BE49-F238E27FC236}">
-                  <a16:creationId xmlns:a16="http://schemas.microsoft.com/office/drawing/2014/main" id="{9901D9D3-5AA3-EAA9-119C-D5CC2D4B5B2D}"/>
-                </a:ext>
-              </a:extLst>
-            </p:cNvPr>
-            <p:cNvSpPr/>
-            <p:nvPr/>
-          </p:nvSpPr>
-          <p:spPr>
-            <a:xfrm>
-              <a:off x="9415776" y="2773929"/>
-              <a:ext cx="2381693" cy="224558"/>
-            </a:xfrm>
-            <a:custGeom>
-              <a:avLst/>
-              <a:gdLst>
-                <a:gd name="connsiteX0" fmla="*/ 0 w 2381693"/>
-                <a:gd name="connsiteY0" fmla="*/ 786809 h 805487"/>
-                <a:gd name="connsiteX1" fmla="*/ 1041990 w 2381693"/>
-                <a:gd name="connsiteY1" fmla="*/ 776176 h 805487"/>
-                <a:gd name="connsiteX2" fmla="*/ 1711841 w 2381693"/>
-                <a:gd name="connsiteY2" fmla="*/ 510362 h 805487"/>
-                <a:gd name="connsiteX3" fmla="*/ 2052083 w 2381693"/>
-                <a:gd name="connsiteY3" fmla="*/ 85060 h 805487"/>
-                <a:gd name="connsiteX4" fmla="*/ 2381693 w 2381693"/>
-                <a:gd name="connsiteY4" fmla="*/ 0 h 805487"/>
-                <a:gd name="connsiteX5" fmla="*/ 2381693 w 2381693"/>
-                <a:gd name="connsiteY5" fmla="*/ 0 h 805487"/>
-              </a:gdLst>
-              <a:ahLst/>
-              <a:cxnLst>
-                <a:cxn ang="0">
-                  <a:pos x="connsiteX0" y="connsiteY0"/>
-                </a:cxn>
-                <a:cxn ang="0">
-                  <a:pos x="connsiteX1" y="connsiteY1"/>
-                </a:cxn>
-                <a:cxn ang="0">
-                  <a:pos x="connsiteX2" y="connsiteY2"/>
-                </a:cxn>
-                <a:cxn ang="0">
-                  <a:pos x="connsiteX3" y="connsiteY3"/>
-                </a:cxn>
-                <a:cxn ang="0">
-                  <a:pos x="connsiteX4" y="connsiteY4"/>
-                </a:cxn>
-                <a:cxn ang="0">
-                  <a:pos x="connsiteX5" y="connsiteY5"/>
-                </a:cxn>
-              </a:cxnLst>
-              <a:rect l="l" t="t" r="r" b="b"/>
-              <a:pathLst>
-                <a:path w="2381693" h="805487">
-                  <a:moveTo>
-                    <a:pt x="0" y="786809"/>
-                  </a:moveTo>
-                  <a:cubicBezTo>
-                    <a:pt x="378341" y="804529"/>
-                    <a:pt x="756683" y="822250"/>
-                    <a:pt x="1041990" y="776176"/>
-                  </a:cubicBezTo>
-                  <a:cubicBezTo>
-                    <a:pt x="1327297" y="730102"/>
-                    <a:pt x="1543492" y="625548"/>
-                    <a:pt x="1711841" y="510362"/>
-                  </a:cubicBezTo>
-                  <a:cubicBezTo>
-                    <a:pt x="1880190" y="395176"/>
-                    <a:pt x="1940441" y="170120"/>
-                    <a:pt x="2052083" y="85060"/>
-                  </a:cubicBezTo>
-                  <a:cubicBezTo>
-                    <a:pt x="2163725" y="0"/>
-                    <a:pt x="2381693" y="0"/>
-                    <a:pt x="2381693" y="0"/>
-                  </a:cubicBezTo>
-                  <a:lnTo>
-                    <a:pt x="2381693" y="0"/>
-                  </a:lnTo>
-                </a:path>
-              </a:pathLst>
-            </a:custGeom>
-            <a:noFill/>
-            <a:ln>
-              <a:solidFill>
-                <a:schemeClr val="tx1"/>
-              </a:solidFill>
-              <a:prstDash val="sysDot"/>
-            </a:ln>
-          </p:spPr>
-          <p:style>
-            <a:lnRef idx="2">
-              <a:schemeClr val="accent1">
-                <a:shade val="50000"/>
-              </a:schemeClr>
-            </a:lnRef>
-            <a:fillRef idx="1">
-              <a:schemeClr val="accent1"/>
-            </a:fillRef>
-            <a:effectRef idx="0">
-              <a:schemeClr val="accent1"/>
-            </a:effectRef>
-            <a:fontRef idx="minor">
-              <a:schemeClr val="lt1"/>
-            </a:fontRef>
-          </p:style>
-          <p:txBody>
-            <a:bodyPr rtlCol="0" anchor="ctr"/>
-            <a:lstStyle/>
-            <a:p>
-              <a:pPr algn="ctr"/>
-              <a:endParaRPr lang="en-US"/>
-            </a:p>
-          </p:txBody>
-        </p:sp>
-        <p:sp>
-          <p:nvSpPr>
-            <p:cNvPr id="127" name="Freeform 126">
-              <a:extLst>
-                <a:ext uri="{FF2B5EF4-FFF2-40B4-BE49-F238E27FC236}">
-                  <a16:creationId xmlns:a16="http://schemas.microsoft.com/office/drawing/2014/main" id="{8EBDF6A8-A3EE-F44A-F80C-14B0067AC1E0}"/>
-                </a:ext>
-              </a:extLst>
-            </p:cNvPr>
-            <p:cNvSpPr/>
-            <p:nvPr/>
-          </p:nvSpPr>
-          <p:spPr>
-            <a:xfrm flipV="1">
-              <a:off x="9441711" y="3299541"/>
-              <a:ext cx="2381693" cy="264679"/>
-            </a:xfrm>
-            <a:custGeom>
-              <a:avLst/>
-              <a:gdLst>
-                <a:gd name="connsiteX0" fmla="*/ 0 w 2381693"/>
-                <a:gd name="connsiteY0" fmla="*/ 786809 h 805487"/>
-                <a:gd name="connsiteX1" fmla="*/ 1041990 w 2381693"/>
-                <a:gd name="connsiteY1" fmla="*/ 776176 h 805487"/>
-                <a:gd name="connsiteX2" fmla="*/ 1711841 w 2381693"/>
-                <a:gd name="connsiteY2" fmla="*/ 510362 h 805487"/>
-                <a:gd name="connsiteX3" fmla="*/ 2052083 w 2381693"/>
-                <a:gd name="connsiteY3" fmla="*/ 85060 h 805487"/>
-                <a:gd name="connsiteX4" fmla="*/ 2381693 w 2381693"/>
-                <a:gd name="connsiteY4" fmla="*/ 0 h 805487"/>
-                <a:gd name="connsiteX5" fmla="*/ 2381693 w 2381693"/>
-                <a:gd name="connsiteY5" fmla="*/ 0 h 805487"/>
-              </a:gdLst>
-              <a:ahLst/>
-              <a:cxnLst>
-                <a:cxn ang="0">
-                  <a:pos x="connsiteX0" y="connsiteY0"/>
-                </a:cxn>
-                <a:cxn ang="0">
-                  <a:pos x="connsiteX1" y="connsiteY1"/>
-                </a:cxn>
-                <a:cxn ang="0">
-                  <a:pos x="connsiteX2" y="connsiteY2"/>
-                </a:cxn>
-                <a:cxn ang="0">
-                  <a:pos x="connsiteX3" y="connsiteY3"/>
-                </a:cxn>
-                <a:cxn ang="0">
-                  <a:pos x="connsiteX4" y="connsiteY4"/>
-                </a:cxn>
-                <a:cxn ang="0">
-                  <a:pos x="connsiteX5" y="connsiteY5"/>
-                </a:cxn>
-              </a:cxnLst>
-              <a:rect l="l" t="t" r="r" b="b"/>
-              <a:pathLst>
-                <a:path w="2381693" h="805487">
-                  <a:moveTo>
-                    <a:pt x="0" y="786809"/>
-                  </a:moveTo>
-                  <a:cubicBezTo>
-                    <a:pt x="378341" y="804529"/>
-                    <a:pt x="756683" y="822250"/>
-                    <a:pt x="1041990" y="776176"/>
-                  </a:cubicBezTo>
-                  <a:cubicBezTo>
-                    <a:pt x="1327297" y="730102"/>
-                    <a:pt x="1543492" y="625548"/>
-                    <a:pt x="1711841" y="510362"/>
-                  </a:cubicBezTo>
-                  <a:cubicBezTo>
-                    <a:pt x="1880190" y="395176"/>
-                    <a:pt x="1940441" y="170120"/>
-                    <a:pt x="2052083" y="85060"/>
-                  </a:cubicBezTo>
-                  <a:cubicBezTo>
-                    <a:pt x="2163725" y="0"/>
-                    <a:pt x="2381693" y="0"/>
-                    <a:pt x="2381693" y="0"/>
-                  </a:cubicBezTo>
-                  <a:lnTo>
-                    <a:pt x="2381693" y="0"/>
-                  </a:lnTo>
-                </a:path>
-              </a:pathLst>
-            </a:custGeom>
-            <a:noFill/>
-            <a:ln>
-              <a:solidFill>
-                <a:schemeClr val="tx1"/>
-              </a:solidFill>
-              <a:prstDash val="sysDot"/>
-            </a:ln>
-          </p:spPr>
-          <p:style>
-            <a:lnRef idx="2">
-              <a:schemeClr val="accent1">
-                <a:shade val="50000"/>
-              </a:schemeClr>
-            </a:lnRef>
-            <a:fillRef idx="1">
-              <a:schemeClr val="accent1"/>
-            </a:fillRef>
-            <a:effectRef idx="0">
-              <a:schemeClr val="accent1"/>
-            </a:effectRef>
-            <a:fontRef idx="minor">
-              <a:schemeClr val="lt1"/>
-            </a:fontRef>
-          </p:style>
-          <p:txBody>
-            <a:bodyPr rtlCol="0" anchor="ctr"/>
-            <a:lstStyle/>
-            <a:p>
-              <a:pPr algn="ctr"/>
-              <a:endParaRPr lang="en-US"/>
-            </a:p>
-          </p:txBody>
-        </p:sp>
-      </p:grpSp>
-      <p:pic>
-        <p:nvPicPr>
-          <p:cNvPr id="4" name="Picture 3">
-            <a:extLst>
-              <a:ext uri="{FF2B5EF4-FFF2-40B4-BE49-F238E27FC236}">
-                <a16:creationId xmlns:a16="http://schemas.microsoft.com/office/drawing/2014/main" id="{877A8BD2-D3A8-194C-08B8-43E9EF8319A9}"/>
-              </a:ext>
-            </a:extLst>
-          </p:cNvPr>
-          <p:cNvPicPr>
-            <a:picLocks noChangeAspect="1"/>
-          </p:cNvPicPr>
-          <p:nvPr/>
-        </p:nvPicPr>
-        <p:blipFill rotWithShape="1">
-          <a:blip r:embed="rId21"/>
-          <a:srcRect l="9510" t="7301" r="3560" b="1548"/>
-          <a:stretch/>
-        </p:blipFill>
-        <p:spPr>
-          <a:xfrm>
-            <a:off x="2985145" y="515923"/>
-            <a:ext cx="4606725" cy="6251133"/>
+            <a:off x="7299720" y="788752"/>
+            <a:ext cx="929880" cy="737676"/>
           </a:xfrm>
           <a:prstGeom prst="rect">
             <a:avLst/>
@@ -4348,10 +3768,10 @@
       </p:pic>
       <p:pic>
         <p:nvPicPr>
-          <p:cNvPr id="8" name="Picture 7">
-            <a:extLst>
-              <a:ext uri="{FF2B5EF4-FFF2-40B4-BE49-F238E27FC236}">
-                <a16:creationId xmlns:a16="http://schemas.microsoft.com/office/drawing/2014/main" id="{C6B9529C-E908-6A9A-F7AE-F02002A762C4}"/>
+          <p:cNvPr id="18" name="Picture 17">
+            <a:extLst>
+              <a:ext uri="{FF2B5EF4-FFF2-40B4-BE49-F238E27FC236}">
+                <a16:creationId xmlns:a16="http://schemas.microsoft.com/office/drawing/2014/main" id="{B1EA3AAD-B2E3-2684-8BAA-146C9B857888}"/>
               </a:ext>
             </a:extLst>
           </p:cNvPr>
@@ -4360,15 +3780,272 @@
           </p:cNvPicPr>
           <p:nvPr/>
         </p:nvPicPr>
-        <p:blipFill rotWithShape="1">
-          <a:blip r:embed="rId22"/>
-          <a:srcRect l="11358" t="8849" r="41036" b="11019"/>
-          <a:stretch/>
+        <p:blipFill>
+          <a:blip r:embed="rId6"/>
+          <a:stretch>
+            <a:fillRect/>
+          </a:stretch>
         </p:blipFill>
         <p:spPr>
           <a:xfrm>
-            <a:off x="364188" y="659756"/>
-            <a:ext cx="2542845" cy="5539081"/>
+            <a:off x="7299720" y="1780842"/>
+            <a:ext cx="1422400" cy="381000"/>
+          </a:xfrm>
+          <a:prstGeom prst="rect">
+            <a:avLst/>
+          </a:prstGeom>
+        </p:spPr>
+      </p:pic>
+      <p:pic>
+        <p:nvPicPr>
+          <p:cNvPr id="22" name="Picture 21">
+            <a:extLst>
+              <a:ext uri="{FF2B5EF4-FFF2-40B4-BE49-F238E27FC236}">
+                <a16:creationId xmlns:a16="http://schemas.microsoft.com/office/drawing/2014/main" id="{E57528AE-9818-4254-0D60-3AEC63D4E319}"/>
+              </a:ext>
+            </a:extLst>
+          </p:cNvPr>
+          <p:cNvPicPr>
+            <a:picLocks noChangeAspect="1"/>
+          </p:cNvPicPr>
+          <p:nvPr/>
+        </p:nvPicPr>
+        <p:blipFill>
+          <a:blip r:embed="rId7"/>
+          <a:stretch>
+            <a:fillRect/>
+          </a:stretch>
+        </p:blipFill>
+        <p:spPr>
+          <a:xfrm>
+            <a:off x="7299720" y="2219369"/>
+            <a:ext cx="1155167" cy="372271"/>
+          </a:xfrm>
+          <a:prstGeom prst="rect">
+            <a:avLst/>
+          </a:prstGeom>
+        </p:spPr>
+      </p:pic>
+      <p:pic>
+        <p:nvPicPr>
+          <p:cNvPr id="25" name="Picture 24">
+            <a:extLst>
+              <a:ext uri="{FF2B5EF4-FFF2-40B4-BE49-F238E27FC236}">
+                <a16:creationId xmlns:a16="http://schemas.microsoft.com/office/drawing/2014/main" id="{DD9103AE-D243-26F9-402F-7AEDAC2E34D0}"/>
+              </a:ext>
+            </a:extLst>
+          </p:cNvPr>
+          <p:cNvPicPr>
+            <a:picLocks noChangeAspect="1"/>
+          </p:cNvPicPr>
+          <p:nvPr/>
+        </p:nvPicPr>
+        <p:blipFill>
+          <a:blip r:embed="rId8"/>
+          <a:stretch>
+            <a:fillRect/>
+          </a:stretch>
+        </p:blipFill>
+        <p:spPr>
+          <a:xfrm>
+            <a:off x="7299720" y="2637086"/>
+            <a:ext cx="1062402" cy="612924"/>
+          </a:xfrm>
+          <a:prstGeom prst="rect">
+            <a:avLst/>
+          </a:prstGeom>
+        </p:spPr>
+      </p:pic>
+      <p:pic>
+        <p:nvPicPr>
+          <p:cNvPr id="27" name="Picture 26">
+            <a:extLst>
+              <a:ext uri="{FF2B5EF4-FFF2-40B4-BE49-F238E27FC236}">
+                <a16:creationId xmlns:a16="http://schemas.microsoft.com/office/drawing/2014/main" id="{960581A9-AAAB-4FBC-DFFB-210AE2E8BE03}"/>
+              </a:ext>
+            </a:extLst>
+          </p:cNvPr>
+          <p:cNvPicPr>
+            <a:picLocks noChangeAspect="1"/>
+          </p:cNvPicPr>
+          <p:nvPr/>
+        </p:nvPicPr>
+        <p:blipFill>
+          <a:blip r:embed="rId9"/>
+          <a:stretch>
+            <a:fillRect/>
+          </a:stretch>
+        </p:blipFill>
+        <p:spPr>
+          <a:xfrm>
+            <a:off x="7298259" y="3369020"/>
+            <a:ext cx="1146114" cy="284290"/>
+          </a:xfrm>
+          <a:prstGeom prst="rect">
+            <a:avLst/>
+          </a:prstGeom>
+        </p:spPr>
+      </p:pic>
+      <p:cxnSp>
+        <p:nvCxnSpPr>
+          <p:cNvPr id="35" name="Straight Connector 34">
+            <a:extLst>
+              <a:ext uri="{FF2B5EF4-FFF2-40B4-BE49-F238E27FC236}">
+                <a16:creationId xmlns:a16="http://schemas.microsoft.com/office/drawing/2014/main" id="{5E5D52DB-9C4C-6321-307B-FD7F674C7C85}"/>
+              </a:ext>
+            </a:extLst>
+          </p:cNvPr>
+          <p:cNvCxnSpPr>
+            <a:cxnSpLocks/>
+          </p:cNvCxnSpPr>
+          <p:nvPr/>
+        </p:nvCxnSpPr>
+        <p:spPr>
+          <a:xfrm>
+            <a:off x="2709258" y="3583522"/>
+            <a:ext cx="4470431" cy="0"/>
+          </a:xfrm>
+          <a:prstGeom prst="line">
+            <a:avLst/>
+          </a:prstGeom>
+          <a:ln>
+            <a:solidFill>
+              <a:schemeClr val="dk1">
+                <a:alpha val="24989"/>
+              </a:schemeClr>
+            </a:solidFill>
+            <a:prstDash val="dash"/>
+          </a:ln>
+        </p:spPr>
+        <p:style>
+          <a:lnRef idx="1">
+            <a:schemeClr val="dk1"/>
+          </a:lnRef>
+          <a:fillRef idx="0">
+            <a:schemeClr val="dk1"/>
+          </a:fillRef>
+          <a:effectRef idx="0">
+            <a:schemeClr val="dk1"/>
+          </a:effectRef>
+          <a:fontRef idx="minor">
+            <a:schemeClr val="tx1"/>
+          </a:fontRef>
+        </p:style>
+      </p:cxnSp>
+      <p:pic>
+        <p:nvPicPr>
+          <p:cNvPr id="37" name="Picture 36">
+            <a:extLst>
+              <a:ext uri="{FF2B5EF4-FFF2-40B4-BE49-F238E27FC236}">
+                <a16:creationId xmlns:a16="http://schemas.microsoft.com/office/drawing/2014/main" id="{7739C95D-3A9D-ABC8-C531-6D139C36D2E9}"/>
+              </a:ext>
+            </a:extLst>
+          </p:cNvPr>
+          <p:cNvPicPr>
+            <a:picLocks noChangeAspect="1"/>
+          </p:cNvPicPr>
+          <p:nvPr/>
+        </p:nvPicPr>
+        <p:blipFill>
+          <a:blip r:embed="rId10"/>
+          <a:stretch>
+            <a:fillRect/>
+          </a:stretch>
+        </p:blipFill>
+        <p:spPr>
+          <a:xfrm>
+            <a:off x="7298259" y="3754388"/>
+            <a:ext cx="1269918" cy="324920"/>
+          </a:xfrm>
+          <a:prstGeom prst="rect">
+            <a:avLst/>
+          </a:prstGeom>
+        </p:spPr>
+      </p:pic>
+      <p:pic>
+        <p:nvPicPr>
+          <p:cNvPr id="39" name="Picture 38">
+            <a:extLst>
+              <a:ext uri="{FF2B5EF4-FFF2-40B4-BE49-F238E27FC236}">
+                <a16:creationId xmlns:a16="http://schemas.microsoft.com/office/drawing/2014/main" id="{696D47FD-102E-617F-E9E9-AE021D53D0A4}"/>
+              </a:ext>
+            </a:extLst>
+          </p:cNvPr>
+          <p:cNvPicPr>
+            <a:picLocks noChangeAspect="1"/>
+          </p:cNvPicPr>
+          <p:nvPr/>
+        </p:nvPicPr>
+        <p:blipFill>
+          <a:blip r:embed="rId11"/>
+          <a:stretch>
+            <a:fillRect/>
+          </a:stretch>
+        </p:blipFill>
+        <p:spPr>
+          <a:xfrm>
+            <a:off x="7317027" y="4217229"/>
+            <a:ext cx="1079709" cy="293124"/>
+          </a:xfrm>
+          <a:prstGeom prst="rect">
+            <a:avLst/>
+          </a:prstGeom>
+        </p:spPr>
+      </p:pic>
+      <p:pic>
+        <p:nvPicPr>
+          <p:cNvPr id="41" name="Picture 40">
+            <a:extLst>
+              <a:ext uri="{FF2B5EF4-FFF2-40B4-BE49-F238E27FC236}">
+                <a16:creationId xmlns:a16="http://schemas.microsoft.com/office/drawing/2014/main" id="{6D1BFCFC-2457-2390-2E86-A5C7EA1347F7}"/>
+              </a:ext>
+            </a:extLst>
+          </p:cNvPr>
+          <p:cNvPicPr>
+            <a:picLocks noChangeAspect="1"/>
+          </p:cNvPicPr>
+          <p:nvPr/>
+        </p:nvPicPr>
+        <p:blipFill>
+          <a:blip r:embed="rId12"/>
+          <a:stretch>
+            <a:fillRect/>
+          </a:stretch>
+        </p:blipFill>
+        <p:spPr>
+          <a:xfrm>
+            <a:off x="7317027" y="4685595"/>
+            <a:ext cx="1062402" cy="520826"/>
+          </a:xfrm>
+          <a:prstGeom prst="rect">
+            <a:avLst/>
+          </a:prstGeom>
+        </p:spPr>
+      </p:pic>
+      <p:pic>
+        <p:nvPicPr>
+          <p:cNvPr id="46" name="Picture 45">
+            <a:extLst>
+              <a:ext uri="{FF2B5EF4-FFF2-40B4-BE49-F238E27FC236}">
+                <a16:creationId xmlns:a16="http://schemas.microsoft.com/office/drawing/2014/main" id="{A831AF1D-099C-DF35-B207-840F4904234B}"/>
+              </a:ext>
+            </a:extLst>
+          </p:cNvPr>
+          <p:cNvPicPr>
+            <a:picLocks noChangeAspect="1"/>
+          </p:cNvPicPr>
+          <p:nvPr/>
+        </p:nvPicPr>
+        <p:blipFill>
+          <a:blip r:embed="rId13"/>
+          <a:stretch>
+            <a:fillRect/>
+          </a:stretch>
+        </p:blipFill>
+        <p:spPr>
+          <a:xfrm>
+            <a:off x="7298259" y="5500932"/>
+            <a:ext cx="931341" cy="641350"/>
           </a:xfrm>
           <a:prstGeom prst="rect">
             <a:avLst/>

--- a/figures/fig1/fig1.pptx
+++ b/figures/fig1/fig1.pptx
@@ -112,6 +112,18 @@
 </p:presentation>
 </file>
 
+<file path=ppt/commentAuthors.xml><?xml version="1.0" encoding="utf-8"?>
+<p:cmAuthorLst xmlns:a="http://schemas.openxmlformats.org/drawingml/2006/main" xmlns:r="http://schemas.openxmlformats.org/officeDocument/2006/relationships" xmlns:p="http://schemas.openxmlformats.org/presentationml/2006/main">
+  <p:cmAuthor id="1" name="Michelle Jonika" initials="MJ" lastIdx="1" clrIdx="0">
+    <p:extLst>
+      <p:ext uri="{19B8F6BF-5375-455C-9EA6-DF929625EA0E}">
+        <p15:presenceInfo xmlns:p15="http://schemas.microsoft.com/office/powerpoint/2012/main" userId="Michelle Jonika" providerId="None"/>
+      </p:ext>
+    </p:extLst>
+  </p:cmAuthor>
+</p:cmAuthorLst>
+</file>
+
 <file path=ppt/slideLayouts/slideLayout1.xml><?xml version="1.0" encoding="utf-8"?>
 <p:sldLayout xmlns:a="http://schemas.openxmlformats.org/drawingml/2006/main" xmlns:r="http://schemas.openxmlformats.org/officeDocument/2006/relationships" xmlns:p="http://schemas.openxmlformats.org/presentationml/2006/main" type="title" preserve="1">
   <p:cSld name="Title Slide">
@@ -259,7 +271,7 @@
           <a:p>
             <a:fld id="{63E089F7-0D66-8D4E-BF21-C7B1994E88E0}" type="datetimeFigureOut">
               <a:rPr lang="en-US" smtClean="0"/>
-              <a:t>12/27/22</a:t>
+              <a:t>10/9/23</a:t>
             </a:fld>
             <a:endParaRPr lang="en-US"/>
           </a:p>
@@ -457,7 +469,7 @@
           <a:p>
             <a:fld id="{63E089F7-0D66-8D4E-BF21-C7B1994E88E0}" type="datetimeFigureOut">
               <a:rPr lang="en-US" smtClean="0"/>
-              <a:t>12/27/22</a:t>
+              <a:t>10/9/23</a:t>
             </a:fld>
             <a:endParaRPr lang="en-US"/>
           </a:p>
@@ -665,7 +677,7 @@
           <a:p>
             <a:fld id="{63E089F7-0D66-8D4E-BF21-C7B1994E88E0}" type="datetimeFigureOut">
               <a:rPr lang="en-US" smtClean="0"/>
-              <a:t>12/27/22</a:t>
+              <a:t>10/9/23</a:t>
             </a:fld>
             <a:endParaRPr lang="en-US"/>
           </a:p>
@@ -863,7 +875,7 @@
           <a:p>
             <a:fld id="{63E089F7-0D66-8D4E-BF21-C7B1994E88E0}" type="datetimeFigureOut">
               <a:rPr lang="en-US" smtClean="0"/>
-              <a:t>12/27/22</a:t>
+              <a:t>10/9/23</a:t>
             </a:fld>
             <a:endParaRPr lang="en-US"/>
           </a:p>
@@ -1138,7 +1150,7 @@
           <a:p>
             <a:fld id="{63E089F7-0D66-8D4E-BF21-C7B1994E88E0}" type="datetimeFigureOut">
               <a:rPr lang="en-US" smtClean="0"/>
-              <a:t>12/27/22</a:t>
+              <a:t>10/9/23</a:t>
             </a:fld>
             <a:endParaRPr lang="en-US"/>
           </a:p>
@@ -1403,7 +1415,7 @@
           <a:p>
             <a:fld id="{63E089F7-0D66-8D4E-BF21-C7B1994E88E0}" type="datetimeFigureOut">
               <a:rPr lang="en-US" smtClean="0"/>
-              <a:t>12/27/22</a:t>
+              <a:t>10/9/23</a:t>
             </a:fld>
             <a:endParaRPr lang="en-US"/>
           </a:p>
@@ -1815,7 +1827,7 @@
           <a:p>
             <a:fld id="{63E089F7-0D66-8D4E-BF21-C7B1994E88E0}" type="datetimeFigureOut">
               <a:rPr lang="en-US" smtClean="0"/>
-              <a:t>12/27/22</a:t>
+              <a:t>10/9/23</a:t>
             </a:fld>
             <a:endParaRPr lang="en-US"/>
           </a:p>
@@ -1956,7 +1968,7 @@
           <a:p>
             <a:fld id="{63E089F7-0D66-8D4E-BF21-C7B1994E88E0}" type="datetimeFigureOut">
               <a:rPr lang="en-US" smtClean="0"/>
-              <a:t>12/27/22</a:t>
+              <a:t>10/9/23</a:t>
             </a:fld>
             <a:endParaRPr lang="en-US"/>
           </a:p>
@@ -2069,7 +2081,7 @@
           <a:p>
             <a:fld id="{63E089F7-0D66-8D4E-BF21-C7B1994E88E0}" type="datetimeFigureOut">
               <a:rPr lang="en-US" smtClean="0"/>
-              <a:t>12/27/22</a:t>
+              <a:t>10/9/23</a:t>
             </a:fld>
             <a:endParaRPr lang="en-US"/>
           </a:p>
@@ -2380,7 +2392,7 @@
           <a:p>
             <a:fld id="{63E089F7-0D66-8D4E-BF21-C7B1994E88E0}" type="datetimeFigureOut">
               <a:rPr lang="en-US" smtClean="0"/>
-              <a:t>12/27/22</a:t>
+              <a:t>10/9/23</a:t>
             </a:fld>
             <a:endParaRPr lang="en-US"/>
           </a:p>
@@ -2668,7 +2680,7 @@
           <a:p>
             <a:fld id="{63E089F7-0D66-8D4E-BF21-C7B1994E88E0}" type="datetimeFigureOut">
               <a:rPr lang="en-US" smtClean="0"/>
-              <a:t>12/27/22</a:t>
+              <a:t>10/9/23</a:t>
             </a:fld>
             <a:endParaRPr lang="en-US"/>
           </a:p>
@@ -2909,7 +2921,7 @@
           <a:p>
             <a:fld id="{63E089F7-0D66-8D4E-BF21-C7B1994E88E0}" type="datetimeFigureOut">
               <a:rPr lang="en-US" smtClean="0"/>
-              <a:t>12/27/22</a:t>
+              <a:t>10/9/23</a:t>
             </a:fld>
             <a:endParaRPr lang="en-US"/>
           </a:p>
@@ -4052,6 +4064,350 @@
           </a:prstGeom>
         </p:spPr>
       </p:pic>
+      <p:sp>
+        <p:nvSpPr>
+          <p:cNvPr id="2" name="TextBox 1">
+            <a:extLst>
+              <a:ext uri="{FF2B5EF4-FFF2-40B4-BE49-F238E27FC236}">
+                <a16:creationId xmlns:a16="http://schemas.microsoft.com/office/drawing/2014/main" id="{A2E209D7-D358-B4F5-36C2-075762DF3479}"/>
+              </a:ext>
+            </a:extLst>
+          </p:cNvPr>
+          <p:cNvSpPr txBox="1"/>
+          <p:nvPr/>
+        </p:nvSpPr>
+        <p:spPr>
+          <a:xfrm>
+            <a:off x="8973980" y="1019090"/>
+            <a:ext cx="1029153" cy="276999"/>
+          </a:xfrm>
+          <a:prstGeom prst="rect">
+            <a:avLst/>
+          </a:prstGeom>
+          <a:noFill/>
+        </p:spPr>
+        <p:txBody>
+          <a:bodyPr wrap="square" rtlCol="0">
+            <a:spAutoFit/>
+          </a:bodyPr>
+          <a:lstStyle/>
+          <a:p>
+            <a:r>
+              <a:rPr lang="en-US" sz="1200" dirty="0"/>
+              <a:t>Felidae</a:t>
+            </a:r>
+          </a:p>
+        </p:txBody>
+      </p:sp>
+      <p:sp>
+        <p:nvSpPr>
+          <p:cNvPr id="4" name="TextBox 3">
+            <a:extLst>
+              <a:ext uri="{FF2B5EF4-FFF2-40B4-BE49-F238E27FC236}">
+                <a16:creationId xmlns:a16="http://schemas.microsoft.com/office/drawing/2014/main" id="{DAD75165-2708-9331-A883-1CBADCF2FA2A}"/>
+              </a:ext>
+            </a:extLst>
+          </p:cNvPr>
+          <p:cNvSpPr txBox="1"/>
+          <p:nvPr/>
+        </p:nvSpPr>
+        <p:spPr>
+          <a:xfrm>
+            <a:off x="8973979" y="1832842"/>
+            <a:ext cx="1029153" cy="276999"/>
+          </a:xfrm>
+          <a:prstGeom prst="rect">
+            <a:avLst/>
+          </a:prstGeom>
+          <a:noFill/>
+        </p:spPr>
+        <p:txBody>
+          <a:bodyPr wrap="square" rtlCol="0">
+            <a:spAutoFit/>
+          </a:bodyPr>
+          <a:lstStyle/>
+          <a:p>
+            <a:r>
+              <a:rPr lang="en-US" sz="1200" dirty="0"/>
+              <a:t>Viverridae</a:t>
+            </a:r>
+          </a:p>
+        </p:txBody>
+      </p:sp>
+      <p:sp>
+        <p:nvSpPr>
+          <p:cNvPr id="8" name="TextBox 7">
+            <a:extLst>
+              <a:ext uri="{FF2B5EF4-FFF2-40B4-BE49-F238E27FC236}">
+                <a16:creationId xmlns:a16="http://schemas.microsoft.com/office/drawing/2014/main" id="{D0F8F753-B476-37E2-BBC8-FFBDA0E23957}"/>
+              </a:ext>
+            </a:extLst>
+          </p:cNvPr>
+          <p:cNvSpPr txBox="1"/>
+          <p:nvPr/>
+        </p:nvSpPr>
+        <p:spPr>
+          <a:xfrm>
+            <a:off x="8973979" y="2167278"/>
+            <a:ext cx="2005802" cy="461665"/>
+          </a:xfrm>
+          <a:prstGeom prst="rect">
+            <a:avLst/>
+          </a:prstGeom>
+          <a:noFill/>
+        </p:spPr>
+        <p:txBody>
+          <a:bodyPr wrap="square" rtlCol="0">
+            <a:spAutoFit/>
+          </a:bodyPr>
+          <a:lstStyle/>
+          <a:p>
+            <a:r>
+              <a:rPr lang="en-US" sz="1200" dirty="0" err="1"/>
+              <a:t>Herpestidae</a:t>
+            </a:r>
+            <a:r>
+              <a:rPr lang="en-US" sz="1200" dirty="0"/>
+              <a:t>, </a:t>
+            </a:r>
+            <a:r>
+              <a:rPr lang="en-US" sz="1200" dirty="0" err="1"/>
+              <a:t>Eupleridae</a:t>
+            </a:r>
+            <a:r>
+              <a:rPr lang="en-US" sz="1200" dirty="0"/>
+              <a:t>, </a:t>
+            </a:r>
+            <a:r>
+              <a:rPr lang="en-US" sz="1200" dirty="0" err="1"/>
+              <a:t>Hyanidae</a:t>
+            </a:r>
+            <a:r>
+              <a:rPr lang="en-US" sz="1200" dirty="0"/>
+              <a:t>, </a:t>
+            </a:r>
+            <a:r>
+              <a:rPr lang="en-US" sz="1200" dirty="0" err="1"/>
+              <a:t>Nandinlidae</a:t>
+            </a:r>
+            <a:endParaRPr lang="en-US" sz="1200" dirty="0"/>
+          </a:p>
+        </p:txBody>
+      </p:sp>
+      <p:sp>
+        <p:nvSpPr>
+          <p:cNvPr id="15" name="TextBox 14">
+            <a:extLst>
+              <a:ext uri="{FF2B5EF4-FFF2-40B4-BE49-F238E27FC236}">
+                <a16:creationId xmlns:a16="http://schemas.microsoft.com/office/drawing/2014/main" id="{6FFBE5FC-56E3-6828-3335-0792ED845133}"/>
+              </a:ext>
+            </a:extLst>
+          </p:cNvPr>
+          <p:cNvSpPr txBox="1"/>
+          <p:nvPr/>
+        </p:nvSpPr>
+        <p:spPr>
+          <a:xfrm>
+            <a:off x="8973979" y="2805048"/>
+            <a:ext cx="2005802" cy="276999"/>
+          </a:xfrm>
+          <a:prstGeom prst="rect">
+            <a:avLst/>
+          </a:prstGeom>
+          <a:noFill/>
+        </p:spPr>
+        <p:txBody>
+          <a:bodyPr wrap="square" rtlCol="0">
+            <a:spAutoFit/>
+          </a:bodyPr>
+          <a:lstStyle/>
+          <a:p>
+            <a:r>
+              <a:rPr lang="en-US" sz="1200" dirty="0"/>
+              <a:t>Canidae</a:t>
+            </a:r>
+          </a:p>
+        </p:txBody>
+      </p:sp>
+      <p:sp>
+        <p:nvSpPr>
+          <p:cNvPr id="17" name="TextBox 16">
+            <a:extLst>
+              <a:ext uri="{FF2B5EF4-FFF2-40B4-BE49-F238E27FC236}">
+                <a16:creationId xmlns:a16="http://schemas.microsoft.com/office/drawing/2014/main" id="{D5C43B5A-FB35-EEC7-5A3A-8C051AB20D9E}"/>
+              </a:ext>
+            </a:extLst>
+          </p:cNvPr>
+          <p:cNvSpPr txBox="1"/>
+          <p:nvPr/>
+        </p:nvSpPr>
+        <p:spPr>
+          <a:xfrm>
+            <a:off x="8973979" y="3290500"/>
+            <a:ext cx="2005802" cy="276999"/>
+          </a:xfrm>
+          <a:prstGeom prst="rect">
+            <a:avLst/>
+          </a:prstGeom>
+          <a:noFill/>
+        </p:spPr>
+        <p:txBody>
+          <a:bodyPr wrap="square" rtlCol="0">
+            <a:spAutoFit/>
+          </a:bodyPr>
+          <a:lstStyle/>
+          <a:p>
+            <a:r>
+              <a:rPr lang="en-US" sz="1200" dirty="0"/>
+              <a:t>Otariidae and Odobenidae</a:t>
+            </a:r>
+          </a:p>
+        </p:txBody>
+      </p:sp>
+      <p:sp>
+        <p:nvSpPr>
+          <p:cNvPr id="19" name="TextBox 18">
+            <a:extLst>
+              <a:ext uri="{FF2B5EF4-FFF2-40B4-BE49-F238E27FC236}">
+                <a16:creationId xmlns:a16="http://schemas.microsoft.com/office/drawing/2014/main" id="{E71F13E5-6C4E-4FFA-3628-9B554DA042F6}"/>
+              </a:ext>
+            </a:extLst>
+          </p:cNvPr>
+          <p:cNvSpPr txBox="1"/>
+          <p:nvPr/>
+        </p:nvSpPr>
+        <p:spPr>
+          <a:xfrm>
+            <a:off x="8973979" y="3740670"/>
+            <a:ext cx="2005802" cy="276999"/>
+          </a:xfrm>
+          <a:prstGeom prst="rect">
+            <a:avLst/>
+          </a:prstGeom>
+          <a:noFill/>
+        </p:spPr>
+        <p:txBody>
+          <a:bodyPr wrap="square" rtlCol="0">
+            <a:spAutoFit/>
+          </a:bodyPr>
+          <a:lstStyle/>
+          <a:p>
+            <a:r>
+              <a:rPr lang="en-US" sz="1200" dirty="0"/>
+              <a:t>Phocidae</a:t>
+            </a:r>
+          </a:p>
+        </p:txBody>
+      </p:sp>
+      <p:sp>
+        <p:nvSpPr>
+          <p:cNvPr id="20" name="TextBox 19">
+            <a:extLst>
+              <a:ext uri="{FF2B5EF4-FFF2-40B4-BE49-F238E27FC236}">
+                <a16:creationId xmlns:a16="http://schemas.microsoft.com/office/drawing/2014/main" id="{2EE869F5-E956-9A27-5559-70C9F391B27B}"/>
+              </a:ext>
+            </a:extLst>
+          </p:cNvPr>
+          <p:cNvSpPr txBox="1"/>
+          <p:nvPr/>
+        </p:nvSpPr>
+        <p:spPr>
+          <a:xfrm>
+            <a:off x="8973979" y="4114021"/>
+            <a:ext cx="2005802" cy="276999"/>
+          </a:xfrm>
+          <a:prstGeom prst="rect">
+            <a:avLst/>
+          </a:prstGeom>
+          <a:noFill/>
+        </p:spPr>
+        <p:txBody>
+          <a:bodyPr wrap="square" rtlCol="0">
+            <a:spAutoFit/>
+          </a:bodyPr>
+          <a:lstStyle/>
+          <a:p>
+            <a:r>
+              <a:rPr lang="en-US" sz="1200" dirty="0" err="1"/>
+              <a:t>Mephitidae</a:t>
+            </a:r>
+            <a:r>
+              <a:rPr lang="en-US" sz="1200" dirty="0"/>
+              <a:t> and Procyonidae</a:t>
+            </a:r>
+          </a:p>
+        </p:txBody>
+      </p:sp>
+      <p:sp>
+        <p:nvSpPr>
+          <p:cNvPr id="21" name="TextBox 20">
+            <a:extLst>
+              <a:ext uri="{FF2B5EF4-FFF2-40B4-BE49-F238E27FC236}">
+                <a16:creationId xmlns:a16="http://schemas.microsoft.com/office/drawing/2014/main" id="{CB00E5DF-5695-CA53-F9A3-B4EB3E33FF63}"/>
+              </a:ext>
+            </a:extLst>
+          </p:cNvPr>
+          <p:cNvSpPr txBox="1"/>
+          <p:nvPr/>
+        </p:nvSpPr>
+        <p:spPr>
+          <a:xfrm>
+            <a:off x="8973979" y="4807508"/>
+            <a:ext cx="2005802" cy="276999"/>
+          </a:xfrm>
+          <a:prstGeom prst="rect">
+            <a:avLst/>
+          </a:prstGeom>
+          <a:noFill/>
+        </p:spPr>
+        <p:txBody>
+          <a:bodyPr wrap="square" rtlCol="0">
+            <a:spAutoFit/>
+          </a:bodyPr>
+          <a:lstStyle/>
+          <a:p>
+            <a:r>
+              <a:rPr lang="en-US" sz="1200" dirty="0"/>
+              <a:t>Mustelidae</a:t>
+            </a:r>
+          </a:p>
+        </p:txBody>
+      </p:sp>
+      <p:sp>
+        <p:nvSpPr>
+          <p:cNvPr id="23" name="TextBox 22">
+            <a:extLst>
+              <a:ext uri="{FF2B5EF4-FFF2-40B4-BE49-F238E27FC236}">
+                <a16:creationId xmlns:a16="http://schemas.microsoft.com/office/drawing/2014/main" id="{1826A024-63AC-AAA1-DF54-094D1770EF25}"/>
+              </a:ext>
+            </a:extLst>
+          </p:cNvPr>
+          <p:cNvSpPr txBox="1"/>
+          <p:nvPr/>
+        </p:nvSpPr>
+        <p:spPr>
+          <a:xfrm>
+            <a:off x="8973979" y="5789184"/>
+            <a:ext cx="2005802" cy="276999"/>
+          </a:xfrm>
+          <a:prstGeom prst="rect">
+            <a:avLst/>
+          </a:prstGeom>
+          <a:noFill/>
+        </p:spPr>
+        <p:txBody>
+          <a:bodyPr wrap="square" rtlCol="0">
+            <a:spAutoFit/>
+          </a:bodyPr>
+          <a:lstStyle/>
+          <a:p>
+            <a:r>
+              <a:rPr lang="en-US" sz="1200" dirty="0"/>
+              <a:t>Ursidae</a:t>
+            </a:r>
+          </a:p>
+        </p:txBody>
+      </p:sp>
     </p:spTree>
     <p:extLst>
       <p:ext uri="{BB962C8B-B14F-4D97-AF65-F5344CB8AC3E}">
